--- a/fig/embedded_frame.pptx
+++ b/fig/embedded_frame.pptx
@@ -2,13 +2,10 @@
 <file path=ppt/presentation.xml><?xml version="1.0" encoding="utf-8"?>
 <p:presentation xmlns:a="http://schemas.openxmlformats.org/drawingml/2006/main" xmlns:r="http://schemas.openxmlformats.org/officeDocument/2006/relationships" xmlns:p="http://schemas.openxmlformats.org/presentationml/2006/main" saveSubsetFonts="1">
   <p:sldMasterIdLst>
-    <p:sldMasterId id="2147483756" r:id="rId1"/>
+    <p:sldMasterId id="2147483648" r:id="rId1"/>
   </p:sldMasterIdLst>
-  <p:notesMasterIdLst>
-    <p:notesMasterId r:id="rId3"/>
-  </p:notesMasterIdLst>
   <p:sldIdLst>
-    <p:sldId id="344" r:id="rId2"/>
+    <p:sldId id="256" r:id="rId2"/>
   </p:sldIdLst>
   <p:sldSz cx="12192000" cy="6858000"/>
   <p:notesSz cx="6858000" cy="9144000"/>
@@ -16,7 +13,7 @@
     <a:defPPr>
       <a:defRPr lang="en-US"/>
     </a:defPPr>
-    <a:lvl1pPr marL="0" algn="l" defTabSz="457200" rtl="0" eaLnBrk="1" latinLnBrk="0" hangingPunct="1">
+    <a:lvl1pPr marL="0" algn="l" defTabSz="914400" rtl="0" eaLnBrk="1" latinLnBrk="0" hangingPunct="1">
       <a:defRPr sz="1800" kern="1200">
         <a:solidFill>
           <a:schemeClr val="tx1"/>
@@ -26,7 +23,7 @@
         <a:cs typeface="+mn-cs"/>
       </a:defRPr>
     </a:lvl1pPr>
-    <a:lvl2pPr marL="457200" algn="l" defTabSz="457200" rtl="0" eaLnBrk="1" latinLnBrk="0" hangingPunct="1">
+    <a:lvl2pPr marL="457200" algn="l" defTabSz="914400" rtl="0" eaLnBrk="1" latinLnBrk="0" hangingPunct="1">
       <a:defRPr sz="1800" kern="1200">
         <a:solidFill>
           <a:schemeClr val="tx1"/>
@@ -36,7 +33,7 @@
         <a:cs typeface="+mn-cs"/>
       </a:defRPr>
     </a:lvl2pPr>
-    <a:lvl3pPr marL="914400" algn="l" defTabSz="457200" rtl="0" eaLnBrk="1" latinLnBrk="0" hangingPunct="1">
+    <a:lvl3pPr marL="914400" algn="l" defTabSz="914400" rtl="0" eaLnBrk="1" latinLnBrk="0" hangingPunct="1">
       <a:defRPr sz="1800" kern="1200">
         <a:solidFill>
           <a:schemeClr val="tx1"/>
@@ -46,7 +43,7 @@
         <a:cs typeface="+mn-cs"/>
       </a:defRPr>
     </a:lvl3pPr>
-    <a:lvl4pPr marL="1371600" algn="l" defTabSz="457200" rtl="0" eaLnBrk="1" latinLnBrk="0" hangingPunct="1">
+    <a:lvl4pPr marL="1371600" algn="l" defTabSz="914400" rtl="0" eaLnBrk="1" latinLnBrk="0" hangingPunct="1">
       <a:defRPr sz="1800" kern="1200">
         <a:solidFill>
           <a:schemeClr val="tx1"/>
@@ -56,7 +53,7 @@
         <a:cs typeface="+mn-cs"/>
       </a:defRPr>
     </a:lvl4pPr>
-    <a:lvl5pPr marL="1828800" algn="l" defTabSz="457200" rtl="0" eaLnBrk="1" latinLnBrk="0" hangingPunct="1">
+    <a:lvl5pPr marL="1828800" algn="l" defTabSz="914400" rtl="0" eaLnBrk="1" latinLnBrk="0" hangingPunct="1">
       <a:defRPr sz="1800" kern="1200">
         <a:solidFill>
           <a:schemeClr val="tx1"/>
@@ -66,7 +63,7 @@
         <a:cs typeface="+mn-cs"/>
       </a:defRPr>
     </a:lvl5pPr>
-    <a:lvl6pPr marL="2286000" algn="l" defTabSz="457200" rtl="0" eaLnBrk="1" latinLnBrk="0" hangingPunct="1">
+    <a:lvl6pPr marL="2286000" algn="l" defTabSz="914400" rtl="0" eaLnBrk="1" latinLnBrk="0" hangingPunct="1">
       <a:defRPr sz="1800" kern="1200">
         <a:solidFill>
           <a:schemeClr val="tx1"/>
@@ -76,7 +73,7 @@
         <a:cs typeface="+mn-cs"/>
       </a:defRPr>
     </a:lvl6pPr>
-    <a:lvl7pPr marL="2743200" algn="l" defTabSz="457200" rtl="0" eaLnBrk="1" latinLnBrk="0" hangingPunct="1">
+    <a:lvl7pPr marL="2743200" algn="l" defTabSz="914400" rtl="0" eaLnBrk="1" latinLnBrk="0" hangingPunct="1">
       <a:defRPr sz="1800" kern="1200">
         <a:solidFill>
           <a:schemeClr val="tx1"/>
@@ -86,7 +83,7 @@
         <a:cs typeface="+mn-cs"/>
       </a:defRPr>
     </a:lvl7pPr>
-    <a:lvl8pPr marL="3200400" algn="l" defTabSz="457200" rtl="0" eaLnBrk="1" latinLnBrk="0" hangingPunct="1">
+    <a:lvl8pPr marL="3200400" algn="l" defTabSz="914400" rtl="0" eaLnBrk="1" latinLnBrk="0" hangingPunct="1">
       <a:defRPr sz="1800" kern="1200">
         <a:solidFill>
           <a:schemeClr val="tx1"/>
@@ -96,7 +93,7 @@
         <a:cs typeface="+mn-cs"/>
       </a:defRPr>
     </a:lvl8pPr>
-    <a:lvl9pPr marL="3657600" algn="l" defTabSz="457200" rtl="0" eaLnBrk="1" latinLnBrk="0" hangingPunct="1">
+    <a:lvl9pPr marL="3657600" algn="l" defTabSz="914400" rtl="0" eaLnBrk="1" latinLnBrk="0" hangingPunct="1">
       <a:defRPr sz="1800" kern="1200">
         <a:solidFill>
           <a:schemeClr val="tx1"/>
@@ -115,14 +112,9 @@
 </p:presentation>
 </file>
 
-<file path=ppt/notesMasters/notesMaster1.xml><?xml version="1.0" encoding="utf-8"?>
-<p:notesMaster xmlns:a="http://schemas.openxmlformats.org/drawingml/2006/main" xmlns:r="http://schemas.openxmlformats.org/officeDocument/2006/relationships" xmlns:p="http://schemas.openxmlformats.org/presentationml/2006/main">
-  <p:cSld>
-    <p:bg>
-      <p:bgRef idx="1001">
-        <a:schemeClr val="bg1"/>
-      </p:bgRef>
-    </p:bg>
+<file path=ppt/slideLayouts/slideLayout1.xml><?xml version="1.0" encoding="utf-8"?>
+<p:sldLayout xmlns:a="http://schemas.openxmlformats.org/drawingml/2006/main" xmlns:r="http://schemas.openxmlformats.org/officeDocument/2006/relationships" xmlns:p="http://schemas.openxmlformats.org/presentationml/2006/main" type="title" preserve="1">
+  <p:cSld name="Title Slide">
     <p:spTree>
       <p:nvGrpSpPr>
         <p:cNvPr id="1" name=""/>
@@ -139,359 +131,13 @@
       </p:grpSpPr>
       <p:sp>
         <p:nvSpPr>
-          <p:cNvPr id="2" name="Header Placeholder 1"/>
-          <p:cNvSpPr>
-            <a:spLocks noGrp="1"/>
-          </p:cNvSpPr>
-          <p:nvPr>
-            <p:ph type="hdr" sz="quarter"/>
-          </p:nvPr>
-        </p:nvSpPr>
-        <p:spPr>
-          <a:xfrm>
-            <a:off x="0" y="0"/>
-            <a:ext cx="2971800" cy="458788"/>
-          </a:xfrm>
-          <a:prstGeom prst="rect">
-            <a:avLst/>
-          </a:prstGeom>
-        </p:spPr>
-        <p:txBody>
-          <a:bodyPr vert="horz" lIns="91440" tIns="45720" rIns="91440" bIns="45720" rtlCol="0"/>
-          <a:lstStyle>
-            <a:lvl1pPr algn="l">
-              <a:defRPr sz="1200"/>
-            </a:lvl1pPr>
-          </a:lstStyle>
-          <a:p>
-            <a:endParaRPr lang="en-US"/>
-          </a:p>
-        </p:txBody>
-      </p:sp>
-      <p:sp>
-        <p:nvSpPr>
-          <p:cNvPr id="3" name="Date Placeholder 2"/>
-          <p:cNvSpPr>
-            <a:spLocks noGrp="1"/>
-          </p:cNvSpPr>
-          <p:nvPr>
-            <p:ph type="dt" idx="1"/>
-          </p:nvPr>
-        </p:nvSpPr>
-        <p:spPr>
-          <a:xfrm>
-            <a:off x="3884613" y="0"/>
-            <a:ext cx="2971800" cy="458788"/>
-          </a:xfrm>
-          <a:prstGeom prst="rect">
-            <a:avLst/>
-          </a:prstGeom>
-        </p:spPr>
-        <p:txBody>
-          <a:bodyPr vert="horz" lIns="91440" tIns="45720" rIns="91440" bIns="45720" rtlCol="0"/>
-          <a:lstStyle>
-            <a:lvl1pPr algn="r">
-              <a:defRPr sz="1200"/>
-            </a:lvl1pPr>
-          </a:lstStyle>
-          <a:p>
-            <a:fld id="{62C99043-9FC5-4BF5-BD58-60C9FB78D318}" type="datetimeFigureOut">
-              <a:rPr lang="en-US" smtClean="0"/>
-              <a:t>10/26/2020</a:t>
-            </a:fld>
-            <a:endParaRPr lang="en-US"/>
-          </a:p>
-        </p:txBody>
-      </p:sp>
-      <p:sp>
-        <p:nvSpPr>
-          <p:cNvPr id="4" name="Slide Image Placeholder 3"/>
-          <p:cNvSpPr>
-            <a:spLocks noGrp="1" noRot="1" noChangeAspect="1"/>
-          </p:cNvSpPr>
-          <p:nvPr>
-            <p:ph type="sldImg" idx="2"/>
-          </p:nvPr>
-        </p:nvSpPr>
-        <p:spPr>
-          <a:xfrm>
-            <a:off x="685800" y="1143000"/>
-            <a:ext cx="5486400" cy="3086100"/>
-          </a:xfrm>
-          <a:prstGeom prst="rect">
-            <a:avLst/>
-          </a:prstGeom>
-          <a:noFill/>
-          <a:ln w="12700">
-            <a:solidFill>
-              <a:prstClr val="black"/>
-            </a:solidFill>
-          </a:ln>
-        </p:spPr>
-        <p:txBody>
-          <a:bodyPr vert="horz" lIns="91440" tIns="45720" rIns="91440" bIns="45720" rtlCol="0" anchor="ctr"/>
-          <a:lstStyle/>
-          <a:p>
-            <a:endParaRPr lang="en-US"/>
-          </a:p>
-        </p:txBody>
-      </p:sp>
-      <p:sp>
-        <p:nvSpPr>
-          <p:cNvPr id="5" name="Notes Placeholder 4"/>
-          <p:cNvSpPr>
-            <a:spLocks noGrp="1"/>
-          </p:cNvSpPr>
-          <p:nvPr>
-            <p:ph type="body" sz="quarter" idx="3"/>
-          </p:nvPr>
-        </p:nvSpPr>
-        <p:spPr>
-          <a:xfrm>
-            <a:off x="685800" y="4400550"/>
-            <a:ext cx="5486400" cy="3600450"/>
-          </a:xfrm>
-          <a:prstGeom prst="rect">
-            <a:avLst/>
-          </a:prstGeom>
-        </p:spPr>
-        <p:txBody>
-          <a:bodyPr vert="horz" lIns="91440" tIns="45720" rIns="91440" bIns="45720" rtlCol="0"/>
-          <a:lstStyle/>
-          <a:p>
-            <a:pPr lvl="0"/>
-            <a:r>
-              <a:rPr lang="en-US"/>
-              <a:t>Edit Master text styles</a:t>
-            </a:r>
-          </a:p>
-          <a:p>
-            <a:pPr lvl="1"/>
-            <a:r>
-              <a:rPr lang="en-US"/>
-              <a:t>Second level</a:t>
-            </a:r>
-          </a:p>
-          <a:p>
-            <a:pPr lvl="2"/>
-            <a:r>
-              <a:rPr lang="en-US"/>
-              <a:t>Third level</a:t>
-            </a:r>
-          </a:p>
-          <a:p>
-            <a:pPr lvl="3"/>
-            <a:r>
-              <a:rPr lang="en-US"/>
-              <a:t>Fourth level</a:t>
-            </a:r>
-          </a:p>
-          <a:p>
-            <a:pPr lvl="4"/>
-            <a:r>
-              <a:rPr lang="en-US"/>
-              <a:t>Fifth level</a:t>
-            </a:r>
-          </a:p>
-        </p:txBody>
-      </p:sp>
-      <p:sp>
-        <p:nvSpPr>
-          <p:cNvPr id="6" name="Footer Placeholder 5"/>
-          <p:cNvSpPr>
-            <a:spLocks noGrp="1"/>
-          </p:cNvSpPr>
-          <p:nvPr>
-            <p:ph type="ftr" sz="quarter" idx="4"/>
-          </p:nvPr>
-        </p:nvSpPr>
-        <p:spPr>
-          <a:xfrm>
-            <a:off x="0" y="8685213"/>
-            <a:ext cx="2971800" cy="458787"/>
-          </a:xfrm>
-          <a:prstGeom prst="rect">
-            <a:avLst/>
-          </a:prstGeom>
-        </p:spPr>
-        <p:txBody>
-          <a:bodyPr vert="horz" lIns="91440" tIns="45720" rIns="91440" bIns="45720" rtlCol="0" anchor="b"/>
-          <a:lstStyle>
-            <a:lvl1pPr algn="l">
-              <a:defRPr sz="1200"/>
-            </a:lvl1pPr>
-          </a:lstStyle>
-          <a:p>
-            <a:endParaRPr lang="en-US"/>
-          </a:p>
-        </p:txBody>
-      </p:sp>
-      <p:sp>
-        <p:nvSpPr>
-          <p:cNvPr id="7" name="Slide Number Placeholder 6"/>
-          <p:cNvSpPr>
-            <a:spLocks noGrp="1"/>
-          </p:cNvSpPr>
-          <p:nvPr>
-            <p:ph type="sldNum" sz="quarter" idx="5"/>
-          </p:nvPr>
-        </p:nvSpPr>
-        <p:spPr>
-          <a:xfrm>
-            <a:off x="3884613" y="8685213"/>
-            <a:ext cx="2971800" cy="458787"/>
-          </a:xfrm>
-          <a:prstGeom prst="rect">
-            <a:avLst/>
-          </a:prstGeom>
-        </p:spPr>
-        <p:txBody>
-          <a:bodyPr vert="horz" lIns="91440" tIns="45720" rIns="91440" bIns="45720" rtlCol="0" anchor="b"/>
-          <a:lstStyle>
-            <a:lvl1pPr algn="r">
-              <a:defRPr sz="1200"/>
-            </a:lvl1pPr>
-          </a:lstStyle>
-          <a:p>
-            <a:fld id="{247864EC-9423-43F7-BA4E-B899B5D8A0CC}" type="slidenum">
-              <a:rPr lang="en-US" smtClean="0"/>
-              <a:t>‹#›</a:t>
-            </a:fld>
-            <a:endParaRPr lang="en-US"/>
-          </a:p>
-        </p:txBody>
-      </p:sp>
-    </p:spTree>
-    <p:extLst>
-      <p:ext uri="{BB962C8B-B14F-4D97-AF65-F5344CB8AC3E}">
-        <p14:creationId xmlns:p14="http://schemas.microsoft.com/office/powerpoint/2010/main" val="3910178194"/>
-      </p:ext>
-    </p:extLst>
-  </p:cSld>
-  <p:clrMap bg1="lt1" tx1="dk1" bg2="lt2" tx2="dk2" accent1="accent1" accent2="accent2" accent3="accent3" accent4="accent4" accent5="accent5" accent6="accent6" hlink="hlink" folHlink="folHlink"/>
-  <p:notesStyle>
-    <a:lvl1pPr marL="0" algn="l" defTabSz="914400" rtl="0" eaLnBrk="1" latinLnBrk="0" hangingPunct="1">
-      <a:defRPr sz="1200" kern="1200">
-        <a:solidFill>
-          <a:schemeClr val="tx1"/>
-        </a:solidFill>
-        <a:latin typeface="+mn-lt"/>
-        <a:ea typeface="+mn-ea"/>
-        <a:cs typeface="+mn-cs"/>
-      </a:defRPr>
-    </a:lvl1pPr>
-    <a:lvl2pPr marL="457200" algn="l" defTabSz="914400" rtl="0" eaLnBrk="1" latinLnBrk="0" hangingPunct="1">
-      <a:defRPr sz="1200" kern="1200">
-        <a:solidFill>
-          <a:schemeClr val="tx1"/>
-        </a:solidFill>
-        <a:latin typeface="+mn-lt"/>
-        <a:ea typeface="+mn-ea"/>
-        <a:cs typeface="+mn-cs"/>
-      </a:defRPr>
-    </a:lvl2pPr>
-    <a:lvl3pPr marL="914400" algn="l" defTabSz="914400" rtl="0" eaLnBrk="1" latinLnBrk="0" hangingPunct="1">
-      <a:defRPr sz="1200" kern="1200">
-        <a:solidFill>
-          <a:schemeClr val="tx1"/>
-        </a:solidFill>
-        <a:latin typeface="+mn-lt"/>
-        <a:ea typeface="+mn-ea"/>
-        <a:cs typeface="+mn-cs"/>
-      </a:defRPr>
-    </a:lvl3pPr>
-    <a:lvl4pPr marL="1371600" algn="l" defTabSz="914400" rtl="0" eaLnBrk="1" latinLnBrk="0" hangingPunct="1">
-      <a:defRPr sz="1200" kern="1200">
-        <a:solidFill>
-          <a:schemeClr val="tx1"/>
-        </a:solidFill>
-        <a:latin typeface="+mn-lt"/>
-        <a:ea typeface="+mn-ea"/>
-        <a:cs typeface="+mn-cs"/>
-      </a:defRPr>
-    </a:lvl4pPr>
-    <a:lvl5pPr marL="1828800" algn="l" defTabSz="914400" rtl="0" eaLnBrk="1" latinLnBrk="0" hangingPunct="1">
-      <a:defRPr sz="1200" kern="1200">
-        <a:solidFill>
-          <a:schemeClr val="tx1"/>
-        </a:solidFill>
-        <a:latin typeface="+mn-lt"/>
-        <a:ea typeface="+mn-ea"/>
-        <a:cs typeface="+mn-cs"/>
-      </a:defRPr>
-    </a:lvl5pPr>
-    <a:lvl6pPr marL="2286000" algn="l" defTabSz="914400" rtl="0" eaLnBrk="1" latinLnBrk="0" hangingPunct="1">
-      <a:defRPr sz="1200" kern="1200">
-        <a:solidFill>
-          <a:schemeClr val="tx1"/>
-        </a:solidFill>
-        <a:latin typeface="+mn-lt"/>
-        <a:ea typeface="+mn-ea"/>
-        <a:cs typeface="+mn-cs"/>
-      </a:defRPr>
-    </a:lvl6pPr>
-    <a:lvl7pPr marL="2743200" algn="l" defTabSz="914400" rtl="0" eaLnBrk="1" latinLnBrk="0" hangingPunct="1">
-      <a:defRPr sz="1200" kern="1200">
-        <a:solidFill>
-          <a:schemeClr val="tx1"/>
-        </a:solidFill>
-        <a:latin typeface="+mn-lt"/>
-        <a:ea typeface="+mn-ea"/>
-        <a:cs typeface="+mn-cs"/>
-      </a:defRPr>
-    </a:lvl7pPr>
-    <a:lvl8pPr marL="3200400" algn="l" defTabSz="914400" rtl="0" eaLnBrk="1" latinLnBrk="0" hangingPunct="1">
-      <a:defRPr sz="1200" kern="1200">
-        <a:solidFill>
-          <a:schemeClr val="tx1"/>
-        </a:solidFill>
-        <a:latin typeface="+mn-lt"/>
-        <a:ea typeface="+mn-ea"/>
-        <a:cs typeface="+mn-cs"/>
-      </a:defRPr>
-    </a:lvl8pPr>
-    <a:lvl9pPr marL="3657600" algn="l" defTabSz="914400" rtl="0" eaLnBrk="1" latinLnBrk="0" hangingPunct="1">
-      <a:defRPr sz="1200" kern="1200">
-        <a:solidFill>
-          <a:schemeClr val="tx1"/>
-        </a:solidFill>
-        <a:latin typeface="+mn-lt"/>
-        <a:ea typeface="+mn-ea"/>
-        <a:cs typeface="+mn-cs"/>
-      </a:defRPr>
-    </a:lvl9pPr>
-  </p:notesStyle>
-</p:notesMaster>
-</file>
-
-<file path=ppt/slideLayouts/slideLayout1.xml><?xml version="1.0" encoding="utf-8"?>
-<p:sldLayout xmlns:a="http://schemas.openxmlformats.org/drawingml/2006/main" xmlns:r="http://schemas.openxmlformats.org/officeDocument/2006/relationships" xmlns:p="http://schemas.openxmlformats.org/presentationml/2006/main" showMasterSp="0" type="title" preserve="1">
-  <p:cSld name="Title Slide">
-    <p:bg>
-      <p:bgPr>
-        <a:solidFill>
-          <a:schemeClr val="accent1"/>
-        </a:solidFill>
-        <a:effectLst/>
-      </p:bgPr>
-    </p:bg>
-    <p:spTree>
-      <p:nvGrpSpPr>
-        <p:cNvPr id="1" name=""/>
-        <p:cNvGrpSpPr/>
-        <p:nvPr/>
-      </p:nvGrpSpPr>
-      <p:grpSpPr>
-        <a:xfrm>
-          <a:off x="0" y="0"/>
-          <a:ext cx="0" cy="0"/>
-          <a:chOff x="0" y="0"/>
-          <a:chExt cx="0" cy="0"/>
-        </a:xfrm>
-      </p:grpSpPr>
-      <p:sp>
-        <p:nvSpPr>
-          <p:cNvPr id="2" name="Title 1"/>
+          <p:cNvPr id="2" name="Title 1">
+            <a:extLst>
+              <a:ext uri="{FF2B5EF4-FFF2-40B4-BE49-F238E27FC236}">
+                <a16:creationId xmlns:a16="http://schemas.microsoft.com/office/drawing/2014/main" id="{E3EB24A7-49D0-49D6-A901-22927787AC25}"/>
+              </a:ext>
+            </a:extLst>
+          </p:cNvPr>
           <p:cNvSpPr>
             <a:spLocks noGrp="1"/>
           </p:cNvSpPr>
@@ -501,21 +147,15 @@
         </p:nvSpPr>
         <p:spPr>
           <a:xfrm>
-            <a:off x="1915128" y="1788454"/>
-            <a:ext cx="8361229" cy="2098226"/>
-          </a:xfrm>
-        </p:spPr>
-        <p:txBody>
-          <a:bodyPr anchor="b">
-            <a:noAutofit/>
-          </a:bodyPr>
+            <a:off x="1524000" y="1122363"/>
+            <a:ext cx="9144000" cy="2387600"/>
+          </a:xfrm>
+        </p:spPr>
+        <p:txBody>
+          <a:bodyPr anchor="b"/>
           <a:lstStyle>
             <a:lvl1pPr algn="ctr">
-              <a:defRPr sz="7200" cap="all" baseline="0">
-                <a:solidFill>
-                  <a:schemeClr val="tx2"/>
-                </a:solidFill>
-              </a:defRPr>
+              <a:defRPr sz="6000"/>
             </a:lvl1pPr>
           </a:lstStyle>
           <a:p>
@@ -523,13 +163,18 @@
               <a:rPr lang="en-US"/>
               <a:t>Click to edit Master title style</a:t>
             </a:r>
-            <a:endParaRPr lang="en-US" dirty="0"/>
-          </a:p>
-        </p:txBody>
-      </p:sp>
-      <p:sp>
-        <p:nvSpPr>
-          <p:cNvPr id="3" name="Subtitle 2"/>
+          </a:p>
+        </p:txBody>
+      </p:sp>
+      <p:sp>
+        <p:nvSpPr>
+          <p:cNvPr id="3" name="Subtitle 2">
+            <a:extLst>
+              <a:ext uri="{FF2B5EF4-FFF2-40B4-BE49-F238E27FC236}">
+                <a16:creationId xmlns:a16="http://schemas.microsoft.com/office/drawing/2014/main" id="{C346BB95-E6F9-4100-B9FB-C0058FF447FF}"/>
+              </a:ext>
+            </a:extLst>
+          </p:cNvPr>
           <p:cNvSpPr>
             <a:spLocks noGrp="1"/>
           </p:cNvSpPr>
@@ -539,31 +184,16 @@
         </p:nvSpPr>
         <p:spPr>
           <a:xfrm>
-            <a:off x="2679906" y="3956279"/>
-            <a:ext cx="6831673" cy="1086237"/>
-          </a:xfrm>
-        </p:spPr>
-        <p:txBody>
-          <a:bodyPr>
-            <a:normAutofit/>
-          </a:bodyPr>
+            <a:off x="1524000" y="3602038"/>
+            <a:ext cx="9144000" cy="1655762"/>
+          </a:xfrm>
+        </p:spPr>
+        <p:txBody>
+          <a:bodyPr/>
           <a:lstStyle>
             <a:lvl1pPr marL="0" indent="0" algn="ctr">
-              <a:lnSpc>
-                <a:spcPct val="112000"/>
-              </a:lnSpc>
-              <a:spcBef>
-                <a:spcPts val="0"/>
-              </a:spcBef>
-              <a:spcAft>
-                <a:spcPts val="0"/>
-              </a:spcAft>
               <a:buNone/>
-              <a:defRPr sz="2300">
-                <a:solidFill>
-                  <a:schemeClr val="bg2"/>
-                </a:solidFill>
-              </a:defRPr>
+              <a:defRPr sz="2400"/>
             </a:lvl1pPr>
             <a:lvl2pPr marL="457200" indent="0" algn="ctr">
               <a:buNone/>
@@ -603,13 +233,18 @@
               <a:rPr lang="en-US"/>
               <a:t>Click to edit Master subtitle style</a:t>
             </a:r>
-            <a:endParaRPr lang="en-US" dirty="0"/>
-          </a:p>
-        </p:txBody>
-      </p:sp>
-      <p:sp>
-        <p:nvSpPr>
-          <p:cNvPr id="4" name="Date Placeholder 3"/>
+          </a:p>
+        </p:txBody>
+      </p:sp>
+      <p:sp>
+        <p:nvSpPr>
+          <p:cNvPr id="4" name="Date Placeholder 3">
+            <a:extLst>
+              <a:ext uri="{FF2B5EF4-FFF2-40B4-BE49-F238E27FC236}">
+                <a16:creationId xmlns:a16="http://schemas.microsoft.com/office/drawing/2014/main" id="{186984E8-B281-467E-A830-3CF8CA60C614}"/>
+              </a:ext>
+            </a:extLst>
+          </p:cNvPr>
           <p:cNvSpPr>
             <a:spLocks noGrp="1"/>
           </p:cNvSpPr>
@@ -617,27 +252,14 @@
             <p:ph type="dt" sz="half" idx="10"/>
           </p:nvPr>
         </p:nvSpPr>
-        <p:spPr>
-          <a:xfrm>
-            <a:off x="752858" y="6453386"/>
-            <a:ext cx="1607944" cy="404614"/>
-          </a:xfrm>
-        </p:spPr>
+        <p:spPr/>
         <p:txBody>
           <a:bodyPr/>
-          <a:lstStyle>
-            <a:lvl1pPr>
-              <a:defRPr baseline="0">
-                <a:solidFill>
-                  <a:schemeClr val="tx2"/>
-                </a:solidFill>
-              </a:defRPr>
-            </a:lvl1pPr>
-          </a:lstStyle>
-          <a:p>
-            <a:fld id="{D1F97E29-0E3F-4B99-A9ED-470A1831EC9F}" type="datetime1">
+          <a:lstStyle/>
+          <a:p>
+            <a:fld id="{E1628388-8475-48ED-AB40-8D0634AA6F59}" type="datetimeFigureOut">
               <a:rPr lang="en-US" smtClean="0"/>
-              <a:t>10/26/2020</a:t>
+              <a:t>12/1/2020</a:t>
             </a:fld>
             <a:endParaRPr lang="en-US"/>
           </a:p>
@@ -645,7 +267,13 @@
       </p:sp>
       <p:sp>
         <p:nvSpPr>
-          <p:cNvPr id="5" name="Footer Placeholder 4"/>
+          <p:cNvPr id="5" name="Footer Placeholder 4">
+            <a:extLst>
+              <a:ext uri="{FF2B5EF4-FFF2-40B4-BE49-F238E27FC236}">
+                <a16:creationId xmlns:a16="http://schemas.microsoft.com/office/drawing/2014/main" id="{30470EB8-1CB1-471A-8B07-C8B6E7CF27B8}"/>
+              </a:ext>
+            </a:extLst>
+          </p:cNvPr>
           <p:cNvSpPr>
             <a:spLocks noGrp="1"/>
           </p:cNvSpPr>
@@ -653,23 +281,10 @@
             <p:ph type="ftr" sz="quarter" idx="11"/>
           </p:nvPr>
         </p:nvSpPr>
-        <p:spPr>
-          <a:xfrm>
-            <a:off x="2584054" y="6453386"/>
-            <a:ext cx="7023377" cy="404614"/>
-          </a:xfrm>
-        </p:spPr>
+        <p:spPr/>
         <p:txBody>
           <a:bodyPr/>
-          <a:lstStyle>
-            <a:lvl1pPr algn="ctr">
-              <a:defRPr baseline="0">
-                <a:solidFill>
-                  <a:schemeClr val="tx2"/>
-                </a:solidFill>
-              </a:defRPr>
-            </a:lvl1pPr>
-          </a:lstStyle>
+          <a:lstStyle/>
           <a:p>
             <a:endParaRPr lang="en-US"/>
           </a:p>
@@ -677,7 +292,13 @@
       </p:sp>
       <p:sp>
         <p:nvSpPr>
-          <p:cNvPr id="6" name="Slide Number Placeholder 5"/>
+          <p:cNvPr id="6" name="Slide Number Placeholder 5">
+            <a:extLst>
+              <a:ext uri="{FF2B5EF4-FFF2-40B4-BE49-F238E27FC236}">
+                <a16:creationId xmlns:a16="http://schemas.microsoft.com/office/drawing/2014/main" id="{46ABDE1D-A9B0-4903-B25E-0B474434F94C}"/>
+              </a:ext>
+            </a:extLst>
+          </p:cNvPr>
           <p:cNvSpPr>
             <a:spLocks noGrp="1"/>
           </p:cNvSpPr>
@@ -685,25 +306,12 @@
             <p:ph type="sldNum" sz="quarter" idx="12"/>
           </p:nvPr>
         </p:nvSpPr>
-        <p:spPr>
-          <a:xfrm>
-            <a:off x="9830683" y="6453386"/>
-            <a:ext cx="1596292" cy="404614"/>
-          </a:xfrm>
-        </p:spPr>
+        <p:spPr/>
         <p:txBody>
           <a:bodyPr/>
-          <a:lstStyle>
-            <a:lvl1pPr>
-              <a:defRPr baseline="0">
-                <a:solidFill>
-                  <a:schemeClr val="tx2"/>
-                </a:solidFill>
-              </a:defRPr>
-            </a:lvl1pPr>
-          </a:lstStyle>
-          <a:p>
-            <a:fld id="{F028C567-C893-478B-8134-9B7E019C1A37}" type="slidenum">
+          <a:lstStyle/>
+          <a:p>
+            <a:fld id="{F3929E66-B8DD-49E2-9918-A127B3778F8B}" type="slidenum">
               <a:rPr lang="en-US" smtClean="0"/>
               <a:t>‹#›</a:t>
             </a:fld>
@@ -711,139 +319,10 @@
           </a:p>
         </p:txBody>
       </p:sp>
-      <p:grpSp>
-        <p:nvGrpSpPr>
-          <p:cNvPr id="9" name="Group 8"/>
-          <p:cNvGrpSpPr/>
-          <p:nvPr/>
-        </p:nvGrpSpPr>
-        <p:grpSpPr>
-          <a:xfrm>
-            <a:off x="752858" y="744469"/>
-            <a:ext cx="10674117" cy="5349671"/>
-            <a:chOff x="752858" y="744469"/>
-            <a:chExt cx="10674117" cy="5349671"/>
-          </a:xfrm>
-        </p:grpSpPr>
-        <p:sp>
-          <p:nvSpPr>
-            <p:cNvPr id="11" name="Freeform 6"/>
-            <p:cNvSpPr/>
-            <p:nvPr/>
-          </p:nvSpPr>
-          <p:spPr bwMode="auto">
-            <a:xfrm>
-              <a:off x="8151962" y="1685652"/>
-              <a:ext cx="3275013" cy="4408488"/>
-            </a:xfrm>
-            <a:custGeom>
-              <a:avLst/>
-              <a:gdLst/>
-              <a:ahLst/>
-              <a:cxnLst/>
-              <a:rect l="l" t="t" r="r" b="b"/>
-              <a:pathLst>
-                <a:path w="10000" h="10000">
-                  <a:moveTo>
-                    <a:pt x="8761" y="0"/>
-                  </a:moveTo>
-                  <a:lnTo>
-                    <a:pt x="10000" y="0"/>
-                  </a:lnTo>
-                  <a:lnTo>
-                    <a:pt x="10000" y="10000"/>
-                  </a:lnTo>
-                  <a:lnTo>
-                    <a:pt x="0" y="10000"/>
-                  </a:lnTo>
-                  <a:lnTo>
-                    <a:pt x="0" y="9126"/>
-                  </a:lnTo>
-                  <a:lnTo>
-                    <a:pt x="8761" y="9127"/>
-                  </a:lnTo>
-                  <a:lnTo>
-                    <a:pt x="8761" y="0"/>
-                  </a:lnTo>
-                  <a:close/>
-                </a:path>
-              </a:pathLst>
-            </a:custGeom>
-            <a:solidFill>
-              <a:schemeClr val="tx2"/>
-            </a:solidFill>
-            <a:ln w="0">
-              <a:noFill/>
-              <a:prstDash val="solid"/>
-              <a:round/>
-              <a:headEnd/>
-              <a:tailEnd/>
-            </a:ln>
-          </p:spPr>
-        </p:sp>
-        <p:sp>
-          <p:nvSpPr>
-            <p:cNvPr id="14" name="Freeform 6"/>
-            <p:cNvSpPr/>
-            <p:nvPr/>
-          </p:nvSpPr>
-          <p:spPr bwMode="auto">
-            <a:xfrm flipH="1" flipV="1">
-              <a:off x="752858" y="744469"/>
-              <a:ext cx="3275668" cy="4408488"/>
-            </a:xfrm>
-            <a:custGeom>
-              <a:avLst/>
-              <a:gdLst/>
-              <a:ahLst/>
-              <a:cxnLst/>
-              <a:rect l="l" t="t" r="r" b="b"/>
-              <a:pathLst>
-                <a:path w="10002" h="10000">
-                  <a:moveTo>
-                    <a:pt x="8763" y="0"/>
-                  </a:moveTo>
-                  <a:lnTo>
-                    <a:pt x="10002" y="0"/>
-                  </a:lnTo>
-                  <a:lnTo>
-                    <a:pt x="10002" y="10000"/>
-                  </a:lnTo>
-                  <a:lnTo>
-                    <a:pt x="2" y="10000"/>
-                  </a:lnTo>
-                  <a:cubicBezTo>
-                    <a:pt x="-2" y="9698"/>
-                    <a:pt x="4" y="9427"/>
-                    <a:pt x="0" y="9125"/>
-                  </a:cubicBezTo>
-                  <a:lnTo>
-                    <a:pt x="8763" y="9128"/>
-                  </a:lnTo>
-                  <a:lnTo>
-                    <a:pt x="8763" y="0"/>
-                  </a:lnTo>
-                  <a:close/>
-                </a:path>
-              </a:pathLst>
-            </a:custGeom>
-            <a:solidFill>
-              <a:schemeClr val="tx2"/>
-            </a:solidFill>
-            <a:ln w="0">
-              <a:noFill/>
-              <a:prstDash val="solid"/>
-              <a:round/>
-              <a:headEnd/>
-              <a:tailEnd/>
-            </a:ln>
-          </p:spPr>
-        </p:sp>
-      </p:grpSp>
     </p:spTree>
     <p:extLst>
       <p:ext uri="{BB962C8B-B14F-4D97-AF65-F5344CB8AC3E}">
-        <p14:creationId xmlns:p14="http://schemas.microsoft.com/office/powerpoint/2010/main" val="2527456766"/>
+        <p14:creationId xmlns:p14="http://schemas.microsoft.com/office/powerpoint/2010/main" val="2398005261"/>
       </p:ext>
     </p:extLst>
   </p:cSld>
@@ -872,7 +351,13 @@
       </p:grpSpPr>
       <p:sp>
         <p:nvSpPr>
-          <p:cNvPr id="2" name="Title 1"/>
+          <p:cNvPr id="2" name="Title 1">
+            <a:extLst>
+              <a:ext uri="{FF2B5EF4-FFF2-40B4-BE49-F238E27FC236}">
+                <a16:creationId xmlns:a16="http://schemas.microsoft.com/office/drawing/2014/main" id="{B559AD8D-D296-4366-9D4F-BA0481BFB6EC}"/>
+              </a:ext>
+            </a:extLst>
+          </p:cNvPr>
           <p:cNvSpPr>
             <a:spLocks noGrp="1"/>
           </p:cNvSpPr>
@@ -889,13 +374,18 @@
               <a:rPr lang="en-US"/>
               <a:t>Click to edit Master title style</a:t>
             </a:r>
-            <a:endParaRPr lang="en-US" dirty="0"/>
-          </a:p>
-        </p:txBody>
-      </p:sp>
-      <p:sp>
-        <p:nvSpPr>
-          <p:cNvPr id="3" name="Vertical Text Placeholder 2"/>
+          </a:p>
+        </p:txBody>
+      </p:sp>
+      <p:sp>
+        <p:nvSpPr>
+          <p:cNvPr id="3" name="Vertical Text Placeholder 2">
+            <a:extLst>
+              <a:ext uri="{FF2B5EF4-FFF2-40B4-BE49-F238E27FC236}">
+                <a16:creationId xmlns:a16="http://schemas.microsoft.com/office/drawing/2014/main" id="{9F02C855-0AEA-49FB-A412-DE429A4B575E}"/>
+              </a:ext>
+            </a:extLst>
+          </p:cNvPr>
           <p:cNvSpPr>
             <a:spLocks noGrp="1"/>
           </p:cNvSpPr>
@@ -903,12 +393,7 @@
             <p:ph type="body" orient="vert" idx="1"/>
           </p:nvPr>
         </p:nvSpPr>
-        <p:spPr>
-          <a:xfrm>
-            <a:off x="1371600" y="2295525"/>
-            <a:ext cx="9601200" cy="3571875"/>
-          </a:xfrm>
-        </p:spPr>
+        <p:spPr/>
         <p:txBody>
           <a:bodyPr vert="eaVert"/>
           <a:lstStyle/>
@@ -946,13 +431,18 @@
               <a:rPr lang="en-US"/>
               <a:t>Fifth level</a:t>
             </a:r>
-            <a:endParaRPr lang="en-US" dirty="0"/>
-          </a:p>
-        </p:txBody>
-      </p:sp>
-      <p:sp>
-        <p:nvSpPr>
-          <p:cNvPr id="4" name="Date Placeholder 3"/>
+          </a:p>
+        </p:txBody>
+      </p:sp>
+      <p:sp>
+        <p:nvSpPr>
+          <p:cNvPr id="4" name="Date Placeholder 3">
+            <a:extLst>
+              <a:ext uri="{FF2B5EF4-FFF2-40B4-BE49-F238E27FC236}">
+                <a16:creationId xmlns:a16="http://schemas.microsoft.com/office/drawing/2014/main" id="{9E646946-82D3-426B-960C-CDB832B9F708}"/>
+              </a:ext>
+            </a:extLst>
+          </p:cNvPr>
           <p:cNvSpPr>
             <a:spLocks noGrp="1"/>
           </p:cNvSpPr>
@@ -965,9 +455,9 @@
           <a:bodyPr/>
           <a:lstStyle/>
           <a:p>
-            <a:fld id="{8E01B7D2-C181-4B9D-9C09-218A8EA96AB7}" type="datetime1">
+            <a:fld id="{E1628388-8475-48ED-AB40-8D0634AA6F59}" type="datetimeFigureOut">
               <a:rPr lang="en-US" smtClean="0"/>
-              <a:t>10/26/2020</a:t>
+              <a:t>12/1/2020</a:t>
             </a:fld>
             <a:endParaRPr lang="en-US"/>
           </a:p>
@@ -975,7 +465,13 @@
       </p:sp>
       <p:sp>
         <p:nvSpPr>
-          <p:cNvPr id="5" name="Footer Placeholder 4"/>
+          <p:cNvPr id="5" name="Footer Placeholder 4">
+            <a:extLst>
+              <a:ext uri="{FF2B5EF4-FFF2-40B4-BE49-F238E27FC236}">
+                <a16:creationId xmlns:a16="http://schemas.microsoft.com/office/drawing/2014/main" id="{A23196C0-D06F-4D0B-9B76-0E4CD811943F}"/>
+              </a:ext>
+            </a:extLst>
+          </p:cNvPr>
           <p:cNvSpPr>
             <a:spLocks noGrp="1"/>
           </p:cNvSpPr>
@@ -994,7 +490,13 @@
       </p:sp>
       <p:sp>
         <p:nvSpPr>
-          <p:cNvPr id="6" name="Slide Number Placeholder 5"/>
+          <p:cNvPr id="6" name="Slide Number Placeholder 5">
+            <a:extLst>
+              <a:ext uri="{FF2B5EF4-FFF2-40B4-BE49-F238E27FC236}">
+                <a16:creationId xmlns:a16="http://schemas.microsoft.com/office/drawing/2014/main" id="{90B65513-9B9C-4112-A8BB-CD34A399362B}"/>
+              </a:ext>
+            </a:extLst>
+          </p:cNvPr>
           <p:cNvSpPr>
             <a:spLocks noGrp="1"/>
           </p:cNvSpPr>
@@ -1007,7 +509,7 @@
           <a:bodyPr/>
           <a:lstStyle/>
           <a:p>
-            <a:fld id="{F028C567-C893-478B-8134-9B7E019C1A37}" type="slidenum">
+            <a:fld id="{F3929E66-B8DD-49E2-9918-A127B3778F8B}" type="slidenum">
               <a:rPr lang="en-US" smtClean="0"/>
               <a:t>‹#›</a:t>
             </a:fld>
@@ -1018,7 +520,7 @@
     </p:spTree>
     <p:extLst>
       <p:ext uri="{BB962C8B-B14F-4D97-AF65-F5344CB8AC3E}">
-        <p14:creationId xmlns:p14="http://schemas.microsoft.com/office/powerpoint/2010/main" val="3845715009"/>
+        <p14:creationId xmlns:p14="http://schemas.microsoft.com/office/powerpoint/2010/main" val="1446146437"/>
       </p:ext>
     </p:extLst>
   </p:cSld>
@@ -1047,7 +549,13 @@
       </p:grpSpPr>
       <p:sp>
         <p:nvSpPr>
-          <p:cNvPr id="2" name="Vertical Title 1"/>
+          <p:cNvPr id="2" name="Vertical Title 1">
+            <a:extLst>
+              <a:ext uri="{FF2B5EF4-FFF2-40B4-BE49-F238E27FC236}">
+                <a16:creationId xmlns:a16="http://schemas.microsoft.com/office/drawing/2014/main" id="{DDA7E01E-C04E-43F0-BBCA-9FB181B130A9}"/>
+              </a:ext>
+            </a:extLst>
+          </p:cNvPr>
           <p:cNvSpPr>
             <a:spLocks noGrp="1"/>
           </p:cNvSpPr>
@@ -1057,8 +565,8 @@
         </p:nvSpPr>
         <p:spPr>
           <a:xfrm>
-            <a:off x="9596561" y="624156"/>
-            <a:ext cx="1565766" cy="5243244"/>
+            <a:off x="8724900" y="365125"/>
+            <a:ext cx="2628900" cy="5811838"/>
           </a:xfrm>
         </p:spPr>
         <p:txBody>
@@ -1069,13 +577,18 @@
               <a:rPr lang="en-US"/>
               <a:t>Click to edit Master title style</a:t>
             </a:r>
-            <a:endParaRPr lang="en-US" dirty="0"/>
-          </a:p>
-        </p:txBody>
-      </p:sp>
-      <p:sp>
-        <p:nvSpPr>
-          <p:cNvPr id="3" name="Vertical Text Placeholder 2"/>
+          </a:p>
+        </p:txBody>
+      </p:sp>
+      <p:sp>
+        <p:nvSpPr>
+          <p:cNvPr id="3" name="Vertical Text Placeholder 2">
+            <a:extLst>
+              <a:ext uri="{FF2B5EF4-FFF2-40B4-BE49-F238E27FC236}">
+                <a16:creationId xmlns:a16="http://schemas.microsoft.com/office/drawing/2014/main" id="{968351D0-BA6F-45FF-8FB8-FEAB5FF758C4}"/>
+              </a:ext>
+            </a:extLst>
+          </p:cNvPr>
           <p:cNvSpPr>
             <a:spLocks noGrp="1"/>
           </p:cNvSpPr>
@@ -1085,8 +598,8 @@
         </p:nvSpPr>
         <p:spPr>
           <a:xfrm>
-            <a:off x="1371600" y="624156"/>
-            <a:ext cx="8179641" cy="5243244"/>
+            <a:off x="838200" y="365125"/>
+            <a:ext cx="7734300" cy="5811838"/>
           </a:xfrm>
         </p:spPr>
         <p:txBody>
@@ -1126,13 +639,18 @@
               <a:rPr lang="en-US"/>
               <a:t>Fifth level</a:t>
             </a:r>
-            <a:endParaRPr lang="en-US" dirty="0"/>
-          </a:p>
-        </p:txBody>
-      </p:sp>
-      <p:sp>
-        <p:nvSpPr>
-          <p:cNvPr id="4" name="Date Placeholder 3"/>
+          </a:p>
+        </p:txBody>
+      </p:sp>
+      <p:sp>
+        <p:nvSpPr>
+          <p:cNvPr id="4" name="Date Placeholder 3">
+            <a:extLst>
+              <a:ext uri="{FF2B5EF4-FFF2-40B4-BE49-F238E27FC236}">
+                <a16:creationId xmlns:a16="http://schemas.microsoft.com/office/drawing/2014/main" id="{BBC62676-C463-45A3-AC84-87C0F8309DA1}"/>
+              </a:ext>
+            </a:extLst>
+          </p:cNvPr>
           <p:cNvSpPr>
             <a:spLocks noGrp="1"/>
           </p:cNvSpPr>
@@ -1145,9 +663,9 @@
           <a:bodyPr/>
           <a:lstStyle/>
           <a:p>
-            <a:fld id="{2CFC8955-08FD-40DE-9323-14178C31DC71}" type="datetime1">
+            <a:fld id="{E1628388-8475-48ED-AB40-8D0634AA6F59}" type="datetimeFigureOut">
               <a:rPr lang="en-US" smtClean="0"/>
-              <a:t>10/26/2020</a:t>
+              <a:t>12/1/2020</a:t>
             </a:fld>
             <a:endParaRPr lang="en-US"/>
           </a:p>
@@ -1155,7 +673,13 @@
       </p:sp>
       <p:sp>
         <p:nvSpPr>
-          <p:cNvPr id="5" name="Footer Placeholder 4"/>
+          <p:cNvPr id="5" name="Footer Placeholder 4">
+            <a:extLst>
+              <a:ext uri="{FF2B5EF4-FFF2-40B4-BE49-F238E27FC236}">
+                <a16:creationId xmlns:a16="http://schemas.microsoft.com/office/drawing/2014/main" id="{2A0EF62A-46FE-4E55-97EF-2A3784FCA456}"/>
+              </a:ext>
+            </a:extLst>
+          </p:cNvPr>
           <p:cNvSpPr>
             <a:spLocks noGrp="1"/>
           </p:cNvSpPr>
@@ -1174,7 +698,13 @@
       </p:sp>
       <p:sp>
         <p:nvSpPr>
-          <p:cNvPr id="6" name="Slide Number Placeholder 5"/>
+          <p:cNvPr id="6" name="Slide Number Placeholder 5">
+            <a:extLst>
+              <a:ext uri="{FF2B5EF4-FFF2-40B4-BE49-F238E27FC236}">
+                <a16:creationId xmlns:a16="http://schemas.microsoft.com/office/drawing/2014/main" id="{58D28CA9-52D8-4CE7-8AEA-813216D01A88}"/>
+              </a:ext>
+            </a:extLst>
+          </p:cNvPr>
           <p:cNvSpPr>
             <a:spLocks noGrp="1"/>
           </p:cNvSpPr>
@@ -1187,7 +717,7 @@
           <a:bodyPr/>
           <a:lstStyle/>
           <a:p>
-            <a:fld id="{F028C567-C893-478B-8134-9B7E019C1A37}" type="slidenum">
+            <a:fld id="{F3929E66-B8DD-49E2-9918-A127B3778F8B}" type="slidenum">
               <a:rPr lang="en-US" smtClean="0"/>
               <a:t>‹#›</a:t>
             </a:fld>
@@ -1198,7 +728,7 @@
     </p:spTree>
     <p:extLst>
       <p:ext uri="{BB962C8B-B14F-4D97-AF65-F5344CB8AC3E}">
-        <p14:creationId xmlns:p14="http://schemas.microsoft.com/office/powerpoint/2010/main" val="462921973"/>
+        <p14:creationId xmlns:p14="http://schemas.microsoft.com/office/powerpoint/2010/main" val="996573942"/>
       </p:ext>
     </p:extLst>
   </p:cSld>
@@ -1227,7 +757,13 @@
       </p:grpSpPr>
       <p:sp>
         <p:nvSpPr>
-          <p:cNvPr id="2" name="Title 1"/>
+          <p:cNvPr id="2" name="Title 1">
+            <a:extLst>
+              <a:ext uri="{FF2B5EF4-FFF2-40B4-BE49-F238E27FC236}">
+                <a16:creationId xmlns:a16="http://schemas.microsoft.com/office/drawing/2014/main" id="{AB851B61-77F1-435C-BCBF-CCA9E10C24B4}"/>
+              </a:ext>
+            </a:extLst>
+          </p:cNvPr>
           <p:cNvSpPr>
             <a:spLocks noGrp="1"/>
           </p:cNvSpPr>
@@ -1244,13 +780,18 @@
               <a:rPr lang="en-US"/>
               <a:t>Click to edit Master title style</a:t>
             </a:r>
-            <a:endParaRPr lang="en-US" dirty="0"/>
-          </a:p>
-        </p:txBody>
-      </p:sp>
-      <p:sp>
-        <p:nvSpPr>
-          <p:cNvPr id="3" name="Content Placeholder 2"/>
+          </a:p>
+        </p:txBody>
+      </p:sp>
+      <p:sp>
+        <p:nvSpPr>
+          <p:cNvPr id="3" name="Content Placeholder 2">
+            <a:extLst>
+              <a:ext uri="{FF2B5EF4-FFF2-40B4-BE49-F238E27FC236}">
+                <a16:creationId xmlns:a16="http://schemas.microsoft.com/office/drawing/2014/main" id="{04720A1F-D366-497F-9959-8EE665A7AAD4}"/>
+              </a:ext>
+            </a:extLst>
+          </p:cNvPr>
           <p:cNvSpPr>
             <a:spLocks noGrp="1"/>
           </p:cNvSpPr>
@@ -1296,13 +837,18 @@
               <a:rPr lang="en-US"/>
               <a:t>Fifth level</a:t>
             </a:r>
-            <a:endParaRPr lang="en-US" dirty="0"/>
-          </a:p>
-        </p:txBody>
-      </p:sp>
-      <p:sp>
-        <p:nvSpPr>
-          <p:cNvPr id="4" name="Date Placeholder 3"/>
+          </a:p>
+        </p:txBody>
+      </p:sp>
+      <p:sp>
+        <p:nvSpPr>
+          <p:cNvPr id="4" name="Date Placeholder 3">
+            <a:extLst>
+              <a:ext uri="{FF2B5EF4-FFF2-40B4-BE49-F238E27FC236}">
+                <a16:creationId xmlns:a16="http://schemas.microsoft.com/office/drawing/2014/main" id="{21A8C171-C957-4A4A-9CD5-1B385286303E}"/>
+              </a:ext>
+            </a:extLst>
+          </p:cNvPr>
           <p:cNvSpPr>
             <a:spLocks noGrp="1"/>
           </p:cNvSpPr>
@@ -1315,9 +861,9 @@
           <a:bodyPr/>
           <a:lstStyle/>
           <a:p>
-            <a:fld id="{1278314F-6144-4250-A9EF-B8208E61A2BF}" type="datetime1">
+            <a:fld id="{E1628388-8475-48ED-AB40-8D0634AA6F59}" type="datetimeFigureOut">
               <a:rPr lang="en-US" smtClean="0"/>
-              <a:t>10/26/2020</a:t>
+              <a:t>12/1/2020</a:t>
             </a:fld>
             <a:endParaRPr lang="en-US"/>
           </a:p>
@@ -1325,7 +871,13 @@
       </p:sp>
       <p:sp>
         <p:nvSpPr>
-          <p:cNvPr id="5" name="Footer Placeholder 4"/>
+          <p:cNvPr id="5" name="Footer Placeholder 4">
+            <a:extLst>
+              <a:ext uri="{FF2B5EF4-FFF2-40B4-BE49-F238E27FC236}">
+                <a16:creationId xmlns:a16="http://schemas.microsoft.com/office/drawing/2014/main" id="{621FAA06-75BD-4BAC-BC57-9CEE1B82F325}"/>
+              </a:ext>
+            </a:extLst>
+          </p:cNvPr>
           <p:cNvSpPr>
             <a:spLocks noGrp="1"/>
           </p:cNvSpPr>
@@ -1344,7 +896,13 @@
       </p:sp>
       <p:sp>
         <p:nvSpPr>
-          <p:cNvPr id="6" name="Slide Number Placeholder 5"/>
+          <p:cNvPr id="6" name="Slide Number Placeholder 5">
+            <a:extLst>
+              <a:ext uri="{FF2B5EF4-FFF2-40B4-BE49-F238E27FC236}">
+                <a16:creationId xmlns:a16="http://schemas.microsoft.com/office/drawing/2014/main" id="{5D7753B5-954E-4FA5-8A10-C2E7805A63CF}"/>
+              </a:ext>
+            </a:extLst>
+          </p:cNvPr>
           <p:cNvSpPr>
             <a:spLocks noGrp="1"/>
           </p:cNvSpPr>
@@ -1357,7 +915,7 @@
           <a:bodyPr/>
           <a:lstStyle/>
           <a:p>
-            <a:fld id="{F028C567-C893-478B-8134-9B7E019C1A37}" type="slidenum">
+            <a:fld id="{F3929E66-B8DD-49E2-9918-A127B3778F8B}" type="slidenum">
               <a:rPr lang="en-US" smtClean="0"/>
               <a:t>‹#›</a:t>
             </a:fld>
@@ -1368,7 +926,7 @@
     </p:spTree>
     <p:extLst>
       <p:ext uri="{BB962C8B-B14F-4D97-AF65-F5344CB8AC3E}">
-        <p14:creationId xmlns:p14="http://schemas.microsoft.com/office/powerpoint/2010/main" val="851305605"/>
+        <p14:creationId xmlns:p14="http://schemas.microsoft.com/office/powerpoint/2010/main" val="2161881268"/>
       </p:ext>
     </p:extLst>
   </p:cSld>
@@ -1379,13 +937,8 @@
 </file>
 
 <file path=ppt/slideLayouts/slideLayout3.xml><?xml version="1.0" encoding="utf-8"?>
-<p:sldLayout xmlns:a="http://schemas.openxmlformats.org/drawingml/2006/main" xmlns:r="http://schemas.openxmlformats.org/officeDocument/2006/relationships" xmlns:p="http://schemas.openxmlformats.org/presentationml/2006/main" showMasterSp="0" type="secHead" preserve="1">
+<p:sldLayout xmlns:a="http://schemas.openxmlformats.org/drawingml/2006/main" xmlns:r="http://schemas.openxmlformats.org/officeDocument/2006/relationships" xmlns:p="http://schemas.openxmlformats.org/presentationml/2006/main" type="secHead" preserve="1">
   <p:cSld name="Section Header">
-    <p:bg>
-      <p:bgRef idx="1001">
-        <a:schemeClr val="bg2"/>
-      </p:bgRef>
-    </p:bg>
     <p:spTree>
       <p:nvGrpSpPr>
         <p:cNvPr id="1" name=""/>
@@ -1402,7 +955,13 @@
       </p:grpSpPr>
       <p:sp>
         <p:nvSpPr>
-          <p:cNvPr id="2" name="Title 1"/>
+          <p:cNvPr id="2" name="Title 1">
+            <a:extLst>
+              <a:ext uri="{FF2B5EF4-FFF2-40B4-BE49-F238E27FC236}">
+                <a16:creationId xmlns:a16="http://schemas.microsoft.com/office/drawing/2014/main" id="{94882F6D-0DC5-4B03-BF4E-F84E87F85EFC}"/>
+              </a:ext>
+            </a:extLst>
+          </p:cNvPr>
           <p:cNvSpPr>
             <a:spLocks noGrp="1"/>
           </p:cNvSpPr>
@@ -1412,21 +971,15 @@
         </p:nvSpPr>
         <p:spPr>
           <a:xfrm>
-            <a:off x="765025" y="1301360"/>
-            <a:ext cx="9612971" cy="2852737"/>
-          </a:xfrm>
-        </p:spPr>
-        <p:txBody>
-          <a:bodyPr anchor="b">
-            <a:normAutofit/>
-          </a:bodyPr>
+            <a:off x="831850" y="1709738"/>
+            <a:ext cx="10515600" cy="2852737"/>
+          </a:xfrm>
+        </p:spPr>
+        <p:txBody>
+          <a:bodyPr anchor="b"/>
           <a:lstStyle>
-            <a:lvl1pPr algn="r">
-              <a:defRPr sz="7200" cap="all" baseline="0">
-                <a:solidFill>
-                  <a:schemeClr val="accent1"/>
-                </a:solidFill>
-              </a:defRPr>
+            <a:lvl1pPr>
+              <a:defRPr sz="6000"/>
             </a:lvl1pPr>
           </a:lstStyle>
           <a:p>
@@ -1434,13 +987,18 @@
               <a:rPr lang="en-US"/>
               <a:t>Click to edit Master title style</a:t>
             </a:r>
-            <a:endParaRPr lang="en-US" dirty="0"/>
-          </a:p>
-        </p:txBody>
-      </p:sp>
-      <p:sp>
-        <p:nvSpPr>
-          <p:cNvPr id="3" name="Text Placeholder 2"/>
+          </a:p>
+        </p:txBody>
+      </p:sp>
+      <p:sp>
+        <p:nvSpPr>
+          <p:cNvPr id="3" name="Text Placeholder 2">
+            <a:extLst>
+              <a:ext uri="{FF2B5EF4-FFF2-40B4-BE49-F238E27FC236}">
+                <a16:creationId xmlns:a16="http://schemas.microsoft.com/office/drawing/2014/main" id="{11BA7134-2C6E-40D3-990A-C81C4C54F6E6}"/>
+              </a:ext>
+            </a:extLst>
+          </p:cNvPr>
           <p:cNvSpPr>
             <a:spLocks noGrp="1"/>
           </p:cNvSpPr>
@@ -1450,27 +1008,20 @@
         </p:nvSpPr>
         <p:spPr>
           <a:xfrm>
-            <a:off x="765025" y="4216328"/>
-            <a:ext cx="9612971" cy="1143324"/>
+            <a:off x="831850" y="4589463"/>
+            <a:ext cx="10515600" cy="1500187"/>
           </a:xfrm>
         </p:spPr>
         <p:txBody>
           <a:bodyPr/>
           <a:lstStyle>
-            <a:lvl1pPr marL="0" indent="0" algn="r">
-              <a:lnSpc>
-                <a:spcPct val="112000"/>
-              </a:lnSpc>
-              <a:spcBef>
-                <a:spcPts val="0"/>
-              </a:spcBef>
-              <a:spcAft>
-                <a:spcPts val="0"/>
-              </a:spcAft>
+            <a:lvl1pPr marL="0" indent="0">
               <a:buNone/>
               <a:defRPr sz="2400">
                 <a:solidFill>
-                  <a:schemeClr val="tx2"/>
+                  <a:schemeClr val="tx1">
+                    <a:tint val="75000"/>
+                  </a:schemeClr>
                 </a:solidFill>
               </a:defRPr>
             </a:lvl1pPr>
@@ -1566,7 +1117,13 @@
       </p:sp>
       <p:sp>
         <p:nvSpPr>
-          <p:cNvPr id="4" name="Date Placeholder 3"/>
+          <p:cNvPr id="4" name="Date Placeholder 3">
+            <a:extLst>
+              <a:ext uri="{FF2B5EF4-FFF2-40B4-BE49-F238E27FC236}">
+                <a16:creationId xmlns:a16="http://schemas.microsoft.com/office/drawing/2014/main" id="{F7D8BEBB-B40E-486E-AC7F-47F30726B0C8}"/>
+              </a:ext>
+            </a:extLst>
+          </p:cNvPr>
           <p:cNvSpPr>
             <a:spLocks noGrp="1"/>
           </p:cNvSpPr>
@@ -1574,27 +1131,14 @@
             <p:ph type="dt" sz="half" idx="10"/>
           </p:nvPr>
         </p:nvSpPr>
-        <p:spPr>
-          <a:xfrm>
-            <a:off x="738908" y="6453386"/>
-            <a:ext cx="1622409" cy="404614"/>
-          </a:xfrm>
-        </p:spPr>
+        <p:spPr/>
         <p:txBody>
           <a:bodyPr/>
-          <a:lstStyle>
-            <a:lvl1pPr>
-              <a:defRPr>
-                <a:solidFill>
-                  <a:schemeClr val="tx2"/>
-                </a:solidFill>
-              </a:defRPr>
-            </a:lvl1pPr>
-          </a:lstStyle>
-          <a:p>
-            <a:fld id="{C65318F9-C526-4CE6-B7BA-8FEF2D1D2323}" type="datetime1">
+          <a:lstStyle/>
+          <a:p>
+            <a:fld id="{E1628388-8475-48ED-AB40-8D0634AA6F59}" type="datetimeFigureOut">
               <a:rPr lang="en-US" smtClean="0"/>
-              <a:t>10/26/2020</a:t>
+              <a:t>12/1/2020</a:t>
             </a:fld>
             <a:endParaRPr lang="en-US"/>
           </a:p>
@@ -1602,7 +1146,13 @@
       </p:sp>
       <p:sp>
         <p:nvSpPr>
-          <p:cNvPr id="5" name="Footer Placeholder 4"/>
+          <p:cNvPr id="5" name="Footer Placeholder 4">
+            <a:extLst>
+              <a:ext uri="{FF2B5EF4-FFF2-40B4-BE49-F238E27FC236}">
+                <a16:creationId xmlns:a16="http://schemas.microsoft.com/office/drawing/2014/main" id="{687640DC-D187-432A-9C9A-EEAF6C43B217}"/>
+              </a:ext>
+            </a:extLst>
+          </p:cNvPr>
           <p:cNvSpPr>
             <a:spLocks noGrp="1"/>
           </p:cNvSpPr>
@@ -1610,23 +1160,10 @@
             <p:ph type="ftr" sz="quarter" idx="11"/>
           </p:nvPr>
         </p:nvSpPr>
-        <p:spPr>
-          <a:xfrm>
-            <a:off x="2584312" y="6453386"/>
-            <a:ext cx="7023377" cy="404614"/>
-          </a:xfrm>
-        </p:spPr>
+        <p:spPr/>
         <p:txBody>
           <a:bodyPr/>
-          <a:lstStyle>
-            <a:lvl1pPr algn="ctr">
-              <a:defRPr>
-                <a:solidFill>
-                  <a:schemeClr val="tx2"/>
-                </a:solidFill>
-              </a:defRPr>
-            </a:lvl1pPr>
-          </a:lstStyle>
+          <a:lstStyle/>
           <a:p>
             <a:endParaRPr lang="en-US"/>
           </a:p>
@@ -1634,7 +1171,13 @@
       </p:sp>
       <p:sp>
         <p:nvSpPr>
-          <p:cNvPr id="6" name="Slide Number Placeholder 5"/>
+          <p:cNvPr id="6" name="Slide Number Placeholder 5">
+            <a:extLst>
+              <a:ext uri="{FF2B5EF4-FFF2-40B4-BE49-F238E27FC236}">
+                <a16:creationId xmlns:a16="http://schemas.microsoft.com/office/drawing/2014/main" id="{0D27BED2-B9B1-4FFA-A520-C31E9A4A1E41}"/>
+              </a:ext>
+            </a:extLst>
+          </p:cNvPr>
           <p:cNvSpPr>
             <a:spLocks noGrp="1"/>
           </p:cNvSpPr>
@@ -1642,25 +1185,12 @@
             <p:ph type="sldNum" sz="quarter" idx="12"/>
           </p:nvPr>
         </p:nvSpPr>
-        <p:spPr>
-          <a:xfrm>
-            <a:off x="9830683" y="6453386"/>
-            <a:ext cx="1596292" cy="404614"/>
-          </a:xfrm>
-        </p:spPr>
+        <p:spPr/>
         <p:txBody>
           <a:bodyPr/>
-          <a:lstStyle>
-            <a:lvl1pPr>
-              <a:defRPr>
-                <a:solidFill>
-                  <a:schemeClr val="tx2"/>
-                </a:solidFill>
-              </a:defRPr>
-            </a:lvl1pPr>
-          </a:lstStyle>
-          <a:p>
-            <a:fld id="{F028C567-C893-478B-8134-9B7E019C1A37}" type="slidenum">
+          <a:lstStyle/>
+          <a:p>
+            <a:fld id="{F3929E66-B8DD-49E2-9918-A127B3778F8B}" type="slidenum">
               <a:rPr lang="en-US" smtClean="0"/>
               <a:t>‹#›</a:t>
             </a:fld>
@@ -1668,71 +1198,15 @@
           </a:p>
         </p:txBody>
       </p:sp>
-      <p:sp>
-        <p:nvSpPr>
-          <p:cNvPr id="7" name="Freeform 6" title="Crop Mark"/>
-          <p:cNvSpPr/>
-          <p:nvPr/>
-        </p:nvSpPr>
-        <p:spPr bwMode="auto">
-          <a:xfrm>
-            <a:off x="8151962" y="1685652"/>
-            <a:ext cx="3275013" cy="4408488"/>
-          </a:xfrm>
-          <a:custGeom>
-            <a:avLst/>
-            <a:gdLst/>
-            <a:ahLst/>
-            <a:cxnLst/>
-            <a:rect l="0" t="0" r="r" b="b"/>
-            <a:pathLst>
-              <a:path w="4125" h="5554">
-                <a:moveTo>
-                  <a:pt x="3614" y="0"/>
-                </a:moveTo>
-                <a:lnTo>
-                  <a:pt x="4125" y="0"/>
-                </a:lnTo>
-                <a:lnTo>
-                  <a:pt x="4125" y="5554"/>
-                </a:lnTo>
-                <a:lnTo>
-                  <a:pt x="0" y="5554"/>
-                </a:lnTo>
-                <a:lnTo>
-                  <a:pt x="0" y="5074"/>
-                </a:lnTo>
-                <a:lnTo>
-                  <a:pt x="3614" y="5074"/>
-                </a:lnTo>
-                <a:lnTo>
-                  <a:pt x="3614" y="0"/>
-                </a:lnTo>
-                <a:close/>
-              </a:path>
-            </a:pathLst>
-          </a:custGeom>
-          <a:solidFill>
-            <a:schemeClr val="accent1"/>
-          </a:solidFill>
-          <a:ln w="0">
-            <a:noFill/>
-            <a:prstDash val="solid"/>
-            <a:round/>
-            <a:headEnd/>
-            <a:tailEnd/>
-          </a:ln>
-        </p:spPr>
-      </p:sp>
     </p:spTree>
     <p:extLst>
       <p:ext uri="{BB962C8B-B14F-4D97-AF65-F5344CB8AC3E}">
-        <p14:creationId xmlns:p14="http://schemas.microsoft.com/office/powerpoint/2010/main" val="3629185022"/>
+        <p14:creationId xmlns:p14="http://schemas.microsoft.com/office/powerpoint/2010/main" val="957628689"/>
       </p:ext>
     </p:extLst>
   </p:cSld>
   <p:clrMapOvr>
-    <a:overrideClrMapping bg1="dk1" tx1="lt1" bg2="dk2" tx2="lt2" accent1="accent1" accent2="accent2" accent3="accent3" accent4="accent4" accent5="accent5" accent6="accent6" hlink="hlink" folHlink="folHlink"/>
+    <a:masterClrMapping/>
   </p:clrMapOvr>
 </p:sldLayout>
 </file>
@@ -1756,7 +1230,13 @@
       </p:grpSpPr>
       <p:sp>
         <p:nvSpPr>
-          <p:cNvPr id="2" name="Title 1"/>
+          <p:cNvPr id="2" name="Title 1">
+            <a:extLst>
+              <a:ext uri="{FF2B5EF4-FFF2-40B4-BE49-F238E27FC236}">
+                <a16:creationId xmlns:a16="http://schemas.microsoft.com/office/drawing/2014/main" id="{7334D057-2D08-4159-BE0E-87DBDB461E28}"/>
+              </a:ext>
+            </a:extLst>
+          </p:cNvPr>
           <p:cNvSpPr>
             <a:spLocks noGrp="1"/>
           </p:cNvSpPr>
@@ -1767,27 +1247,24 @@
         <p:spPr/>
         <p:txBody>
           <a:bodyPr/>
-          <a:lstStyle>
-            <a:lvl1pPr>
-              <a:defRPr>
-                <a:solidFill>
-                  <a:schemeClr val="tx2"/>
-                </a:solidFill>
-              </a:defRPr>
-            </a:lvl1pPr>
-          </a:lstStyle>
+          <a:lstStyle/>
           <a:p>
             <a:r>
               <a:rPr lang="en-US"/>
               <a:t>Click to edit Master title style</a:t>
             </a:r>
-            <a:endParaRPr lang="en-US" dirty="0"/>
-          </a:p>
-        </p:txBody>
-      </p:sp>
-      <p:sp>
-        <p:nvSpPr>
-          <p:cNvPr id="3" name="Content Placeholder 2"/>
+          </a:p>
+        </p:txBody>
+      </p:sp>
+      <p:sp>
+        <p:nvSpPr>
+          <p:cNvPr id="3" name="Content Placeholder 2">
+            <a:extLst>
+              <a:ext uri="{FF2B5EF4-FFF2-40B4-BE49-F238E27FC236}">
+                <a16:creationId xmlns:a16="http://schemas.microsoft.com/office/drawing/2014/main" id="{F57789B2-89BF-42FB-A25A-1073F99408C3}"/>
+              </a:ext>
+            </a:extLst>
+          </p:cNvPr>
           <p:cNvSpPr>
             <a:spLocks noGrp="1"/>
           </p:cNvSpPr>
@@ -1797,49 +1274,13 @@
         </p:nvSpPr>
         <p:spPr>
           <a:xfrm>
-            <a:off x="1371600" y="2285999"/>
-            <a:ext cx="4447786" cy="3581401"/>
+            <a:off x="838200" y="1825625"/>
+            <a:ext cx="5181600" cy="4351338"/>
           </a:xfrm>
         </p:spPr>
         <p:txBody>
           <a:bodyPr/>
-          <a:lstStyle>
-            <a:lvl1pPr>
-              <a:defRPr baseline="0">
-                <a:solidFill>
-                  <a:schemeClr val="tx2"/>
-                </a:solidFill>
-              </a:defRPr>
-            </a:lvl1pPr>
-            <a:lvl2pPr>
-              <a:defRPr baseline="0">
-                <a:solidFill>
-                  <a:schemeClr val="tx2"/>
-                </a:solidFill>
-              </a:defRPr>
-            </a:lvl2pPr>
-            <a:lvl3pPr>
-              <a:defRPr baseline="0">
-                <a:solidFill>
-                  <a:schemeClr val="tx2"/>
-                </a:solidFill>
-              </a:defRPr>
-            </a:lvl3pPr>
-            <a:lvl4pPr>
-              <a:defRPr baseline="0">
-                <a:solidFill>
-                  <a:schemeClr val="tx2"/>
-                </a:solidFill>
-              </a:defRPr>
-            </a:lvl4pPr>
-            <a:lvl5pPr>
-              <a:defRPr baseline="0">
-                <a:solidFill>
-                  <a:schemeClr val="tx2"/>
-                </a:solidFill>
-              </a:defRPr>
-            </a:lvl5pPr>
-          </a:lstStyle>
+          <a:lstStyle/>
           <a:p>
             <a:pPr lvl="0"/>
             <a:r>
@@ -1874,13 +1315,18 @@
               <a:rPr lang="en-US"/>
               <a:t>Fifth level</a:t>
             </a:r>
-            <a:endParaRPr lang="en-US" dirty="0"/>
-          </a:p>
-        </p:txBody>
-      </p:sp>
-      <p:sp>
-        <p:nvSpPr>
-          <p:cNvPr id="4" name="Content Placeholder 3"/>
+          </a:p>
+        </p:txBody>
+      </p:sp>
+      <p:sp>
+        <p:nvSpPr>
+          <p:cNvPr id="4" name="Content Placeholder 3">
+            <a:extLst>
+              <a:ext uri="{FF2B5EF4-FFF2-40B4-BE49-F238E27FC236}">
+                <a16:creationId xmlns:a16="http://schemas.microsoft.com/office/drawing/2014/main" id="{4C652630-AB61-4EA8-A559-C9D9578C15D3}"/>
+              </a:ext>
+            </a:extLst>
+          </p:cNvPr>
           <p:cNvSpPr>
             <a:spLocks noGrp="1"/>
           </p:cNvSpPr>
@@ -1890,49 +1336,13 @@
         </p:nvSpPr>
         <p:spPr>
           <a:xfrm>
-            <a:off x="6525403" y="2285999"/>
-            <a:ext cx="4447786" cy="3581401"/>
+            <a:off x="6172200" y="1825625"/>
+            <a:ext cx="5181600" cy="4351338"/>
           </a:xfrm>
         </p:spPr>
         <p:txBody>
           <a:bodyPr/>
-          <a:lstStyle>
-            <a:lvl1pPr>
-              <a:defRPr>
-                <a:solidFill>
-                  <a:schemeClr val="tx2"/>
-                </a:solidFill>
-              </a:defRPr>
-            </a:lvl1pPr>
-            <a:lvl2pPr>
-              <a:defRPr>
-                <a:solidFill>
-                  <a:schemeClr val="tx2"/>
-                </a:solidFill>
-              </a:defRPr>
-            </a:lvl2pPr>
-            <a:lvl3pPr>
-              <a:defRPr>
-                <a:solidFill>
-                  <a:schemeClr val="tx2"/>
-                </a:solidFill>
-              </a:defRPr>
-            </a:lvl3pPr>
-            <a:lvl4pPr>
-              <a:defRPr>
-                <a:solidFill>
-                  <a:schemeClr val="tx2"/>
-                </a:solidFill>
-              </a:defRPr>
-            </a:lvl4pPr>
-            <a:lvl5pPr>
-              <a:defRPr>
-                <a:solidFill>
-                  <a:schemeClr val="tx2"/>
-                </a:solidFill>
-              </a:defRPr>
-            </a:lvl5pPr>
-          </a:lstStyle>
+          <a:lstStyle/>
           <a:p>
             <a:pPr lvl="0"/>
             <a:r>
@@ -1967,13 +1377,18 @@
               <a:rPr lang="en-US"/>
               <a:t>Fifth level</a:t>
             </a:r>
-            <a:endParaRPr lang="en-US" dirty="0"/>
-          </a:p>
-        </p:txBody>
-      </p:sp>
-      <p:sp>
-        <p:nvSpPr>
-          <p:cNvPr id="5" name="Date Placeholder 4"/>
+          </a:p>
+        </p:txBody>
+      </p:sp>
+      <p:sp>
+        <p:nvSpPr>
+          <p:cNvPr id="5" name="Date Placeholder 4">
+            <a:extLst>
+              <a:ext uri="{FF2B5EF4-FFF2-40B4-BE49-F238E27FC236}">
+                <a16:creationId xmlns:a16="http://schemas.microsoft.com/office/drawing/2014/main" id="{B42A89FB-A70F-48B7-94B0-62322B67DAB1}"/>
+              </a:ext>
+            </a:extLst>
+          </p:cNvPr>
           <p:cNvSpPr>
             <a:spLocks noGrp="1"/>
           </p:cNvSpPr>
@@ -1986,9 +1401,9 @@
           <a:bodyPr/>
           <a:lstStyle/>
           <a:p>
-            <a:fld id="{7B66A9F1-6808-4792-8DAA-1C26F5F2B025}" type="datetime1">
+            <a:fld id="{E1628388-8475-48ED-AB40-8D0634AA6F59}" type="datetimeFigureOut">
               <a:rPr lang="en-US" smtClean="0"/>
-              <a:t>10/26/2020</a:t>
+              <a:t>12/1/2020</a:t>
             </a:fld>
             <a:endParaRPr lang="en-US"/>
           </a:p>
@@ -1996,7 +1411,13 @@
       </p:sp>
       <p:sp>
         <p:nvSpPr>
-          <p:cNvPr id="6" name="Footer Placeholder 5"/>
+          <p:cNvPr id="6" name="Footer Placeholder 5">
+            <a:extLst>
+              <a:ext uri="{FF2B5EF4-FFF2-40B4-BE49-F238E27FC236}">
+                <a16:creationId xmlns:a16="http://schemas.microsoft.com/office/drawing/2014/main" id="{B81B3810-0641-4183-8FAA-96A3E8030418}"/>
+              </a:ext>
+            </a:extLst>
+          </p:cNvPr>
           <p:cNvSpPr>
             <a:spLocks noGrp="1"/>
           </p:cNvSpPr>
@@ -2015,7 +1436,13 @@
       </p:sp>
       <p:sp>
         <p:nvSpPr>
-          <p:cNvPr id="7" name="Slide Number Placeholder 6"/>
+          <p:cNvPr id="7" name="Slide Number Placeholder 6">
+            <a:extLst>
+              <a:ext uri="{FF2B5EF4-FFF2-40B4-BE49-F238E27FC236}">
+                <a16:creationId xmlns:a16="http://schemas.microsoft.com/office/drawing/2014/main" id="{B934B26E-9C9C-493C-A30F-066773B23B7B}"/>
+              </a:ext>
+            </a:extLst>
+          </p:cNvPr>
           <p:cNvSpPr>
             <a:spLocks noGrp="1"/>
           </p:cNvSpPr>
@@ -2028,7 +1455,7 @@
           <a:bodyPr/>
           <a:lstStyle/>
           <a:p>
-            <a:fld id="{F028C567-C893-478B-8134-9B7E019C1A37}" type="slidenum">
+            <a:fld id="{F3929E66-B8DD-49E2-9918-A127B3778F8B}" type="slidenum">
               <a:rPr lang="en-US" smtClean="0"/>
               <a:t>‹#›</a:t>
             </a:fld>
@@ -2039,18 +1466,13 @@
     </p:spTree>
     <p:extLst>
       <p:ext uri="{BB962C8B-B14F-4D97-AF65-F5344CB8AC3E}">
-        <p14:creationId xmlns:p14="http://schemas.microsoft.com/office/powerpoint/2010/main" val="4125714186"/>
+        <p14:creationId xmlns:p14="http://schemas.microsoft.com/office/powerpoint/2010/main" val="2806540787"/>
       </p:ext>
     </p:extLst>
   </p:cSld>
   <p:clrMapOvr>
     <a:masterClrMapping/>
   </p:clrMapOvr>
-  <p:extLst>
-    <p:ext uri="{DCECCB84-F9BA-43D5-87BE-67443E8EF086}">
-      <p15:sldGuideLst xmlns:p15="http://schemas.microsoft.com/office/powerpoint/2012/main"/>
-    </p:ext>
-  </p:extLst>
 </p:sldLayout>
 </file>
 
@@ -2073,7 +1495,13 @@
       </p:grpSpPr>
       <p:sp>
         <p:nvSpPr>
-          <p:cNvPr id="2" name="Title 1"/>
+          <p:cNvPr id="2" name="Title 1">
+            <a:extLst>
+              <a:ext uri="{FF2B5EF4-FFF2-40B4-BE49-F238E27FC236}">
+                <a16:creationId xmlns:a16="http://schemas.microsoft.com/office/drawing/2014/main" id="{F3BA6625-B1C3-4C7C-8E06-0A03A38890C1}"/>
+              </a:ext>
+            </a:extLst>
+          </p:cNvPr>
           <p:cNvSpPr>
             <a:spLocks noGrp="1"/>
           </p:cNvSpPr>
@@ -2083,33 +1511,30 @@
         </p:nvSpPr>
         <p:spPr>
           <a:xfrm>
-            <a:off x="1371600" y="685800"/>
-            <a:ext cx="9601200" cy="1485900"/>
+            <a:off x="839788" y="365125"/>
+            <a:ext cx="10515600" cy="1325563"/>
           </a:xfrm>
         </p:spPr>
         <p:txBody>
           <a:bodyPr/>
-          <a:lstStyle>
-            <a:lvl1pPr>
-              <a:defRPr>
-                <a:solidFill>
-                  <a:schemeClr val="tx2"/>
-                </a:solidFill>
-              </a:defRPr>
-            </a:lvl1pPr>
-          </a:lstStyle>
+          <a:lstStyle/>
           <a:p>
             <a:r>
               <a:rPr lang="en-US"/>
               <a:t>Click to edit Master title style</a:t>
             </a:r>
-            <a:endParaRPr lang="en-US" dirty="0"/>
-          </a:p>
-        </p:txBody>
-      </p:sp>
-      <p:sp>
-        <p:nvSpPr>
-          <p:cNvPr id="3" name="Text Placeholder 2"/>
+          </a:p>
+        </p:txBody>
+      </p:sp>
+      <p:sp>
+        <p:nvSpPr>
+          <p:cNvPr id="3" name="Text Placeholder 2">
+            <a:extLst>
+              <a:ext uri="{FF2B5EF4-FFF2-40B4-BE49-F238E27FC236}">
+                <a16:creationId xmlns:a16="http://schemas.microsoft.com/office/drawing/2014/main" id="{20FA330F-FFB3-4E08-BCDB-5F6799CB3FE1}"/>
+              </a:ext>
+            </a:extLst>
+          </p:cNvPr>
           <p:cNvSpPr>
             <a:spLocks noGrp="1"/>
           </p:cNvSpPr>
@@ -2119,31 +1544,16 @@
         </p:nvSpPr>
         <p:spPr>
           <a:xfrm>
-            <a:off x="1371600" y="2340864"/>
-            <a:ext cx="4443984" cy="823912"/>
-          </a:xfrm>
-        </p:spPr>
-        <p:txBody>
-          <a:bodyPr anchor="b">
-            <a:noAutofit/>
-          </a:bodyPr>
+            <a:off x="839788" y="1681163"/>
+            <a:ext cx="5157787" cy="823912"/>
+          </a:xfrm>
+        </p:spPr>
+        <p:txBody>
+          <a:bodyPr anchor="b"/>
           <a:lstStyle>
             <a:lvl1pPr marL="0" indent="0">
-              <a:lnSpc>
-                <a:spcPct val="84000"/>
-              </a:lnSpc>
-              <a:spcBef>
-                <a:spcPts val="0"/>
-              </a:spcBef>
-              <a:spcAft>
-                <a:spcPts val="0"/>
-              </a:spcAft>
               <a:buNone/>
-              <a:defRPr sz="3000" b="0" baseline="0">
-                <a:solidFill>
-                  <a:schemeClr val="tx2"/>
-                </a:solidFill>
-              </a:defRPr>
+              <a:defRPr sz="2400" b="1"/>
             </a:lvl1pPr>
             <a:lvl2pPr marL="457200" indent="0">
               <a:buNone/>
@@ -2189,7 +1599,13 @@
       </p:sp>
       <p:sp>
         <p:nvSpPr>
-          <p:cNvPr id="4" name="Content Placeholder 3"/>
+          <p:cNvPr id="4" name="Content Placeholder 3">
+            <a:extLst>
+              <a:ext uri="{FF2B5EF4-FFF2-40B4-BE49-F238E27FC236}">
+                <a16:creationId xmlns:a16="http://schemas.microsoft.com/office/drawing/2014/main" id="{392A6096-A433-479F-BD71-1137071C13F1}"/>
+              </a:ext>
+            </a:extLst>
+          </p:cNvPr>
           <p:cNvSpPr>
             <a:spLocks noGrp="1"/>
           </p:cNvSpPr>
@@ -2199,49 +1615,13 @@
         </p:nvSpPr>
         <p:spPr>
           <a:xfrm>
-            <a:off x="1371600" y="3305207"/>
-            <a:ext cx="4443984" cy="2562193"/>
+            <a:off x="839788" y="2505075"/>
+            <a:ext cx="5157787" cy="3684588"/>
           </a:xfrm>
         </p:spPr>
         <p:txBody>
           <a:bodyPr/>
-          <a:lstStyle>
-            <a:lvl1pPr>
-              <a:defRPr baseline="0">
-                <a:solidFill>
-                  <a:schemeClr val="tx2"/>
-                </a:solidFill>
-              </a:defRPr>
-            </a:lvl1pPr>
-            <a:lvl2pPr>
-              <a:defRPr baseline="0">
-                <a:solidFill>
-                  <a:schemeClr val="tx2"/>
-                </a:solidFill>
-              </a:defRPr>
-            </a:lvl2pPr>
-            <a:lvl3pPr>
-              <a:defRPr baseline="0">
-                <a:solidFill>
-                  <a:schemeClr val="tx2"/>
-                </a:solidFill>
-              </a:defRPr>
-            </a:lvl3pPr>
-            <a:lvl4pPr>
-              <a:defRPr baseline="0">
-                <a:solidFill>
-                  <a:schemeClr val="tx2"/>
-                </a:solidFill>
-              </a:defRPr>
-            </a:lvl4pPr>
-            <a:lvl5pPr>
-              <a:defRPr baseline="0">
-                <a:solidFill>
-                  <a:schemeClr val="tx2"/>
-                </a:solidFill>
-              </a:defRPr>
-            </a:lvl5pPr>
-          </a:lstStyle>
+          <a:lstStyle/>
           <a:p>
             <a:pPr lvl="0"/>
             <a:r>
@@ -2276,13 +1656,18 @@
               <a:rPr lang="en-US"/>
               <a:t>Fifth level</a:t>
             </a:r>
-            <a:endParaRPr lang="en-US" dirty="0"/>
-          </a:p>
-        </p:txBody>
-      </p:sp>
-      <p:sp>
-        <p:nvSpPr>
-          <p:cNvPr id="5" name="Text Placeholder 4"/>
+          </a:p>
+        </p:txBody>
+      </p:sp>
+      <p:sp>
+        <p:nvSpPr>
+          <p:cNvPr id="5" name="Text Placeholder 4">
+            <a:extLst>
+              <a:ext uri="{FF2B5EF4-FFF2-40B4-BE49-F238E27FC236}">
+                <a16:creationId xmlns:a16="http://schemas.microsoft.com/office/drawing/2014/main" id="{F401C8EC-94F4-45C9-A619-A417F9236498}"/>
+              </a:ext>
+            </a:extLst>
+          </p:cNvPr>
           <p:cNvSpPr>
             <a:spLocks noGrp="1"/>
           </p:cNvSpPr>
@@ -2292,31 +1677,16 @@
         </p:nvSpPr>
         <p:spPr>
           <a:xfrm>
-            <a:off x="6525014" y="2340864"/>
-            <a:ext cx="4443984" cy="823912"/>
-          </a:xfrm>
-        </p:spPr>
-        <p:txBody>
-          <a:bodyPr anchor="b">
-            <a:noAutofit/>
-          </a:bodyPr>
+            <a:off x="6172200" y="1681163"/>
+            <a:ext cx="5183188" cy="823912"/>
+          </a:xfrm>
+        </p:spPr>
+        <p:txBody>
+          <a:bodyPr anchor="b"/>
           <a:lstStyle>
             <a:lvl1pPr marL="0" indent="0">
-              <a:lnSpc>
-                <a:spcPct val="84000"/>
-              </a:lnSpc>
-              <a:spcBef>
-                <a:spcPts val="0"/>
-              </a:spcBef>
-              <a:spcAft>
-                <a:spcPts val="0"/>
-              </a:spcAft>
               <a:buNone/>
-              <a:defRPr sz="3000" b="0" baseline="0">
-                <a:solidFill>
-                  <a:schemeClr val="tx2"/>
-                </a:solidFill>
-              </a:defRPr>
+              <a:defRPr sz="2400" b="1"/>
             </a:lvl1pPr>
             <a:lvl2pPr marL="457200" indent="0">
               <a:buNone/>
@@ -2362,7 +1732,13 @@
       </p:sp>
       <p:sp>
         <p:nvSpPr>
-          <p:cNvPr id="6" name="Content Placeholder 5"/>
+          <p:cNvPr id="6" name="Content Placeholder 5">
+            <a:extLst>
+              <a:ext uri="{FF2B5EF4-FFF2-40B4-BE49-F238E27FC236}">
+                <a16:creationId xmlns:a16="http://schemas.microsoft.com/office/drawing/2014/main" id="{034D6648-25E9-4653-A0BD-BF777DDCEAF8}"/>
+              </a:ext>
+            </a:extLst>
+          </p:cNvPr>
           <p:cNvSpPr>
             <a:spLocks noGrp="1"/>
           </p:cNvSpPr>
@@ -2372,49 +1748,13 @@
         </p:nvSpPr>
         <p:spPr>
           <a:xfrm>
-            <a:off x="6525014" y="3305207"/>
-            <a:ext cx="4443984" cy="2562193"/>
+            <a:off x="6172200" y="2505075"/>
+            <a:ext cx="5183188" cy="3684588"/>
           </a:xfrm>
         </p:spPr>
         <p:txBody>
           <a:bodyPr/>
-          <a:lstStyle>
-            <a:lvl1pPr>
-              <a:defRPr baseline="0">
-                <a:solidFill>
-                  <a:schemeClr val="tx2"/>
-                </a:solidFill>
-              </a:defRPr>
-            </a:lvl1pPr>
-            <a:lvl2pPr>
-              <a:defRPr baseline="0">
-                <a:solidFill>
-                  <a:schemeClr val="tx2"/>
-                </a:solidFill>
-              </a:defRPr>
-            </a:lvl2pPr>
-            <a:lvl3pPr>
-              <a:defRPr baseline="0">
-                <a:solidFill>
-                  <a:schemeClr val="tx2"/>
-                </a:solidFill>
-              </a:defRPr>
-            </a:lvl3pPr>
-            <a:lvl4pPr>
-              <a:defRPr baseline="0">
-                <a:solidFill>
-                  <a:schemeClr val="tx2"/>
-                </a:solidFill>
-              </a:defRPr>
-            </a:lvl4pPr>
-            <a:lvl5pPr>
-              <a:defRPr baseline="0">
-                <a:solidFill>
-                  <a:schemeClr val="tx2"/>
-                </a:solidFill>
-              </a:defRPr>
-            </a:lvl5pPr>
-          </a:lstStyle>
+          <a:lstStyle/>
           <a:p>
             <a:pPr lvl="0"/>
             <a:r>
@@ -2449,13 +1789,18 @@
               <a:rPr lang="en-US"/>
               <a:t>Fifth level</a:t>
             </a:r>
-            <a:endParaRPr lang="en-US" dirty="0"/>
-          </a:p>
-        </p:txBody>
-      </p:sp>
-      <p:sp>
-        <p:nvSpPr>
-          <p:cNvPr id="7" name="Date Placeholder 6"/>
+          </a:p>
+        </p:txBody>
+      </p:sp>
+      <p:sp>
+        <p:nvSpPr>
+          <p:cNvPr id="7" name="Date Placeholder 6">
+            <a:extLst>
+              <a:ext uri="{FF2B5EF4-FFF2-40B4-BE49-F238E27FC236}">
+                <a16:creationId xmlns:a16="http://schemas.microsoft.com/office/drawing/2014/main" id="{7AF276F7-3071-4D1F-A6BD-F1D7EA37F92D}"/>
+              </a:ext>
+            </a:extLst>
+          </p:cNvPr>
           <p:cNvSpPr>
             <a:spLocks noGrp="1"/>
           </p:cNvSpPr>
@@ -2468,9 +1813,9 @@
           <a:bodyPr/>
           <a:lstStyle/>
           <a:p>
-            <a:fld id="{14EE655A-3D7C-4A80-825E-04958E92D2F1}" type="datetime1">
+            <a:fld id="{E1628388-8475-48ED-AB40-8D0634AA6F59}" type="datetimeFigureOut">
               <a:rPr lang="en-US" smtClean="0"/>
-              <a:t>10/26/2020</a:t>
+              <a:t>12/1/2020</a:t>
             </a:fld>
             <a:endParaRPr lang="en-US"/>
           </a:p>
@@ -2478,7 +1823,13 @@
       </p:sp>
       <p:sp>
         <p:nvSpPr>
-          <p:cNvPr id="8" name="Footer Placeholder 7"/>
+          <p:cNvPr id="8" name="Footer Placeholder 7">
+            <a:extLst>
+              <a:ext uri="{FF2B5EF4-FFF2-40B4-BE49-F238E27FC236}">
+                <a16:creationId xmlns:a16="http://schemas.microsoft.com/office/drawing/2014/main" id="{745B6C6C-5B96-4C87-9E13-83058E0472CE}"/>
+              </a:ext>
+            </a:extLst>
+          </p:cNvPr>
           <p:cNvSpPr>
             <a:spLocks noGrp="1"/>
           </p:cNvSpPr>
@@ -2497,7 +1848,13 @@
       </p:sp>
       <p:sp>
         <p:nvSpPr>
-          <p:cNvPr id="9" name="Slide Number Placeholder 8"/>
+          <p:cNvPr id="9" name="Slide Number Placeholder 8">
+            <a:extLst>
+              <a:ext uri="{FF2B5EF4-FFF2-40B4-BE49-F238E27FC236}">
+                <a16:creationId xmlns:a16="http://schemas.microsoft.com/office/drawing/2014/main" id="{2CE50E37-19CC-48A6-9E6F-DF211022837C}"/>
+              </a:ext>
+            </a:extLst>
+          </p:cNvPr>
           <p:cNvSpPr>
             <a:spLocks noGrp="1"/>
           </p:cNvSpPr>
@@ -2510,7 +1867,7 @@
           <a:bodyPr/>
           <a:lstStyle/>
           <a:p>
-            <a:fld id="{F028C567-C893-478B-8134-9B7E019C1A37}" type="slidenum">
+            <a:fld id="{F3929E66-B8DD-49E2-9918-A127B3778F8B}" type="slidenum">
               <a:rPr lang="en-US" smtClean="0"/>
               <a:t>‹#›</a:t>
             </a:fld>
@@ -2521,18 +1878,13 @@
     </p:spTree>
     <p:extLst>
       <p:ext uri="{BB962C8B-B14F-4D97-AF65-F5344CB8AC3E}">
-        <p14:creationId xmlns:p14="http://schemas.microsoft.com/office/powerpoint/2010/main" val="222810511"/>
+        <p14:creationId xmlns:p14="http://schemas.microsoft.com/office/powerpoint/2010/main" val="2153378122"/>
       </p:ext>
     </p:extLst>
   </p:cSld>
   <p:clrMapOvr>
     <a:masterClrMapping/>
   </p:clrMapOvr>
-  <p:extLst>
-    <p:ext uri="{DCECCB84-F9BA-43D5-87BE-67443E8EF086}">
-      <p15:sldGuideLst xmlns:p15="http://schemas.microsoft.com/office/powerpoint/2012/main"/>
-    </p:ext>
-  </p:extLst>
 </p:sldLayout>
 </file>
 
@@ -2555,7 +1907,13 @@
       </p:grpSpPr>
       <p:sp>
         <p:nvSpPr>
-          <p:cNvPr id="2" name="Title 1"/>
+          <p:cNvPr id="2" name="Title 1">
+            <a:extLst>
+              <a:ext uri="{FF2B5EF4-FFF2-40B4-BE49-F238E27FC236}">
+                <a16:creationId xmlns:a16="http://schemas.microsoft.com/office/drawing/2014/main" id="{09EAABF4-6D21-48D0-9C91-AB3392E5A174}"/>
+              </a:ext>
+            </a:extLst>
+          </p:cNvPr>
           <p:cNvSpPr>
             <a:spLocks noGrp="1"/>
           </p:cNvSpPr>
@@ -2572,13 +1930,18 @@
               <a:rPr lang="en-US"/>
               <a:t>Click to edit Master title style</a:t>
             </a:r>
-            <a:endParaRPr lang="en-US" dirty="0"/>
-          </a:p>
-        </p:txBody>
-      </p:sp>
-      <p:sp>
-        <p:nvSpPr>
-          <p:cNvPr id="3" name="Date Placeholder 2"/>
+          </a:p>
+        </p:txBody>
+      </p:sp>
+      <p:sp>
+        <p:nvSpPr>
+          <p:cNvPr id="3" name="Date Placeholder 2">
+            <a:extLst>
+              <a:ext uri="{FF2B5EF4-FFF2-40B4-BE49-F238E27FC236}">
+                <a16:creationId xmlns:a16="http://schemas.microsoft.com/office/drawing/2014/main" id="{0E1A2F09-9A5C-4457-899A-22DE8A2AD353}"/>
+              </a:ext>
+            </a:extLst>
+          </p:cNvPr>
           <p:cNvSpPr>
             <a:spLocks noGrp="1"/>
           </p:cNvSpPr>
@@ -2591,9 +1954,9 @@
           <a:bodyPr/>
           <a:lstStyle/>
           <a:p>
-            <a:fld id="{16FF041E-7D40-4078-8338-D5DAFB1A6756}" type="datetime1">
+            <a:fld id="{E1628388-8475-48ED-AB40-8D0634AA6F59}" type="datetimeFigureOut">
               <a:rPr lang="en-US" smtClean="0"/>
-              <a:t>10/26/2020</a:t>
+              <a:t>12/1/2020</a:t>
             </a:fld>
             <a:endParaRPr lang="en-US"/>
           </a:p>
@@ -2601,7 +1964,13 @@
       </p:sp>
       <p:sp>
         <p:nvSpPr>
-          <p:cNvPr id="4" name="Footer Placeholder 3"/>
+          <p:cNvPr id="4" name="Footer Placeholder 3">
+            <a:extLst>
+              <a:ext uri="{FF2B5EF4-FFF2-40B4-BE49-F238E27FC236}">
+                <a16:creationId xmlns:a16="http://schemas.microsoft.com/office/drawing/2014/main" id="{04B456DA-EBC4-49E4-9C1C-176E0AD03A6E}"/>
+              </a:ext>
+            </a:extLst>
+          </p:cNvPr>
           <p:cNvSpPr>
             <a:spLocks noGrp="1"/>
           </p:cNvSpPr>
@@ -2620,7 +1989,13 @@
       </p:sp>
       <p:sp>
         <p:nvSpPr>
-          <p:cNvPr id="5" name="Slide Number Placeholder 4"/>
+          <p:cNvPr id="5" name="Slide Number Placeholder 4">
+            <a:extLst>
+              <a:ext uri="{FF2B5EF4-FFF2-40B4-BE49-F238E27FC236}">
+                <a16:creationId xmlns:a16="http://schemas.microsoft.com/office/drawing/2014/main" id="{E087E7DB-9EF3-4AD6-A54E-CA7555577CA7}"/>
+              </a:ext>
+            </a:extLst>
+          </p:cNvPr>
           <p:cNvSpPr>
             <a:spLocks noGrp="1"/>
           </p:cNvSpPr>
@@ -2633,7 +2008,7 @@
           <a:bodyPr/>
           <a:lstStyle/>
           <a:p>
-            <a:fld id="{F028C567-C893-478B-8134-9B7E019C1A37}" type="slidenum">
+            <a:fld id="{F3929E66-B8DD-49E2-9918-A127B3778F8B}" type="slidenum">
               <a:rPr lang="en-US" smtClean="0"/>
               <a:t>‹#›</a:t>
             </a:fld>
@@ -2644,7 +2019,7 @@
     </p:spTree>
     <p:extLst>
       <p:ext uri="{BB962C8B-B14F-4D97-AF65-F5344CB8AC3E}">
-        <p14:creationId xmlns:p14="http://schemas.microsoft.com/office/powerpoint/2010/main" val="474750019"/>
+        <p14:creationId xmlns:p14="http://schemas.microsoft.com/office/powerpoint/2010/main" val="308064516"/>
       </p:ext>
     </p:extLst>
   </p:cSld>
@@ -2673,7 +2048,13 @@
       </p:grpSpPr>
       <p:sp>
         <p:nvSpPr>
-          <p:cNvPr id="2" name="Date Placeholder 1"/>
+          <p:cNvPr id="2" name="Date Placeholder 1">
+            <a:extLst>
+              <a:ext uri="{FF2B5EF4-FFF2-40B4-BE49-F238E27FC236}">
+                <a16:creationId xmlns:a16="http://schemas.microsoft.com/office/drawing/2014/main" id="{935919C9-0335-4789-927D-7163F8D3DB46}"/>
+              </a:ext>
+            </a:extLst>
+          </p:cNvPr>
           <p:cNvSpPr>
             <a:spLocks noGrp="1"/>
           </p:cNvSpPr>
@@ -2686,9 +2067,9 @@
           <a:bodyPr/>
           <a:lstStyle/>
           <a:p>
-            <a:fld id="{5AEA18C8-6C95-421C-9CB9-8D8F4764D53C}" type="datetime1">
+            <a:fld id="{E1628388-8475-48ED-AB40-8D0634AA6F59}" type="datetimeFigureOut">
               <a:rPr lang="en-US" smtClean="0"/>
-              <a:t>10/26/2020</a:t>
+              <a:t>12/1/2020</a:t>
             </a:fld>
             <a:endParaRPr lang="en-US"/>
           </a:p>
@@ -2696,7 +2077,13 @@
       </p:sp>
       <p:sp>
         <p:nvSpPr>
-          <p:cNvPr id="3" name="Footer Placeholder 2"/>
+          <p:cNvPr id="3" name="Footer Placeholder 2">
+            <a:extLst>
+              <a:ext uri="{FF2B5EF4-FFF2-40B4-BE49-F238E27FC236}">
+                <a16:creationId xmlns:a16="http://schemas.microsoft.com/office/drawing/2014/main" id="{438AE782-294D-405A-A5C4-580489C84383}"/>
+              </a:ext>
+            </a:extLst>
+          </p:cNvPr>
           <p:cNvSpPr>
             <a:spLocks noGrp="1"/>
           </p:cNvSpPr>
@@ -2715,7 +2102,13 @@
       </p:sp>
       <p:sp>
         <p:nvSpPr>
-          <p:cNvPr id="4" name="Slide Number Placeholder 3"/>
+          <p:cNvPr id="4" name="Slide Number Placeholder 3">
+            <a:extLst>
+              <a:ext uri="{FF2B5EF4-FFF2-40B4-BE49-F238E27FC236}">
+                <a16:creationId xmlns:a16="http://schemas.microsoft.com/office/drawing/2014/main" id="{D4FA9E15-516C-443A-8984-FE12C6331797}"/>
+              </a:ext>
+            </a:extLst>
+          </p:cNvPr>
           <p:cNvSpPr>
             <a:spLocks noGrp="1"/>
           </p:cNvSpPr>
@@ -2728,7 +2121,7 @@
           <a:bodyPr/>
           <a:lstStyle/>
           <a:p>
-            <a:fld id="{F028C567-C893-478B-8134-9B7E019C1A37}" type="slidenum">
+            <a:fld id="{F3929E66-B8DD-49E2-9918-A127B3778F8B}" type="slidenum">
               <a:rPr lang="en-US" smtClean="0"/>
               <a:t>‹#›</a:t>
             </a:fld>
@@ -2739,7 +2132,7 @@
     </p:spTree>
     <p:extLst>
       <p:ext uri="{BB962C8B-B14F-4D97-AF65-F5344CB8AC3E}">
-        <p14:creationId xmlns:p14="http://schemas.microsoft.com/office/powerpoint/2010/main" val="541211700"/>
+        <p14:creationId xmlns:p14="http://schemas.microsoft.com/office/powerpoint/2010/main" val="7478270"/>
       </p:ext>
     </p:extLst>
   </p:cSld>
@@ -2750,7 +2143,7 @@
 </file>
 
 <file path=ppt/slideLayouts/slideLayout8.xml><?xml version="1.0" encoding="utf-8"?>
-<p:sldLayout xmlns:a="http://schemas.openxmlformats.org/drawingml/2006/main" xmlns:r="http://schemas.openxmlformats.org/officeDocument/2006/relationships" xmlns:p="http://schemas.openxmlformats.org/presentationml/2006/main" showMasterSp="0" type="objTx" preserve="1">
+<p:sldLayout xmlns:a="http://schemas.openxmlformats.org/drawingml/2006/main" xmlns:r="http://schemas.openxmlformats.org/officeDocument/2006/relationships" xmlns:p="http://schemas.openxmlformats.org/presentationml/2006/main" type="objTx" preserve="1">
   <p:cSld name="Content with Caption">
     <p:spTree>
       <p:nvGrpSpPr>
@@ -2768,45 +2161,13 @@
       </p:grpSpPr>
       <p:sp>
         <p:nvSpPr>
-          <p:cNvPr id="8" name="Rectangle 7" title="Background Shape"/>
-          <p:cNvSpPr/>
-          <p:nvPr/>
-        </p:nvSpPr>
-        <p:spPr>
-          <a:xfrm>
-            <a:off x="0" y="376"/>
-            <a:ext cx="5303520" cy="6857624"/>
-          </a:xfrm>
-          <a:prstGeom prst="rect">
-            <a:avLst/>
-          </a:prstGeom>
-          <a:solidFill>
-            <a:schemeClr val="accent1"/>
-          </a:solidFill>
-          <a:ln>
-            <a:noFill/>
-          </a:ln>
-        </p:spPr>
-        <p:style>
-          <a:lnRef idx="2">
-            <a:schemeClr val="accent1">
-              <a:shade val="50000"/>
-            </a:schemeClr>
-          </a:lnRef>
-          <a:fillRef idx="1">
-            <a:schemeClr val="accent1"/>
-          </a:fillRef>
-          <a:effectRef idx="0">
-            <a:schemeClr val="accent1"/>
-          </a:effectRef>
-          <a:fontRef idx="minor">
-            <a:schemeClr val="lt1"/>
-          </a:fontRef>
-        </p:style>
-      </p:sp>
-      <p:sp>
-        <p:nvSpPr>
-          <p:cNvPr id="2" name="Title 1"/>
+          <p:cNvPr id="2" name="Title 1">
+            <a:extLst>
+              <a:ext uri="{FF2B5EF4-FFF2-40B4-BE49-F238E27FC236}">
+                <a16:creationId xmlns:a16="http://schemas.microsoft.com/office/drawing/2014/main" id="{72DAFD52-E043-42B3-B265-792C45B95D4E}"/>
+              </a:ext>
+            </a:extLst>
+          </p:cNvPr>
           <p:cNvSpPr>
             <a:spLocks noGrp="1"/>
           </p:cNvSpPr>
@@ -2816,24 +2177,15 @@
         </p:nvSpPr>
         <p:spPr>
           <a:xfrm>
-            <a:off x="723900" y="685800"/>
-            <a:ext cx="3855720" cy="2157884"/>
-          </a:xfrm>
-        </p:spPr>
-        <p:txBody>
-          <a:bodyPr anchor="t">
-            <a:noAutofit/>
-          </a:bodyPr>
+            <a:off x="839788" y="457200"/>
+            <a:ext cx="3932237" cy="1600200"/>
+          </a:xfrm>
+        </p:spPr>
+        <p:txBody>
+          <a:bodyPr anchor="b"/>
           <a:lstStyle>
             <a:lvl1pPr>
-              <a:lnSpc>
-                <a:spcPct val="84000"/>
-              </a:lnSpc>
-              <a:defRPr sz="4800" baseline="0">
-                <a:solidFill>
-                  <a:schemeClr val="tx2"/>
-                </a:solidFill>
-              </a:defRPr>
+              <a:defRPr sz="3200"/>
             </a:lvl1pPr>
           </a:lstStyle>
           <a:p>
@@ -2841,13 +2193,18 @@
               <a:rPr lang="en-US"/>
               <a:t>Click to edit Master title style</a:t>
             </a:r>
-            <a:endParaRPr lang="en-US" dirty="0"/>
-          </a:p>
-        </p:txBody>
-      </p:sp>
-      <p:sp>
-        <p:nvSpPr>
-          <p:cNvPr id="3" name="Content Placeholder 2"/>
+          </a:p>
+        </p:txBody>
+      </p:sp>
+      <p:sp>
+        <p:nvSpPr>
+          <p:cNvPr id="3" name="Content Placeholder 2">
+            <a:extLst>
+              <a:ext uri="{FF2B5EF4-FFF2-40B4-BE49-F238E27FC236}">
+                <a16:creationId xmlns:a16="http://schemas.microsoft.com/office/drawing/2014/main" id="{B52320CE-DC3F-4E8A-A1E0-D54D465E7AC5}"/>
+              </a:ext>
+            </a:extLst>
+          </p:cNvPr>
           <p:cNvSpPr>
             <a:spLocks noGrp="1"/>
           </p:cNvSpPr>
@@ -2857,39 +2214,39 @@
         </p:nvSpPr>
         <p:spPr>
           <a:xfrm>
-            <a:off x="6256020" y="685801"/>
-            <a:ext cx="5212080" cy="5175250"/>
+            <a:off x="5183188" y="987425"/>
+            <a:ext cx="6172200" cy="4873625"/>
           </a:xfrm>
         </p:spPr>
         <p:txBody>
           <a:bodyPr/>
           <a:lstStyle>
             <a:lvl1pPr>
-              <a:defRPr sz="2000"/>
+              <a:defRPr sz="3200"/>
             </a:lvl1pPr>
             <a:lvl2pPr>
-              <a:defRPr sz="2000"/>
+              <a:defRPr sz="2800"/>
             </a:lvl2pPr>
             <a:lvl3pPr>
-              <a:defRPr sz="1800"/>
+              <a:defRPr sz="2400"/>
             </a:lvl3pPr>
             <a:lvl4pPr>
-              <a:defRPr sz="1800"/>
+              <a:defRPr sz="2000"/>
             </a:lvl4pPr>
             <a:lvl5pPr>
-              <a:defRPr sz="1600"/>
+              <a:defRPr sz="2000"/>
             </a:lvl5pPr>
             <a:lvl6pPr>
-              <a:defRPr sz="1600"/>
+              <a:defRPr sz="2000"/>
             </a:lvl6pPr>
             <a:lvl7pPr>
-              <a:defRPr sz="1600"/>
+              <a:defRPr sz="2000"/>
             </a:lvl7pPr>
             <a:lvl8pPr>
-              <a:defRPr sz="1600"/>
+              <a:defRPr sz="2000"/>
             </a:lvl8pPr>
             <a:lvl9pPr>
-              <a:defRPr sz="1600"/>
+              <a:defRPr sz="2000"/>
             </a:lvl9pPr>
           </a:lstStyle>
           <a:p>
@@ -2926,13 +2283,18 @@
               <a:rPr lang="en-US"/>
               <a:t>Fifth level</a:t>
             </a:r>
-            <a:endParaRPr lang="en-US" dirty="0"/>
-          </a:p>
-        </p:txBody>
-      </p:sp>
-      <p:sp>
-        <p:nvSpPr>
-          <p:cNvPr id="4" name="Text Placeholder 3"/>
+          </a:p>
+        </p:txBody>
+      </p:sp>
+      <p:sp>
+        <p:nvSpPr>
+          <p:cNvPr id="4" name="Text Placeholder 3">
+            <a:extLst>
+              <a:ext uri="{FF2B5EF4-FFF2-40B4-BE49-F238E27FC236}">
+                <a16:creationId xmlns:a16="http://schemas.microsoft.com/office/drawing/2014/main" id="{AD1E8F56-4532-4460-B886-FF3E274860F4}"/>
+              </a:ext>
+            </a:extLst>
+          </p:cNvPr>
           <p:cNvSpPr>
             <a:spLocks noGrp="1"/>
           </p:cNvSpPr>
@@ -2942,23 +2304,14 @@
         </p:nvSpPr>
         <p:spPr>
           <a:xfrm>
-            <a:off x="723900" y="2856344"/>
-            <a:ext cx="3855720" cy="3011056"/>
+            <a:off x="839788" y="2057400"/>
+            <a:ext cx="3932237" cy="3811588"/>
           </a:xfrm>
         </p:spPr>
         <p:txBody>
           <a:bodyPr/>
           <a:lstStyle>
             <a:lvl1pPr marL="0" indent="0">
-              <a:lnSpc>
-                <a:spcPct val="113000"/>
-              </a:lnSpc>
-              <a:spcBef>
-                <a:spcPts val="0"/>
-              </a:spcBef>
-              <a:spcAft>
-                <a:spcPts val="1500"/>
-              </a:spcAft>
               <a:buNone/>
               <a:defRPr sz="1600"/>
             </a:lvl1pPr>
@@ -3006,7 +2359,13 @@
       </p:sp>
       <p:sp>
         <p:nvSpPr>
-          <p:cNvPr id="5" name="Date Placeholder 4"/>
+          <p:cNvPr id="5" name="Date Placeholder 4">
+            <a:extLst>
+              <a:ext uri="{FF2B5EF4-FFF2-40B4-BE49-F238E27FC236}">
+                <a16:creationId xmlns:a16="http://schemas.microsoft.com/office/drawing/2014/main" id="{F8FB1206-1FDC-4F77-BBD9-1500E1DB1109}"/>
+              </a:ext>
+            </a:extLst>
+          </p:cNvPr>
           <p:cNvSpPr>
             <a:spLocks noGrp="1"/>
           </p:cNvSpPr>
@@ -3014,27 +2373,14 @@
             <p:ph type="dt" sz="half" idx="10"/>
           </p:nvPr>
         </p:nvSpPr>
-        <p:spPr>
-          <a:xfrm>
-            <a:off x="723900" y="6453386"/>
-            <a:ext cx="1204572" cy="404614"/>
-          </a:xfrm>
-        </p:spPr>
+        <p:spPr/>
         <p:txBody>
           <a:bodyPr/>
-          <a:lstStyle>
-            <a:lvl1pPr>
-              <a:defRPr>
-                <a:solidFill>
-                  <a:schemeClr val="tx2"/>
-                </a:solidFill>
-              </a:defRPr>
-            </a:lvl1pPr>
-          </a:lstStyle>
-          <a:p>
-            <a:fld id="{0E87B4D7-567C-43DA-9ABC-1D0E836AC3E9}" type="datetime1">
+          <a:lstStyle/>
+          <a:p>
+            <a:fld id="{E1628388-8475-48ED-AB40-8D0634AA6F59}" type="datetimeFigureOut">
               <a:rPr lang="en-US" smtClean="0"/>
-              <a:t>10/26/2020</a:t>
+              <a:t>12/1/2020</a:t>
             </a:fld>
             <a:endParaRPr lang="en-US"/>
           </a:p>
@@ -3042,7 +2388,13 @@
       </p:sp>
       <p:sp>
         <p:nvSpPr>
-          <p:cNvPr id="6" name="Footer Placeholder 5"/>
+          <p:cNvPr id="6" name="Footer Placeholder 5">
+            <a:extLst>
+              <a:ext uri="{FF2B5EF4-FFF2-40B4-BE49-F238E27FC236}">
+                <a16:creationId xmlns:a16="http://schemas.microsoft.com/office/drawing/2014/main" id="{F60F9BBB-04F3-4C5B-97A3-9F3EF6C17DA1}"/>
+              </a:ext>
+            </a:extLst>
+          </p:cNvPr>
           <p:cNvSpPr>
             <a:spLocks noGrp="1"/>
           </p:cNvSpPr>
@@ -3050,23 +2402,10 @@
             <p:ph type="ftr" sz="quarter" idx="11"/>
           </p:nvPr>
         </p:nvSpPr>
-        <p:spPr>
-          <a:xfrm>
-            <a:off x="2205945" y="6453386"/>
-            <a:ext cx="2373675" cy="404614"/>
-          </a:xfrm>
-        </p:spPr>
+        <p:spPr/>
         <p:txBody>
           <a:bodyPr/>
-          <a:lstStyle>
-            <a:lvl1pPr>
-              <a:defRPr>
-                <a:solidFill>
-                  <a:schemeClr val="tx2"/>
-                </a:solidFill>
-              </a:defRPr>
-            </a:lvl1pPr>
-          </a:lstStyle>
+          <a:lstStyle/>
           <a:p>
             <a:endParaRPr lang="en-US"/>
           </a:p>
@@ -3074,7 +2413,13 @@
       </p:sp>
       <p:sp>
         <p:nvSpPr>
-          <p:cNvPr id="7" name="Slide Number Placeholder 6"/>
+          <p:cNvPr id="7" name="Slide Number Placeholder 6">
+            <a:extLst>
+              <a:ext uri="{FF2B5EF4-FFF2-40B4-BE49-F238E27FC236}">
+                <a16:creationId xmlns:a16="http://schemas.microsoft.com/office/drawing/2014/main" id="{06F50D32-59E9-45A8-BAC9-FF928304ADB4}"/>
+              </a:ext>
+            </a:extLst>
+          </p:cNvPr>
           <p:cNvSpPr>
             <a:spLocks noGrp="1"/>
           </p:cNvSpPr>
@@ -3082,25 +2427,12 @@
             <p:ph type="sldNum" sz="quarter" idx="12"/>
           </p:nvPr>
         </p:nvSpPr>
-        <p:spPr>
-          <a:xfrm>
-            <a:off x="9883140" y="6453386"/>
-            <a:ext cx="1596292" cy="404614"/>
-          </a:xfrm>
-        </p:spPr>
+        <p:spPr/>
         <p:txBody>
           <a:bodyPr/>
-          <a:lstStyle>
-            <a:lvl1pPr>
-              <a:defRPr>
-                <a:solidFill>
-                  <a:schemeClr val="tx2"/>
-                </a:solidFill>
-              </a:defRPr>
-            </a:lvl1pPr>
-          </a:lstStyle>
-          <a:p>
-            <a:fld id="{F028C567-C893-478B-8134-9B7E019C1A37}" type="slidenum">
+          <a:lstStyle/>
+          <a:p>
+            <a:fld id="{F3929E66-B8DD-49E2-9918-A127B3778F8B}" type="slidenum">
               <a:rPr lang="en-US" smtClean="0"/>
               <a:t>‹#›</a:t>
             </a:fld>
@@ -3108,64 +2440,21 @@
           </a:p>
         </p:txBody>
       </p:sp>
-      <p:sp>
-        <p:nvSpPr>
-          <p:cNvPr id="9" name="Rectangle 8" title="Divider Bar"/>
-          <p:cNvSpPr/>
-          <p:nvPr/>
-        </p:nvSpPr>
-        <p:spPr>
-          <a:xfrm>
-            <a:off x="5303520" y="376"/>
-            <a:ext cx="228600" cy="6858000"/>
-          </a:xfrm>
-          <a:prstGeom prst="rect">
-            <a:avLst/>
-          </a:prstGeom>
-          <a:solidFill>
-            <a:schemeClr val="tx2"/>
-          </a:solidFill>
-          <a:ln>
-            <a:noFill/>
-          </a:ln>
-        </p:spPr>
-        <p:style>
-          <a:lnRef idx="2">
-            <a:schemeClr val="accent1">
-              <a:shade val="50000"/>
-            </a:schemeClr>
-          </a:lnRef>
-          <a:fillRef idx="1">
-            <a:schemeClr val="accent1"/>
-          </a:fillRef>
-          <a:effectRef idx="0">
-            <a:schemeClr val="accent1"/>
-          </a:effectRef>
-          <a:fontRef idx="minor">
-            <a:schemeClr val="lt1"/>
-          </a:fontRef>
-        </p:style>
-      </p:sp>
     </p:spTree>
     <p:extLst>
       <p:ext uri="{BB962C8B-B14F-4D97-AF65-F5344CB8AC3E}">
-        <p14:creationId xmlns:p14="http://schemas.microsoft.com/office/powerpoint/2010/main" val="2723529371"/>
+        <p14:creationId xmlns:p14="http://schemas.microsoft.com/office/powerpoint/2010/main" val="3681349480"/>
       </p:ext>
     </p:extLst>
   </p:cSld>
   <p:clrMapOvr>
     <a:masterClrMapping/>
   </p:clrMapOvr>
-  <p:extLst>
-    <p:ext uri="{DCECCB84-F9BA-43D5-87BE-67443E8EF086}">
-      <p15:sldGuideLst xmlns:p15="http://schemas.microsoft.com/office/powerpoint/2012/main"/>
-    </p:ext>
-  </p:extLst>
 </p:sldLayout>
 </file>
 
 <file path=ppt/slideLayouts/slideLayout9.xml><?xml version="1.0" encoding="utf-8"?>
-<p:sldLayout xmlns:a="http://schemas.openxmlformats.org/drawingml/2006/main" xmlns:r="http://schemas.openxmlformats.org/officeDocument/2006/relationships" xmlns:p="http://schemas.openxmlformats.org/presentationml/2006/main" showMasterSp="0" type="picTx" preserve="1">
+<p:sldLayout xmlns:a="http://schemas.openxmlformats.org/drawingml/2006/main" xmlns:r="http://schemas.openxmlformats.org/officeDocument/2006/relationships" xmlns:p="http://schemas.openxmlformats.org/presentationml/2006/main" type="picTx" preserve="1">
   <p:cSld name="Picture with Caption">
     <p:spTree>
       <p:nvGrpSpPr>
@@ -3183,45 +2472,13 @@
       </p:grpSpPr>
       <p:sp>
         <p:nvSpPr>
-          <p:cNvPr id="8" name="Rectangle 7" title="Background Shape"/>
-          <p:cNvSpPr/>
-          <p:nvPr/>
-        </p:nvSpPr>
-        <p:spPr>
-          <a:xfrm>
-            <a:off x="0" y="376"/>
-            <a:ext cx="5303520" cy="6857624"/>
-          </a:xfrm>
-          <a:prstGeom prst="rect">
-            <a:avLst/>
-          </a:prstGeom>
-          <a:solidFill>
-            <a:schemeClr val="accent1"/>
-          </a:solidFill>
-          <a:ln>
-            <a:noFill/>
-          </a:ln>
-        </p:spPr>
-        <p:style>
-          <a:lnRef idx="2">
-            <a:schemeClr val="accent1">
-              <a:shade val="50000"/>
-            </a:schemeClr>
-          </a:lnRef>
-          <a:fillRef idx="1">
-            <a:schemeClr val="accent1"/>
-          </a:fillRef>
-          <a:effectRef idx="0">
-            <a:schemeClr val="accent1"/>
-          </a:effectRef>
-          <a:fontRef idx="minor">
-            <a:schemeClr val="lt1"/>
-          </a:fontRef>
-        </p:style>
-      </p:sp>
-      <p:sp>
-        <p:nvSpPr>
-          <p:cNvPr id="2" name="Title 1"/>
+          <p:cNvPr id="2" name="Title 1">
+            <a:extLst>
+              <a:ext uri="{FF2B5EF4-FFF2-40B4-BE49-F238E27FC236}">
+                <a16:creationId xmlns:a16="http://schemas.microsoft.com/office/drawing/2014/main" id="{AD12833A-C6D0-4ED6-B792-EB2D4B65A899}"/>
+              </a:ext>
+            </a:extLst>
+          </p:cNvPr>
           <p:cNvSpPr>
             <a:spLocks noGrp="1"/>
           </p:cNvSpPr>
@@ -3231,20 +2488,15 @@
         </p:nvSpPr>
         <p:spPr>
           <a:xfrm>
-            <a:off x="723900" y="685800"/>
-            <a:ext cx="3855720" cy="2157884"/>
-          </a:xfrm>
-        </p:spPr>
-        <p:txBody>
-          <a:bodyPr anchor="t">
-            <a:normAutofit/>
-          </a:bodyPr>
+            <a:off x="839788" y="457200"/>
+            <a:ext cx="3932237" cy="1600200"/>
+          </a:xfrm>
+        </p:spPr>
+        <p:txBody>
+          <a:bodyPr anchor="b"/>
           <a:lstStyle>
             <a:lvl1pPr>
-              <a:lnSpc>
-                <a:spcPct val="84000"/>
-              </a:lnSpc>
-              <a:defRPr sz="4800" baseline="0"/>
+              <a:defRPr sz="3200"/>
             </a:lvl1pPr>
           </a:lstStyle>
           <a:p>
@@ -3252,15 +2504,20 @@
               <a:rPr lang="en-US"/>
               <a:t>Click to edit Master title style</a:t>
             </a:r>
-            <a:endParaRPr lang="en-US" dirty="0"/>
-          </a:p>
-        </p:txBody>
-      </p:sp>
-      <p:sp>
-        <p:nvSpPr>
-          <p:cNvPr id="3" name="Picture Placeholder 2"/>
-          <p:cNvSpPr>
-            <a:spLocks noGrp="1" noChangeAspect="1"/>
+          </a:p>
+        </p:txBody>
+      </p:sp>
+      <p:sp>
+        <p:nvSpPr>
+          <p:cNvPr id="3" name="Picture Placeholder 2">
+            <a:extLst>
+              <a:ext uri="{FF2B5EF4-FFF2-40B4-BE49-F238E27FC236}">
+                <a16:creationId xmlns:a16="http://schemas.microsoft.com/office/drawing/2014/main" id="{CE2E99B0-B689-4E58-ACE1-20D68B883791}"/>
+              </a:ext>
+            </a:extLst>
+          </p:cNvPr>
+          <p:cNvSpPr>
+            <a:spLocks noGrp="1"/>
           </p:cNvSpPr>
           <p:nvPr>
             <p:ph type="pic" idx="1"/>
@@ -3268,26 +2525,24 @@
         </p:nvSpPr>
         <p:spPr>
           <a:xfrm>
-            <a:off x="5532120" y="0"/>
-            <a:ext cx="6659880" cy="6857999"/>
-          </a:xfrm>
-        </p:spPr>
-        <p:txBody>
-          <a:bodyPr anchor="t">
-            <a:normAutofit/>
-          </a:bodyPr>
+            <a:off x="5183188" y="987425"/>
+            <a:ext cx="6172200" cy="4873625"/>
+          </a:xfrm>
+        </p:spPr>
+        <p:txBody>
+          <a:bodyPr/>
           <a:lstStyle>
             <a:lvl1pPr marL="0" indent="0">
               <a:buNone/>
-              <a:defRPr sz="2000"/>
+              <a:defRPr sz="3200"/>
             </a:lvl1pPr>
             <a:lvl2pPr marL="457200" indent="0">
               <a:buNone/>
-              <a:defRPr sz="2000"/>
+              <a:defRPr sz="2800"/>
             </a:lvl2pPr>
             <a:lvl3pPr marL="914400" indent="0">
               <a:buNone/>
-              <a:defRPr sz="2000"/>
+              <a:defRPr sz="2400"/>
             </a:lvl3pPr>
             <a:lvl4pPr marL="1371600" indent="0">
               <a:buNone/>
@@ -3315,17 +2570,19 @@
             </a:lvl9pPr>
           </a:lstStyle>
           <a:p>
-            <a:r>
-              <a:rPr lang="en-US"/>
-              <a:t>Click icon to add picture</a:t>
-            </a:r>
-            <a:endParaRPr lang="en-US" dirty="0"/>
-          </a:p>
-        </p:txBody>
-      </p:sp>
-      <p:sp>
-        <p:nvSpPr>
-          <p:cNvPr id="4" name="Text Placeholder 3"/>
+            <a:endParaRPr lang="en-US"/>
+          </a:p>
+        </p:txBody>
+      </p:sp>
+      <p:sp>
+        <p:nvSpPr>
+          <p:cNvPr id="4" name="Text Placeholder 3">
+            <a:extLst>
+              <a:ext uri="{FF2B5EF4-FFF2-40B4-BE49-F238E27FC236}">
+                <a16:creationId xmlns:a16="http://schemas.microsoft.com/office/drawing/2014/main" id="{EA4F0EA4-C682-485C-96A9-9CC6B66C45CE}"/>
+              </a:ext>
+            </a:extLst>
+          </p:cNvPr>
           <p:cNvSpPr>
             <a:spLocks noGrp="1"/>
           </p:cNvSpPr>
@@ -3335,23 +2592,14 @@
         </p:nvSpPr>
         <p:spPr>
           <a:xfrm>
-            <a:off x="723900" y="2855968"/>
-            <a:ext cx="3855720" cy="3011432"/>
+            <a:off x="839788" y="2057400"/>
+            <a:ext cx="3932237" cy="3811588"/>
           </a:xfrm>
         </p:spPr>
         <p:txBody>
           <a:bodyPr/>
           <a:lstStyle>
             <a:lvl1pPr marL="0" indent="0">
-              <a:lnSpc>
-                <a:spcPct val="113000"/>
-              </a:lnSpc>
-              <a:spcBef>
-                <a:spcPts val="0"/>
-              </a:spcBef>
-              <a:spcAft>
-                <a:spcPts val="1500"/>
-              </a:spcAft>
               <a:buNone/>
               <a:defRPr sz="1600"/>
             </a:lvl1pPr>
@@ -3399,7 +2647,13 @@
       </p:sp>
       <p:sp>
         <p:nvSpPr>
-          <p:cNvPr id="5" name="Date Placeholder 4"/>
+          <p:cNvPr id="5" name="Date Placeholder 4">
+            <a:extLst>
+              <a:ext uri="{FF2B5EF4-FFF2-40B4-BE49-F238E27FC236}">
+                <a16:creationId xmlns:a16="http://schemas.microsoft.com/office/drawing/2014/main" id="{2BE096BE-661C-4154-9957-D945339748B8}"/>
+              </a:ext>
+            </a:extLst>
+          </p:cNvPr>
           <p:cNvSpPr>
             <a:spLocks noGrp="1"/>
           </p:cNvSpPr>
@@ -3407,27 +2661,14 @@
             <p:ph type="dt" sz="half" idx="10"/>
           </p:nvPr>
         </p:nvSpPr>
-        <p:spPr>
-          <a:xfrm>
-            <a:off x="723900" y="6453386"/>
-            <a:ext cx="1204572" cy="404614"/>
-          </a:xfrm>
-        </p:spPr>
+        <p:spPr/>
         <p:txBody>
           <a:bodyPr/>
-          <a:lstStyle>
-            <a:lvl1pPr>
-              <a:defRPr>
-                <a:solidFill>
-                  <a:schemeClr val="tx2"/>
-                </a:solidFill>
-              </a:defRPr>
-            </a:lvl1pPr>
-          </a:lstStyle>
-          <a:p>
-            <a:fld id="{B5290E3C-37B5-49E5-B779-123EF4A9EB69}" type="datetime1">
+          <a:lstStyle/>
+          <a:p>
+            <a:fld id="{E1628388-8475-48ED-AB40-8D0634AA6F59}" type="datetimeFigureOut">
               <a:rPr lang="en-US" smtClean="0"/>
-              <a:t>10/26/2020</a:t>
+              <a:t>12/1/2020</a:t>
             </a:fld>
             <a:endParaRPr lang="en-US"/>
           </a:p>
@@ -3435,7 +2676,13 @@
       </p:sp>
       <p:sp>
         <p:nvSpPr>
-          <p:cNvPr id="6" name="Footer Placeholder 5"/>
+          <p:cNvPr id="6" name="Footer Placeholder 5">
+            <a:extLst>
+              <a:ext uri="{FF2B5EF4-FFF2-40B4-BE49-F238E27FC236}">
+                <a16:creationId xmlns:a16="http://schemas.microsoft.com/office/drawing/2014/main" id="{A87A505B-7117-4685-B1E0-2583BADFB206}"/>
+              </a:ext>
+            </a:extLst>
+          </p:cNvPr>
           <p:cNvSpPr>
             <a:spLocks noGrp="1"/>
           </p:cNvSpPr>
@@ -3443,23 +2690,10 @@
             <p:ph type="ftr" sz="quarter" idx="11"/>
           </p:nvPr>
         </p:nvSpPr>
-        <p:spPr>
-          <a:xfrm>
-            <a:off x="2205945" y="6453386"/>
-            <a:ext cx="2373675" cy="404614"/>
-          </a:xfrm>
-        </p:spPr>
+        <p:spPr/>
         <p:txBody>
           <a:bodyPr/>
-          <a:lstStyle>
-            <a:lvl1pPr>
-              <a:defRPr>
-                <a:solidFill>
-                  <a:schemeClr val="tx2"/>
-                </a:solidFill>
-              </a:defRPr>
-            </a:lvl1pPr>
-          </a:lstStyle>
+          <a:lstStyle/>
           <a:p>
             <a:endParaRPr lang="en-US"/>
           </a:p>
@@ -3467,7 +2701,13 @@
       </p:sp>
       <p:sp>
         <p:nvSpPr>
-          <p:cNvPr id="7" name="Slide Number Placeholder 6"/>
+          <p:cNvPr id="7" name="Slide Number Placeholder 6">
+            <a:extLst>
+              <a:ext uri="{FF2B5EF4-FFF2-40B4-BE49-F238E27FC236}">
+                <a16:creationId xmlns:a16="http://schemas.microsoft.com/office/drawing/2014/main" id="{1DB685FC-5C7E-49FC-BA61-D00652AA913F}"/>
+              </a:ext>
+            </a:extLst>
+          </p:cNvPr>
           <p:cNvSpPr>
             <a:spLocks noGrp="1"/>
           </p:cNvSpPr>
@@ -3475,25 +2715,12 @@
             <p:ph type="sldNum" sz="quarter" idx="12"/>
           </p:nvPr>
         </p:nvSpPr>
-        <p:spPr>
-          <a:xfrm>
-            <a:off x="9883140" y="6453386"/>
-            <a:ext cx="1596292" cy="404614"/>
-          </a:xfrm>
-        </p:spPr>
+        <p:spPr/>
         <p:txBody>
           <a:bodyPr/>
-          <a:lstStyle>
-            <a:lvl1pPr>
-              <a:defRPr>
-                <a:solidFill>
-                  <a:schemeClr val="tx2"/>
-                </a:solidFill>
-              </a:defRPr>
-            </a:lvl1pPr>
-          </a:lstStyle>
-          <a:p>
-            <a:fld id="{F028C567-C893-478B-8134-9B7E019C1A37}" type="slidenum">
+          <a:lstStyle/>
+          <a:p>
+            <a:fld id="{F3929E66-B8DD-49E2-9918-A127B3778F8B}" type="slidenum">
               <a:rPr lang="en-US" smtClean="0"/>
               <a:t>‹#›</a:t>
             </a:fld>
@@ -3501,48 +2728,10 @@
           </a:p>
         </p:txBody>
       </p:sp>
-      <p:sp>
-        <p:nvSpPr>
-          <p:cNvPr id="9" name="Rectangle 8" title="Divider Bar"/>
-          <p:cNvSpPr/>
-          <p:nvPr/>
-        </p:nvSpPr>
-        <p:spPr>
-          <a:xfrm>
-            <a:off x="5303520" y="376"/>
-            <a:ext cx="228600" cy="6858000"/>
-          </a:xfrm>
-          <a:prstGeom prst="rect">
-            <a:avLst/>
-          </a:prstGeom>
-          <a:solidFill>
-            <a:schemeClr val="tx2"/>
-          </a:solidFill>
-          <a:ln>
-            <a:noFill/>
-          </a:ln>
-        </p:spPr>
-        <p:style>
-          <a:lnRef idx="2">
-            <a:schemeClr val="accent1">
-              <a:shade val="50000"/>
-            </a:schemeClr>
-          </a:lnRef>
-          <a:fillRef idx="1">
-            <a:schemeClr val="accent1"/>
-          </a:fillRef>
-          <a:effectRef idx="0">
-            <a:schemeClr val="accent1"/>
-          </a:effectRef>
-          <a:fontRef idx="minor">
-            <a:schemeClr val="lt1"/>
-          </a:fontRef>
-        </p:style>
-      </p:sp>
     </p:spTree>
     <p:extLst>
       <p:ext uri="{BB962C8B-B14F-4D97-AF65-F5344CB8AC3E}">
-        <p14:creationId xmlns:p14="http://schemas.microsoft.com/office/powerpoint/2010/main" val="2054357845"/>
+        <p14:creationId xmlns:p14="http://schemas.microsoft.com/office/powerpoint/2010/main" val="1142262679"/>
       </p:ext>
     </p:extLst>
   </p:cSld>
@@ -3556,12 +2745,9 @@
 <p:sldMaster xmlns:a="http://schemas.openxmlformats.org/drawingml/2006/main" xmlns:r="http://schemas.openxmlformats.org/officeDocument/2006/relationships" xmlns:p="http://schemas.openxmlformats.org/presentationml/2006/main">
   <p:cSld>
     <p:bg>
-      <p:bgPr>
-        <a:solidFill>
-          <a:schemeClr val="bg2"/>
-        </a:solidFill>
-        <a:effectLst/>
-      </p:bgPr>
+      <p:bgRef idx="1001">
+        <a:schemeClr val="bg1"/>
+      </p:bgRef>
     </p:bg>
     <p:spTree>
       <p:nvGrpSpPr>
@@ -3579,7 +2765,13 @@
       </p:grpSpPr>
       <p:sp>
         <p:nvSpPr>
-          <p:cNvPr id="2" name="Title Placeholder 1"/>
+          <p:cNvPr id="2" name="Title Placeholder 1">
+            <a:extLst>
+              <a:ext uri="{FF2B5EF4-FFF2-40B4-BE49-F238E27FC236}">
+                <a16:creationId xmlns:a16="http://schemas.microsoft.com/office/drawing/2014/main" id="{36389FB7-A372-49A2-B18A-432D59E7B5CE}"/>
+              </a:ext>
+            </a:extLst>
+          </p:cNvPr>
           <p:cNvSpPr>
             <a:spLocks noGrp="1"/>
           </p:cNvSpPr>
@@ -3589,15 +2781,15 @@
         </p:nvSpPr>
         <p:spPr>
           <a:xfrm>
-            <a:off x="1371600" y="685800"/>
-            <a:ext cx="9601200" cy="1485900"/>
+            <a:off x="838200" y="365125"/>
+            <a:ext cx="10515600" cy="1325563"/>
           </a:xfrm>
           <a:prstGeom prst="rect">
             <a:avLst/>
           </a:prstGeom>
         </p:spPr>
         <p:txBody>
-          <a:bodyPr vert="horz" lIns="91440" tIns="45720" rIns="91440" bIns="45720" rtlCol="0" anchor="t">
+          <a:bodyPr vert="horz" lIns="91440" tIns="45720" rIns="91440" bIns="45720" rtlCol="0" anchor="ctr">
             <a:normAutofit/>
           </a:bodyPr>
           <a:lstStyle/>
@@ -3606,13 +2798,18 @@
               <a:rPr lang="en-US"/>
               <a:t>Click to edit Master title style</a:t>
             </a:r>
-            <a:endParaRPr lang="en-US" dirty="0"/>
-          </a:p>
-        </p:txBody>
-      </p:sp>
-      <p:sp>
-        <p:nvSpPr>
-          <p:cNvPr id="3" name="Text Placeholder 2"/>
+          </a:p>
+        </p:txBody>
+      </p:sp>
+      <p:sp>
+        <p:nvSpPr>
+          <p:cNvPr id="3" name="Text Placeholder 2">
+            <a:extLst>
+              <a:ext uri="{FF2B5EF4-FFF2-40B4-BE49-F238E27FC236}">
+                <a16:creationId xmlns:a16="http://schemas.microsoft.com/office/drawing/2014/main" id="{253FF483-3D56-4FC7-AED7-1BCF2B191239}"/>
+              </a:ext>
+            </a:extLst>
+          </p:cNvPr>
           <p:cNvSpPr>
             <a:spLocks noGrp="1"/>
           </p:cNvSpPr>
@@ -3622,8 +2819,8 @@
         </p:nvSpPr>
         <p:spPr>
           <a:xfrm>
-            <a:off x="1371600" y="2286000"/>
-            <a:ext cx="9601200" cy="3581400"/>
+            <a:off x="838200" y="1825625"/>
+            <a:ext cx="10515600" cy="4351338"/>
           </a:xfrm>
           <a:prstGeom prst="rect">
             <a:avLst/>
@@ -3668,13 +2865,18 @@
               <a:rPr lang="en-US"/>
               <a:t>Fifth level</a:t>
             </a:r>
-            <a:endParaRPr lang="en-US" dirty="0"/>
-          </a:p>
-        </p:txBody>
-      </p:sp>
-      <p:sp>
-        <p:nvSpPr>
-          <p:cNvPr id="4" name="Date Placeholder 3"/>
+          </a:p>
+        </p:txBody>
+      </p:sp>
+      <p:sp>
+        <p:nvSpPr>
+          <p:cNvPr id="4" name="Date Placeholder 3">
+            <a:extLst>
+              <a:ext uri="{FF2B5EF4-FFF2-40B4-BE49-F238E27FC236}">
+                <a16:creationId xmlns:a16="http://schemas.microsoft.com/office/drawing/2014/main" id="{8D5F124F-64D1-43DA-96BC-6FCE438E1630}"/>
+              </a:ext>
+            </a:extLst>
+          </p:cNvPr>
           <p:cNvSpPr>
             <a:spLocks noGrp="1"/>
           </p:cNvSpPr>
@@ -3684,8 +2886,8 @@
         </p:nvSpPr>
         <p:spPr>
           <a:xfrm>
-            <a:off x="1390650" y="6453386"/>
-            <a:ext cx="1204572" cy="404614"/>
+            <a:off x="838200" y="6356350"/>
+            <a:ext cx="2743200" cy="365125"/>
           </a:xfrm>
           <a:prstGeom prst="rect">
             <a:avLst/>
@@ -3695,17 +2897,19 @@
           <a:bodyPr vert="horz" lIns="91440" tIns="45720" rIns="91440" bIns="45720" rtlCol="0" anchor="ctr"/>
           <a:lstStyle>
             <a:lvl1pPr algn="l">
-              <a:defRPr sz="1200" baseline="0">
+              <a:defRPr sz="1200">
                 <a:solidFill>
-                  <a:schemeClr val="tx2"/>
+                  <a:schemeClr val="tx1">
+                    <a:tint val="75000"/>
+                  </a:schemeClr>
                 </a:solidFill>
               </a:defRPr>
             </a:lvl1pPr>
           </a:lstStyle>
           <a:p>
-            <a:fld id="{5E063D95-9933-498C-A792-D8217AE78B36}" type="datetime1">
+            <a:fld id="{E1628388-8475-48ED-AB40-8D0634AA6F59}" type="datetimeFigureOut">
               <a:rPr lang="en-US" smtClean="0"/>
-              <a:t>10/26/2020</a:t>
+              <a:t>12/1/2020</a:t>
             </a:fld>
             <a:endParaRPr lang="en-US"/>
           </a:p>
@@ -3713,7 +2917,13 @@
       </p:sp>
       <p:sp>
         <p:nvSpPr>
-          <p:cNvPr id="5" name="Footer Placeholder 4"/>
+          <p:cNvPr id="5" name="Footer Placeholder 4">
+            <a:extLst>
+              <a:ext uri="{FF2B5EF4-FFF2-40B4-BE49-F238E27FC236}">
+                <a16:creationId xmlns:a16="http://schemas.microsoft.com/office/drawing/2014/main" id="{C4792CC4-BA93-41FC-99B8-555E01E383FA}"/>
+              </a:ext>
+            </a:extLst>
+          </p:cNvPr>
           <p:cNvSpPr>
             <a:spLocks noGrp="1"/>
           </p:cNvSpPr>
@@ -3723,8 +2933,8 @@
         </p:nvSpPr>
         <p:spPr>
           <a:xfrm>
-            <a:off x="2893564" y="6453386"/>
-            <a:ext cx="6280830" cy="404614"/>
+            <a:off x="4038600" y="6356350"/>
+            <a:ext cx="4114800" cy="365125"/>
           </a:xfrm>
           <a:prstGeom prst="rect">
             <a:avLst/>
@@ -3733,10 +2943,12 @@
         <p:txBody>
           <a:bodyPr vert="horz" lIns="91440" tIns="45720" rIns="91440" bIns="45720" rtlCol="0" anchor="ctr"/>
           <a:lstStyle>
-            <a:lvl1pPr algn="l">
-              <a:defRPr sz="1200" baseline="0">
+            <a:lvl1pPr algn="ctr">
+              <a:defRPr sz="1200">
                 <a:solidFill>
-                  <a:schemeClr val="tx2"/>
+                  <a:schemeClr val="tx1">
+                    <a:tint val="75000"/>
+                  </a:schemeClr>
                 </a:solidFill>
               </a:defRPr>
             </a:lvl1pPr>
@@ -3748,7 +2960,13 @@
       </p:sp>
       <p:sp>
         <p:nvSpPr>
-          <p:cNvPr id="6" name="Slide Number Placeholder 5"/>
+          <p:cNvPr id="6" name="Slide Number Placeholder 5">
+            <a:extLst>
+              <a:ext uri="{FF2B5EF4-FFF2-40B4-BE49-F238E27FC236}">
+                <a16:creationId xmlns:a16="http://schemas.microsoft.com/office/drawing/2014/main" id="{6A71E571-6F91-4894-8364-450B4845ED54}"/>
+              </a:ext>
+            </a:extLst>
+          </p:cNvPr>
           <p:cNvSpPr>
             <a:spLocks noGrp="1"/>
           </p:cNvSpPr>
@@ -3758,8 +2976,8 @@
         </p:nvSpPr>
         <p:spPr>
           <a:xfrm>
-            <a:off x="9472736" y="6453386"/>
-            <a:ext cx="1596292" cy="404614"/>
+            <a:off x="8610600" y="6356350"/>
+            <a:ext cx="2743200" cy="365125"/>
           </a:xfrm>
           <a:prstGeom prst="rect">
             <a:avLst/>
@@ -3769,15 +2987,17 @@
           <a:bodyPr vert="horz" lIns="91440" tIns="45720" rIns="91440" bIns="45720" rtlCol="0" anchor="ctr"/>
           <a:lstStyle>
             <a:lvl1pPr algn="r">
-              <a:defRPr sz="1200" baseline="0">
+              <a:defRPr sz="1200">
                 <a:solidFill>
-                  <a:schemeClr val="tx2"/>
+                  <a:schemeClr val="tx1">
+                    <a:tint val="75000"/>
+                  </a:schemeClr>
                 </a:solidFill>
               </a:defRPr>
             </a:lvl1pPr>
           </a:lstStyle>
           <a:p>
-            <a:fld id="{F028C567-C893-478B-8134-9B7E019C1A37}" type="slidenum">
+            <a:fld id="{F3929E66-B8DD-49E2-9918-A127B3778F8B}" type="slidenum">
               <a:rPr lang="en-US" smtClean="0"/>
               <a:t>‹#›</a:t>
             </a:fld>
@@ -3785,79 +3005,40 @@
           </a:p>
         </p:txBody>
       </p:sp>
-      <p:sp>
-        <p:nvSpPr>
-          <p:cNvPr id="9" name="Rectangle 8" title="Side bar"/>
-          <p:cNvSpPr/>
-          <p:nvPr userDrawn="1"/>
-        </p:nvSpPr>
-        <p:spPr>
-          <a:xfrm>
-            <a:off x="478095" y="376"/>
-            <a:ext cx="228600" cy="6858000"/>
-          </a:xfrm>
-          <a:prstGeom prst="rect">
-            <a:avLst/>
-          </a:prstGeom>
-          <a:solidFill>
-            <a:schemeClr val="tx2"/>
-          </a:solidFill>
-          <a:ln>
-            <a:noFill/>
-          </a:ln>
-        </p:spPr>
-        <p:style>
-          <a:lnRef idx="2">
-            <a:schemeClr val="accent1">
-              <a:shade val="50000"/>
-            </a:schemeClr>
-          </a:lnRef>
-          <a:fillRef idx="1">
-            <a:schemeClr val="accent1"/>
-          </a:fillRef>
-          <a:effectRef idx="0">
-            <a:schemeClr val="accent1"/>
-          </a:effectRef>
-          <a:fontRef idx="minor">
-            <a:schemeClr val="lt1"/>
-          </a:fontRef>
-        </p:style>
-      </p:sp>
     </p:spTree>
     <p:extLst>
       <p:ext uri="{BB962C8B-B14F-4D97-AF65-F5344CB8AC3E}">
-        <p14:creationId xmlns:p14="http://schemas.microsoft.com/office/powerpoint/2010/main" val="2849242724"/>
+        <p14:creationId xmlns:p14="http://schemas.microsoft.com/office/powerpoint/2010/main" val="3738463270"/>
       </p:ext>
     </p:extLst>
   </p:cSld>
   <p:clrMap bg1="lt1" tx1="dk1" bg2="lt2" tx2="dk2" accent1="accent1" accent2="accent2" accent3="accent3" accent4="accent4" accent5="accent5" accent6="accent6" hlink="hlink" folHlink="folHlink"/>
   <p:sldLayoutIdLst>
-    <p:sldLayoutId id="2147483757" r:id="rId1"/>
-    <p:sldLayoutId id="2147483758" r:id="rId2"/>
-    <p:sldLayoutId id="2147483759" r:id="rId3"/>
-    <p:sldLayoutId id="2147483760" r:id="rId4"/>
-    <p:sldLayoutId id="2147483761" r:id="rId5"/>
-    <p:sldLayoutId id="2147483762" r:id="rId6"/>
-    <p:sldLayoutId id="2147483763" r:id="rId7"/>
-    <p:sldLayoutId id="2147483764" r:id="rId8"/>
-    <p:sldLayoutId id="2147483765" r:id="rId9"/>
-    <p:sldLayoutId id="2147483766" r:id="rId10"/>
-    <p:sldLayoutId id="2147483767" r:id="rId11"/>
+    <p:sldLayoutId id="2147483649" r:id="rId1"/>
+    <p:sldLayoutId id="2147483650" r:id="rId2"/>
+    <p:sldLayoutId id="2147483651" r:id="rId3"/>
+    <p:sldLayoutId id="2147483652" r:id="rId4"/>
+    <p:sldLayoutId id="2147483653" r:id="rId5"/>
+    <p:sldLayoutId id="2147483654" r:id="rId6"/>
+    <p:sldLayoutId id="2147483655" r:id="rId7"/>
+    <p:sldLayoutId id="2147483656" r:id="rId8"/>
+    <p:sldLayoutId id="2147483657" r:id="rId9"/>
+    <p:sldLayoutId id="2147483658" r:id="rId10"/>
+    <p:sldLayoutId id="2147483659" r:id="rId11"/>
   </p:sldLayoutIdLst>
-  <p:hf hdr="0" ftr="0" dt="0"/>
   <p:txStyles>
     <p:titleStyle>
       <a:lvl1pPr algn="l" defTabSz="914400" rtl="0" eaLnBrk="1" latinLnBrk="0" hangingPunct="1">
         <a:lnSpc>
-          <a:spcPct val="89000"/>
+          <a:spcPct val="90000"/>
         </a:lnSpc>
         <a:spcBef>
           <a:spcPct val="0"/>
         </a:spcBef>
         <a:buNone/>
-        <a:defRPr sz="4400" kern="1200" baseline="0">
-          <a:solidFill>
-            <a:schemeClr val="tx2"/>
+        <a:defRPr sz="4400" kern="1200">
+          <a:solidFill>
+            <a:schemeClr val="tx1"/>
           </a:solidFill>
           <a:latin typeface="+mj-lt"/>
           <a:ea typeface="+mj-ea"/>
@@ -3866,189 +3047,162 @@
       </a:lvl1pPr>
     </p:titleStyle>
     <p:bodyStyle>
-      <a:lvl1pPr marL="384048" indent="-384048" algn="l" defTabSz="914400" rtl="0" eaLnBrk="1" latinLnBrk="0" hangingPunct="1">
+      <a:lvl1pPr marL="228600" indent="-228600" algn="l" defTabSz="914400" rtl="0" eaLnBrk="1" latinLnBrk="0" hangingPunct="1">
         <a:lnSpc>
-          <a:spcPct val="94000"/>
+          <a:spcPct val="90000"/>
         </a:lnSpc>
         <a:spcBef>
           <a:spcPts val="1000"/>
         </a:spcBef>
-        <a:spcAft>
-          <a:spcPts val="200"/>
-        </a:spcAft>
-        <a:buFont typeface="Franklin Gothic Book" panose="020B0503020102020204" pitchFamily="34" charset="0"/>
-        <a:buChar char="■"/>
-        <a:defRPr sz="2000" kern="1200" baseline="0">
-          <a:solidFill>
-            <a:schemeClr val="tx2"/>
+        <a:buFont typeface="Arial" panose="020B0604020202020204" pitchFamily="34" charset="0"/>
+        <a:buChar char="•"/>
+        <a:defRPr sz="2800" kern="1200">
+          <a:solidFill>
+            <a:schemeClr val="tx1"/>
           </a:solidFill>
           <a:latin typeface="+mn-lt"/>
           <a:ea typeface="+mn-ea"/>
           <a:cs typeface="+mn-cs"/>
         </a:defRPr>
       </a:lvl1pPr>
-      <a:lvl2pPr marL="914400" indent="-384048" algn="l" defTabSz="914400" rtl="0" eaLnBrk="1" latinLnBrk="0" hangingPunct="1">
+      <a:lvl2pPr marL="685800" indent="-228600" algn="l" defTabSz="914400" rtl="0" eaLnBrk="1" latinLnBrk="0" hangingPunct="1">
         <a:lnSpc>
-          <a:spcPct val="94000"/>
+          <a:spcPct val="90000"/>
         </a:lnSpc>
         <a:spcBef>
           <a:spcPts val="500"/>
         </a:spcBef>
-        <a:spcAft>
-          <a:spcPts val="200"/>
-        </a:spcAft>
-        <a:buFont typeface="Franklin Gothic Book" panose="020B0503020102020204" pitchFamily="34" charset="0"/>
-        <a:buChar char="–"/>
-        <a:defRPr sz="2000" i="1" kern="1200" baseline="0">
-          <a:solidFill>
-            <a:schemeClr val="tx2"/>
+        <a:buFont typeface="Arial" panose="020B0604020202020204" pitchFamily="34" charset="0"/>
+        <a:buChar char="•"/>
+        <a:defRPr sz="2400" kern="1200">
+          <a:solidFill>
+            <a:schemeClr val="tx1"/>
           </a:solidFill>
           <a:latin typeface="+mn-lt"/>
           <a:ea typeface="+mn-ea"/>
           <a:cs typeface="+mn-cs"/>
         </a:defRPr>
       </a:lvl2pPr>
-      <a:lvl3pPr marL="1371600" indent="-384048" algn="l" defTabSz="914400" rtl="0" eaLnBrk="1" latinLnBrk="0" hangingPunct="1">
+      <a:lvl3pPr marL="1143000" indent="-228600" algn="l" defTabSz="914400" rtl="0" eaLnBrk="1" latinLnBrk="0" hangingPunct="1">
         <a:lnSpc>
-          <a:spcPct val="94000"/>
+          <a:spcPct val="90000"/>
         </a:lnSpc>
         <a:spcBef>
           <a:spcPts val="500"/>
         </a:spcBef>
-        <a:spcAft>
-          <a:spcPts val="200"/>
-        </a:spcAft>
-        <a:buFont typeface="Franklin Gothic Book" panose="020B0503020102020204" pitchFamily="34" charset="0"/>
-        <a:buChar char="■"/>
-        <a:defRPr sz="1800" kern="1200" baseline="0">
-          <a:solidFill>
-            <a:schemeClr val="tx2"/>
+        <a:buFont typeface="Arial" panose="020B0604020202020204" pitchFamily="34" charset="0"/>
+        <a:buChar char="•"/>
+        <a:defRPr sz="2000" kern="1200">
+          <a:solidFill>
+            <a:schemeClr val="tx1"/>
           </a:solidFill>
           <a:latin typeface="+mn-lt"/>
           <a:ea typeface="+mn-ea"/>
           <a:cs typeface="+mn-cs"/>
         </a:defRPr>
       </a:lvl3pPr>
-      <a:lvl4pPr marL="1828800" indent="-384048" algn="l" defTabSz="914400" rtl="0" eaLnBrk="1" latinLnBrk="0" hangingPunct="1">
+      <a:lvl4pPr marL="1600200" indent="-228600" algn="l" defTabSz="914400" rtl="0" eaLnBrk="1" latinLnBrk="0" hangingPunct="1">
         <a:lnSpc>
-          <a:spcPct val="94000"/>
+          <a:spcPct val="90000"/>
         </a:lnSpc>
         <a:spcBef>
           <a:spcPts val="500"/>
         </a:spcBef>
-        <a:spcAft>
-          <a:spcPts val="200"/>
-        </a:spcAft>
-        <a:buFont typeface="Franklin Gothic Book" panose="020B0503020102020204" pitchFamily="34" charset="0"/>
-        <a:buChar char="–"/>
-        <a:defRPr sz="1800" i="1" kern="1200" baseline="0">
-          <a:solidFill>
-            <a:schemeClr val="tx2"/>
+        <a:buFont typeface="Arial" panose="020B0604020202020204" pitchFamily="34" charset="0"/>
+        <a:buChar char="•"/>
+        <a:defRPr sz="1800" kern="1200">
+          <a:solidFill>
+            <a:schemeClr val="tx1"/>
           </a:solidFill>
           <a:latin typeface="+mn-lt"/>
           <a:ea typeface="+mn-ea"/>
           <a:cs typeface="+mn-cs"/>
         </a:defRPr>
       </a:lvl4pPr>
-      <a:lvl5pPr marL="2286000" indent="-384048" algn="l" defTabSz="914400" rtl="0" eaLnBrk="1" latinLnBrk="0" hangingPunct="1">
+      <a:lvl5pPr marL="2057400" indent="-228600" algn="l" defTabSz="914400" rtl="0" eaLnBrk="1" latinLnBrk="0" hangingPunct="1">
         <a:lnSpc>
-          <a:spcPct val="94000"/>
+          <a:spcPct val="90000"/>
         </a:lnSpc>
         <a:spcBef>
           <a:spcPts val="500"/>
         </a:spcBef>
-        <a:spcAft>
-          <a:spcPts val="200"/>
-        </a:spcAft>
-        <a:buFont typeface="Franklin Gothic Book" panose="020B0503020102020204" pitchFamily="34" charset="0"/>
-        <a:buChar char="■"/>
-        <a:defRPr sz="1600" kern="1200" baseline="0">
-          <a:solidFill>
-            <a:schemeClr val="tx2"/>
+        <a:buFont typeface="Arial" panose="020B0604020202020204" pitchFamily="34" charset="0"/>
+        <a:buChar char="•"/>
+        <a:defRPr sz="1800" kern="1200">
+          <a:solidFill>
+            <a:schemeClr val="tx1"/>
           </a:solidFill>
           <a:latin typeface="+mn-lt"/>
           <a:ea typeface="+mn-ea"/>
           <a:cs typeface="+mn-cs"/>
         </a:defRPr>
       </a:lvl5pPr>
-      <a:lvl6pPr marL="2743200" indent="-384048" algn="l" defTabSz="914400" rtl="0" eaLnBrk="1" latinLnBrk="0" hangingPunct="1">
+      <a:lvl6pPr marL="2514600" indent="-228600" algn="l" defTabSz="914400" rtl="0" eaLnBrk="1" latinLnBrk="0" hangingPunct="1">
         <a:lnSpc>
-          <a:spcPct val="94000"/>
+          <a:spcPct val="90000"/>
         </a:lnSpc>
         <a:spcBef>
           <a:spcPts val="500"/>
         </a:spcBef>
-        <a:spcAft>
-          <a:spcPts val="200"/>
-        </a:spcAft>
-        <a:buFont typeface="Franklin Gothic Book" panose="020B0503020102020204" pitchFamily="34" charset="0"/>
-        <a:buChar char="–"/>
-        <a:defRPr sz="1600" i="1" kern="1200" baseline="0">
-          <a:solidFill>
-            <a:schemeClr val="tx2"/>
+        <a:buFont typeface="Arial" panose="020B0604020202020204" pitchFamily="34" charset="0"/>
+        <a:buChar char="•"/>
+        <a:defRPr sz="1800" kern="1200">
+          <a:solidFill>
+            <a:schemeClr val="tx1"/>
           </a:solidFill>
           <a:latin typeface="+mn-lt"/>
           <a:ea typeface="+mn-ea"/>
           <a:cs typeface="+mn-cs"/>
         </a:defRPr>
       </a:lvl6pPr>
-      <a:lvl7pPr marL="3200400" indent="-384048" algn="l" defTabSz="914400" rtl="0" eaLnBrk="1" latinLnBrk="0" hangingPunct="1">
+      <a:lvl7pPr marL="2971800" indent="-228600" algn="l" defTabSz="914400" rtl="0" eaLnBrk="1" latinLnBrk="0" hangingPunct="1">
         <a:lnSpc>
-          <a:spcPct val="94000"/>
+          <a:spcPct val="90000"/>
         </a:lnSpc>
         <a:spcBef>
           <a:spcPts val="500"/>
         </a:spcBef>
-        <a:spcAft>
-          <a:spcPts val="200"/>
-        </a:spcAft>
-        <a:buFont typeface="Franklin Gothic Book" panose="020B0503020102020204" pitchFamily="34" charset="0"/>
-        <a:buChar char="■"/>
-        <a:defRPr sz="1400" kern="1200" baseline="0">
-          <a:solidFill>
-            <a:schemeClr val="tx2"/>
+        <a:buFont typeface="Arial" panose="020B0604020202020204" pitchFamily="34" charset="0"/>
+        <a:buChar char="•"/>
+        <a:defRPr sz="1800" kern="1200">
+          <a:solidFill>
+            <a:schemeClr val="tx1"/>
           </a:solidFill>
           <a:latin typeface="+mn-lt"/>
           <a:ea typeface="+mn-ea"/>
           <a:cs typeface="+mn-cs"/>
         </a:defRPr>
       </a:lvl7pPr>
-      <a:lvl8pPr marL="3657600" indent="-384048" algn="l" defTabSz="914400" rtl="0" eaLnBrk="1" latinLnBrk="0" hangingPunct="1">
+      <a:lvl8pPr marL="3429000" indent="-228600" algn="l" defTabSz="914400" rtl="0" eaLnBrk="1" latinLnBrk="0" hangingPunct="1">
         <a:lnSpc>
-          <a:spcPct val="94000"/>
+          <a:spcPct val="90000"/>
         </a:lnSpc>
         <a:spcBef>
           <a:spcPts val="500"/>
         </a:spcBef>
-        <a:spcAft>
-          <a:spcPts val="200"/>
-        </a:spcAft>
-        <a:buFont typeface="Franklin Gothic Book" panose="020B0503020102020204" pitchFamily="34" charset="0"/>
-        <a:buChar char="–"/>
-        <a:defRPr sz="1400" i="1" kern="1200" baseline="0">
-          <a:solidFill>
-            <a:schemeClr val="tx2"/>
+        <a:buFont typeface="Arial" panose="020B0604020202020204" pitchFamily="34" charset="0"/>
+        <a:buChar char="•"/>
+        <a:defRPr sz="1800" kern="1200">
+          <a:solidFill>
+            <a:schemeClr val="tx1"/>
           </a:solidFill>
           <a:latin typeface="+mn-lt"/>
           <a:ea typeface="+mn-ea"/>
           <a:cs typeface="+mn-cs"/>
         </a:defRPr>
       </a:lvl8pPr>
-      <a:lvl9pPr marL="4114800" indent="-384048" algn="l" defTabSz="914400" rtl="0" eaLnBrk="1" latinLnBrk="0" hangingPunct="1">
+      <a:lvl9pPr marL="3886200" indent="-228600" algn="l" defTabSz="914400" rtl="0" eaLnBrk="1" latinLnBrk="0" hangingPunct="1">
         <a:lnSpc>
-          <a:spcPct val="94000"/>
+          <a:spcPct val="90000"/>
         </a:lnSpc>
         <a:spcBef>
           <a:spcPts val="500"/>
         </a:spcBef>
-        <a:spcAft>
-          <a:spcPts val="200"/>
-        </a:spcAft>
-        <a:buFont typeface="Franklin Gothic Book" panose="020B0503020102020204" pitchFamily="34" charset="0"/>
-        <a:buChar char="■"/>
-        <a:defRPr sz="1400" kern="1200" baseline="0">
-          <a:solidFill>
-            <a:schemeClr val="tx2"/>
+        <a:buFont typeface="Arial" panose="020B0604020202020204" pitchFamily="34" charset="0"/>
+        <a:buChar char="•"/>
+        <a:defRPr sz="1800" kern="1200">
+          <a:solidFill>
+            <a:schemeClr val="tx1"/>
           </a:solidFill>
           <a:latin typeface="+mn-lt"/>
           <a:ea typeface="+mn-ea"/>
@@ -4152,52 +3306,6 @@
       </a:lvl9pPr>
     </p:otherStyle>
   </p:txStyles>
-  <p:extLst>
-    <p:ext uri="{27BBF7A9-308A-43DC-89C8-2F10F3537804}">
-      <p15:sldGuideLst xmlns:p15="http://schemas.microsoft.com/office/powerpoint/2012/main">
-        <p15:guide id="3" orient="horz" pos="1368">
-          <p15:clr>
-            <a:srgbClr val="F26B43"/>
-          </p15:clr>
-        </p15:guide>
-        <p15:guide id="4" orient="horz" pos="1440">
-          <p15:clr>
-            <a:srgbClr val="F26B43"/>
-          </p15:clr>
-        </p15:guide>
-        <p15:guide id="6" orient="horz" pos="3696">
-          <p15:clr>
-            <a:srgbClr val="F26B43"/>
-          </p15:clr>
-        </p15:guide>
-        <p15:guide id="7" orient="horz" pos="432">
-          <p15:clr>
-            <a:srgbClr val="F26B43"/>
-          </p15:clr>
-        </p15:guide>
-        <p15:guide id="8" orient="horz" pos="1512">
-          <p15:clr>
-            <a:srgbClr val="F26B43"/>
-          </p15:clr>
-        </p15:guide>
-        <p15:guide id="9" pos="6912">
-          <p15:clr>
-            <a:srgbClr val="F26B43"/>
-          </p15:clr>
-        </p15:guide>
-        <p15:guide id="10" pos="936">
-          <p15:clr>
-            <a:srgbClr val="F26B43"/>
-          </p15:clr>
-        </p15:guide>
-        <p15:guide id="11" pos="864">
-          <p15:clr>
-            <a:srgbClr val="F26B43"/>
-          </p15:clr>
-        </p15:guide>
-      </p15:sldGuideLst>
-    </p:ext>
-  </p:extLst>
 </p:sldMaster>
 </file>
 
@@ -4220,22 +3328,28 @@
       </p:grpSpPr>
       <p:sp>
         <p:nvSpPr>
-          <p:cNvPr id="14" name="Rectangle 13"/>
+          <p:cNvPr id="4" name="Rectangle 3">
+            <a:extLst>
+              <a:ext uri="{FF2B5EF4-FFF2-40B4-BE49-F238E27FC236}">
+                <a16:creationId xmlns:a16="http://schemas.microsoft.com/office/drawing/2014/main" id="{84B24DE0-CE70-483E-BB0D-024D1281387C}"/>
+              </a:ext>
+            </a:extLst>
+          </p:cNvPr>
           <p:cNvSpPr/>
           <p:nvPr/>
         </p:nvSpPr>
         <p:spPr>
           <a:xfrm>
-            <a:off x="1275347" y="1913021"/>
-            <a:ext cx="9499237" cy="4042611"/>
+            <a:off x="1320389" y="1920919"/>
+            <a:ext cx="9516205" cy="4044729"/>
           </a:xfrm>
           <a:prstGeom prst="rect">
             <a:avLst/>
           </a:prstGeom>
           <a:solidFill>
-            <a:schemeClr val="accent4">
-              <a:lumMod val="20000"/>
-              <a:lumOff val="80000"/>
+            <a:schemeClr val="accent6">
+              <a:lumMod val="40000"/>
+              <a:lumOff val="60000"/>
             </a:schemeClr>
           </a:solidFill>
         </p:spPr>
@@ -4260,28 +3374,36 @@
           <a:lstStyle/>
           <a:p>
             <a:pPr algn="ctr"/>
-            <a:endParaRPr lang="en-US" sz="1600"/>
-          </a:p>
-        </p:txBody>
-      </p:sp>
-      <p:sp>
-        <p:nvSpPr>
-          <p:cNvPr id="15" name="Rectangle 14"/>
-          <p:cNvSpPr/>
+            <a:endParaRPr lang="en-US" dirty="0"/>
+          </a:p>
+        </p:txBody>
+      </p:sp>
+      <p:sp>
+        <p:nvSpPr>
+          <p:cNvPr id="5" name="Rectangle 4">
+            <a:extLst>
+              <a:ext uri="{FF2B5EF4-FFF2-40B4-BE49-F238E27FC236}">
+                <a16:creationId xmlns:a16="http://schemas.microsoft.com/office/drawing/2014/main" id="{FA387B58-5A76-402A-9A41-2C7C93D9CABE}"/>
+              </a:ext>
+            </a:extLst>
+          </p:cNvPr>
+          <p:cNvSpPr>
+            <a:spLocks noChangeAspect="1"/>
+          </p:cNvSpPr>
           <p:nvPr/>
         </p:nvSpPr>
         <p:spPr>
           <a:xfrm>
-            <a:off x="1275347" y="1913021"/>
+            <a:off x="1320389" y="1921281"/>
             <a:ext cx="397042" cy="409074"/>
           </a:xfrm>
           <a:prstGeom prst="rect">
             <a:avLst/>
           </a:prstGeom>
           <a:solidFill>
-            <a:schemeClr val="accent2">
-              <a:lumMod val="60000"/>
-              <a:lumOff val="40000"/>
+            <a:schemeClr val="accent4">
+              <a:lumMod val="40000"/>
+              <a:lumOff val="60000"/>
             </a:schemeClr>
           </a:solidFill>
         </p:spPr>
@@ -4319,22 +3441,30 @@
       </p:sp>
       <p:sp>
         <p:nvSpPr>
-          <p:cNvPr id="16" name="Rectangle 15"/>
-          <p:cNvSpPr/>
+          <p:cNvPr id="6" name="Rectangle 5">
+            <a:extLst>
+              <a:ext uri="{FF2B5EF4-FFF2-40B4-BE49-F238E27FC236}">
+                <a16:creationId xmlns:a16="http://schemas.microsoft.com/office/drawing/2014/main" id="{343346F2-9DBE-4640-967C-C5D4D694AC2A}"/>
+              </a:ext>
+            </a:extLst>
+          </p:cNvPr>
+          <p:cNvSpPr>
+            <a:spLocks noChangeAspect="1"/>
+          </p:cNvSpPr>
           <p:nvPr/>
         </p:nvSpPr>
         <p:spPr>
           <a:xfrm>
-            <a:off x="1668379" y="1913021"/>
+            <a:off x="1716934" y="1921281"/>
             <a:ext cx="397042" cy="409074"/>
           </a:xfrm>
           <a:prstGeom prst="rect">
             <a:avLst/>
           </a:prstGeom>
           <a:solidFill>
-            <a:schemeClr val="accent2">
-              <a:lumMod val="60000"/>
-              <a:lumOff val="40000"/>
+            <a:schemeClr val="accent4">
+              <a:lumMod val="40000"/>
+              <a:lumOff val="60000"/>
             </a:schemeClr>
           </a:solidFill>
         </p:spPr>
@@ -4360,7 +3490,7 @@
           <a:p>
             <a:pPr algn="ctr"/>
             <a:r>
-              <a:rPr lang="en-US" sz="1400" dirty="0">
+              <a:rPr lang="en-US" sz="1600" dirty="0">
                 <a:solidFill>
                   <a:schemeClr val="tx1"/>
                 </a:solidFill>
@@ -4372,22 +3502,30 @@
       </p:sp>
       <p:sp>
         <p:nvSpPr>
-          <p:cNvPr id="17" name="Rectangle 16"/>
-          <p:cNvSpPr/>
+          <p:cNvPr id="7" name="Rectangle 6">
+            <a:extLst>
+              <a:ext uri="{FF2B5EF4-FFF2-40B4-BE49-F238E27FC236}">
+                <a16:creationId xmlns:a16="http://schemas.microsoft.com/office/drawing/2014/main" id="{AD6F13FA-A238-4A8A-BA54-DE345554729A}"/>
+              </a:ext>
+            </a:extLst>
+          </p:cNvPr>
+          <p:cNvSpPr>
+            <a:spLocks noChangeAspect="1"/>
+          </p:cNvSpPr>
           <p:nvPr/>
         </p:nvSpPr>
         <p:spPr>
           <a:xfrm>
-            <a:off x="2065421" y="1913021"/>
+            <a:off x="2113836" y="1921281"/>
             <a:ext cx="397042" cy="409074"/>
           </a:xfrm>
           <a:prstGeom prst="rect">
             <a:avLst/>
           </a:prstGeom>
           <a:solidFill>
-            <a:schemeClr val="accent2">
-              <a:lumMod val="60000"/>
-              <a:lumOff val="40000"/>
+            <a:schemeClr val="accent4">
+              <a:lumMod val="40000"/>
+              <a:lumOff val="60000"/>
             </a:schemeClr>
           </a:solidFill>
         </p:spPr>
@@ -4413,7 +3551,7 @@
           <a:p>
             <a:pPr algn="ctr"/>
             <a:r>
-              <a:rPr lang="en-US" sz="1400" dirty="0">
+              <a:rPr lang="en-US" sz="1600" dirty="0">
                 <a:solidFill>
                   <a:schemeClr val="tx1"/>
                 </a:solidFill>
@@ -4425,22 +3563,30 @@
       </p:sp>
       <p:sp>
         <p:nvSpPr>
-          <p:cNvPr id="18" name="Rectangle 17"/>
-          <p:cNvSpPr/>
+          <p:cNvPr id="8" name="Rectangle 7">
+            <a:extLst>
+              <a:ext uri="{FF2B5EF4-FFF2-40B4-BE49-F238E27FC236}">
+                <a16:creationId xmlns:a16="http://schemas.microsoft.com/office/drawing/2014/main" id="{1B55C9CD-5E1C-4D8B-99B1-F832C51146B0}"/>
+              </a:ext>
+            </a:extLst>
+          </p:cNvPr>
+          <p:cNvSpPr>
+            <a:spLocks noChangeAspect="1"/>
+          </p:cNvSpPr>
           <p:nvPr/>
         </p:nvSpPr>
         <p:spPr>
           <a:xfrm>
-            <a:off x="2462463" y="1913021"/>
+            <a:off x="2512218" y="1921281"/>
             <a:ext cx="397042" cy="409074"/>
           </a:xfrm>
           <a:prstGeom prst="rect">
             <a:avLst/>
           </a:prstGeom>
           <a:solidFill>
-            <a:schemeClr val="accent2">
-              <a:lumMod val="60000"/>
-              <a:lumOff val="40000"/>
+            <a:schemeClr val="accent4">
+              <a:lumMod val="40000"/>
+              <a:lumOff val="60000"/>
             </a:schemeClr>
           </a:solidFill>
         </p:spPr>
@@ -4466,7 +3612,7 @@
           <a:p>
             <a:pPr algn="ctr"/>
             <a:r>
-              <a:rPr lang="en-US" sz="1400" dirty="0">
+              <a:rPr lang="en-US" sz="1600" dirty="0">
                 <a:solidFill>
                   <a:schemeClr val="tx1"/>
                 </a:solidFill>
@@ -4478,22 +3624,30 @@
       </p:sp>
       <p:sp>
         <p:nvSpPr>
-          <p:cNvPr id="19" name="Rectangle 18"/>
-          <p:cNvSpPr/>
+          <p:cNvPr id="9" name="Rectangle 8">
+            <a:extLst>
+              <a:ext uri="{FF2B5EF4-FFF2-40B4-BE49-F238E27FC236}">
+                <a16:creationId xmlns:a16="http://schemas.microsoft.com/office/drawing/2014/main" id="{27A1FF32-774C-402A-BB37-9829F945B832}"/>
+              </a:ext>
+            </a:extLst>
+          </p:cNvPr>
+          <p:cNvSpPr>
+            <a:spLocks noChangeAspect="1"/>
+          </p:cNvSpPr>
           <p:nvPr/>
         </p:nvSpPr>
         <p:spPr>
           <a:xfrm>
-            <a:off x="2855495" y="1913021"/>
+            <a:off x="2908360" y="1921280"/>
             <a:ext cx="397042" cy="409074"/>
           </a:xfrm>
           <a:prstGeom prst="rect">
             <a:avLst/>
           </a:prstGeom>
           <a:solidFill>
-            <a:schemeClr val="accent2">
-              <a:lumMod val="60000"/>
-              <a:lumOff val="40000"/>
+            <a:schemeClr val="accent4">
+              <a:lumMod val="40000"/>
+              <a:lumOff val="60000"/>
             </a:schemeClr>
           </a:solidFill>
         </p:spPr>
@@ -4519,7 +3673,7 @@
           <a:p>
             <a:pPr algn="ctr"/>
             <a:r>
-              <a:rPr lang="en-US" sz="1400" dirty="0">
+              <a:rPr lang="en-US" sz="1600" dirty="0">
                 <a:solidFill>
                   <a:schemeClr val="tx1"/>
                 </a:solidFill>
@@ -4531,22 +3685,30 @@
       </p:sp>
       <p:sp>
         <p:nvSpPr>
-          <p:cNvPr id="20" name="Rectangle 19"/>
-          <p:cNvSpPr/>
+          <p:cNvPr id="10" name="Rectangle 9">
+            <a:extLst>
+              <a:ext uri="{FF2B5EF4-FFF2-40B4-BE49-F238E27FC236}">
+                <a16:creationId xmlns:a16="http://schemas.microsoft.com/office/drawing/2014/main" id="{FE24C963-3BAA-4267-971D-89733C835505}"/>
+              </a:ext>
+            </a:extLst>
+          </p:cNvPr>
+          <p:cNvSpPr>
+            <a:spLocks noChangeAspect="1"/>
+          </p:cNvSpPr>
           <p:nvPr/>
         </p:nvSpPr>
         <p:spPr>
           <a:xfrm>
-            <a:off x="3252537" y="1913021"/>
+            <a:off x="3305153" y="1921280"/>
             <a:ext cx="397042" cy="409074"/>
           </a:xfrm>
           <a:prstGeom prst="rect">
             <a:avLst/>
           </a:prstGeom>
           <a:solidFill>
-            <a:schemeClr val="accent4">
-              <a:lumMod val="20000"/>
-              <a:lumOff val="80000"/>
+            <a:schemeClr val="accent6">
+              <a:lumMod val="40000"/>
+              <a:lumOff val="60000"/>
             </a:schemeClr>
           </a:solidFill>
         </p:spPr>
@@ -4572,7 +3734,7 @@
           <a:p>
             <a:pPr algn="ctr"/>
             <a:r>
-              <a:rPr lang="en-US" sz="1400" dirty="0">
+              <a:rPr lang="en-US" sz="1600" dirty="0">
                 <a:solidFill>
                   <a:schemeClr val="tx1"/>
                 </a:solidFill>
@@ -4584,22 +3746,30 @@
       </p:sp>
       <p:sp>
         <p:nvSpPr>
-          <p:cNvPr id="21" name="Rectangle 20"/>
-          <p:cNvSpPr/>
+          <p:cNvPr id="11" name="Rectangle 10">
+            <a:extLst>
+              <a:ext uri="{FF2B5EF4-FFF2-40B4-BE49-F238E27FC236}">
+                <a16:creationId xmlns:a16="http://schemas.microsoft.com/office/drawing/2014/main" id="{52A4E966-9CCC-4C3C-A67D-9228E9401AC2}"/>
+              </a:ext>
+            </a:extLst>
+          </p:cNvPr>
+          <p:cNvSpPr>
+            <a:spLocks noChangeAspect="1"/>
+          </p:cNvSpPr>
           <p:nvPr/>
         </p:nvSpPr>
         <p:spPr>
           <a:xfrm>
-            <a:off x="3645569" y="1913021"/>
+            <a:off x="3703616" y="1921280"/>
             <a:ext cx="397042" cy="409074"/>
           </a:xfrm>
           <a:prstGeom prst="rect">
             <a:avLst/>
           </a:prstGeom>
           <a:solidFill>
-            <a:schemeClr val="accent4">
-              <a:lumMod val="20000"/>
-              <a:lumOff val="80000"/>
+            <a:schemeClr val="accent6">
+              <a:lumMod val="40000"/>
+              <a:lumOff val="60000"/>
             </a:schemeClr>
           </a:solidFill>
         </p:spPr>
@@ -4625,7 +3795,7 @@
           <a:p>
             <a:pPr algn="ctr"/>
             <a:r>
-              <a:rPr lang="en-US" sz="1400" dirty="0">
+              <a:rPr lang="en-US" sz="1600" dirty="0">
                 <a:solidFill>
                   <a:schemeClr val="tx1"/>
                 </a:solidFill>
@@ -4637,22 +3807,30 @@
       </p:sp>
       <p:sp>
         <p:nvSpPr>
-          <p:cNvPr id="22" name="Rectangle 21"/>
-          <p:cNvSpPr/>
+          <p:cNvPr id="12" name="Rectangle 11">
+            <a:extLst>
+              <a:ext uri="{FF2B5EF4-FFF2-40B4-BE49-F238E27FC236}">
+                <a16:creationId xmlns:a16="http://schemas.microsoft.com/office/drawing/2014/main" id="{30687049-ABC3-4E80-8F0B-3E415A8F494C}"/>
+              </a:ext>
+            </a:extLst>
+          </p:cNvPr>
+          <p:cNvSpPr>
+            <a:spLocks noChangeAspect="1"/>
+          </p:cNvSpPr>
           <p:nvPr/>
         </p:nvSpPr>
         <p:spPr>
           <a:xfrm>
-            <a:off x="4042611" y="1913021"/>
+            <a:off x="4101011" y="1921280"/>
             <a:ext cx="397042" cy="409074"/>
           </a:xfrm>
           <a:prstGeom prst="rect">
             <a:avLst/>
           </a:prstGeom>
           <a:solidFill>
-            <a:schemeClr val="accent4">
-              <a:lumMod val="20000"/>
-              <a:lumOff val="80000"/>
+            <a:schemeClr val="accent6">
+              <a:lumMod val="40000"/>
+              <a:lumOff val="60000"/>
             </a:schemeClr>
           </a:solidFill>
         </p:spPr>
@@ -4678,7 +3856,7 @@
           <a:p>
             <a:pPr algn="ctr"/>
             <a:r>
-              <a:rPr lang="en-US" sz="1400" dirty="0">
+              <a:rPr lang="en-US" sz="1600" dirty="0">
                 <a:solidFill>
                   <a:schemeClr val="tx1"/>
                 </a:solidFill>
@@ -4690,22 +3868,30 @@
       </p:sp>
       <p:sp>
         <p:nvSpPr>
-          <p:cNvPr id="23" name="Rectangle 22"/>
-          <p:cNvSpPr/>
+          <p:cNvPr id="13" name="Rectangle 12">
+            <a:extLst>
+              <a:ext uri="{FF2B5EF4-FFF2-40B4-BE49-F238E27FC236}">
+                <a16:creationId xmlns:a16="http://schemas.microsoft.com/office/drawing/2014/main" id="{063E3D5B-6054-4C3D-A050-C024BF3888B3}"/>
+              </a:ext>
+            </a:extLst>
+          </p:cNvPr>
+          <p:cNvSpPr>
+            <a:spLocks noChangeAspect="1"/>
+          </p:cNvSpPr>
           <p:nvPr/>
         </p:nvSpPr>
         <p:spPr>
           <a:xfrm>
-            <a:off x="4435643" y="1913021"/>
+            <a:off x="4498054" y="1921280"/>
             <a:ext cx="397042" cy="409074"/>
           </a:xfrm>
           <a:prstGeom prst="rect">
             <a:avLst/>
           </a:prstGeom>
           <a:solidFill>
-            <a:schemeClr val="accent4">
-              <a:lumMod val="20000"/>
-              <a:lumOff val="80000"/>
+            <a:schemeClr val="accent6">
+              <a:lumMod val="40000"/>
+              <a:lumOff val="60000"/>
             </a:schemeClr>
           </a:solidFill>
         </p:spPr>
@@ -4731,7 +3917,7 @@
           <a:p>
             <a:pPr algn="ctr"/>
             <a:r>
-              <a:rPr lang="en-US" sz="1400" dirty="0">
+              <a:rPr lang="en-US" sz="1600" dirty="0">
                 <a:solidFill>
                   <a:schemeClr val="tx1"/>
                 </a:solidFill>
@@ -4743,22 +3929,91 @@
       </p:sp>
       <p:sp>
         <p:nvSpPr>
-          <p:cNvPr id="60" name="Rectangle 59"/>
-          <p:cNvSpPr/>
+          <p:cNvPr id="14" name="Rectangle 13">
+            <a:extLst>
+              <a:ext uri="{FF2B5EF4-FFF2-40B4-BE49-F238E27FC236}">
+                <a16:creationId xmlns:a16="http://schemas.microsoft.com/office/drawing/2014/main" id="{13E21F98-4D81-4709-94D9-263EE1C073F3}"/>
+              </a:ext>
+            </a:extLst>
+          </p:cNvPr>
+          <p:cNvSpPr>
+            <a:spLocks noChangeAspect="1"/>
+          </p:cNvSpPr>
           <p:nvPr/>
         </p:nvSpPr>
         <p:spPr>
           <a:xfrm>
-            <a:off x="4832184" y="1913021"/>
+            <a:off x="4895674" y="1921279"/>
             <a:ext cx="397042" cy="409074"/>
           </a:xfrm>
           <a:prstGeom prst="rect">
             <a:avLst/>
           </a:prstGeom>
           <a:solidFill>
-            <a:schemeClr val="accent2">
-              <a:lumMod val="60000"/>
-              <a:lumOff val="40000"/>
+            <a:schemeClr val="accent6">
+              <a:lumMod val="40000"/>
+              <a:lumOff val="60000"/>
+            </a:schemeClr>
+          </a:solidFill>
+        </p:spPr>
+        <p:style>
+          <a:lnRef idx="2">
+            <a:schemeClr val="accent1">
+              <a:shade val="50000"/>
+            </a:schemeClr>
+          </a:lnRef>
+          <a:fillRef idx="1">
+            <a:schemeClr val="accent1"/>
+          </a:fillRef>
+          <a:effectRef idx="0">
+            <a:schemeClr val="accent1"/>
+          </a:effectRef>
+          <a:fontRef idx="minor">
+            <a:schemeClr val="lt1"/>
+          </a:fontRef>
+        </p:style>
+        <p:txBody>
+          <a:bodyPr rtlCol="0" anchor="ctr"/>
+          <a:lstStyle/>
+          <a:p>
+            <a:pPr algn="ctr"/>
+            <a:r>
+              <a:rPr lang="en-US" sz="1600" dirty="0">
+                <a:solidFill>
+                  <a:schemeClr val="tx1"/>
+                </a:solidFill>
+              </a:rPr>
+              <a:t>D</a:t>
+            </a:r>
+          </a:p>
+        </p:txBody>
+      </p:sp>
+      <p:sp>
+        <p:nvSpPr>
+          <p:cNvPr id="15" name="Rectangle 14">
+            <a:extLst>
+              <a:ext uri="{FF2B5EF4-FFF2-40B4-BE49-F238E27FC236}">
+                <a16:creationId xmlns:a16="http://schemas.microsoft.com/office/drawing/2014/main" id="{BFC501A6-041A-4D34-903F-9415EAE7AC97}"/>
+              </a:ext>
+            </a:extLst>
+          </p:cNvPr>
+          <p:cNvSpPr>
+            <a:spLocks noChangeAspect="1"/>
+          </p:cNvSpPr>
+          <p:nvPr/>
+        </p:nvSpPr>
+        <p:spPr>
+          <a:xfrm>
+            <a:off x="5292523" y="1921278"/>
+            <a:ext cx="397042" cy="409074"/>
+          </a:xfrm>
+          <a:prstGeom prst="rect">
+            <a:avLst/>
+          </a:prstGeom>
+          <a:solidFill>
+            <a:schemeClr val="accent4">
+              <a:lumMod val="40000"/>
+              <a:lumOff val="60000"/>
             </a:schemeClr>
           </a:solidFill>
         </p:spPr>
@@ -4796,22 +4051,30 @@
       </p:sp>
       <p:sp>
         <p:nvSpPr>
-          <p:cNvPr id="61" name="Rectangle 60"/>
-          <p:cNvSpPr/>
+          <p:cNvPr id="22" name="Rectangle 21">
+            <a:extLst>
+              <a:ext uri="{FF2B5EF4-FFF2-40B4-BE49-F238E27FC236}">
+                <a16:creationId xmlns:a16="http://schemas.microsoft.com/office/drawing/2014/main" id="{C5C6F7C3-210C-45E6-AE0D-75BCC4E1E4A2}"/>
+              </a:ext>
+            </a:extLst>
+          </p:cNvPr>
+          <p:cNvSpPr>
+            <a:spLocks noChangeAspect="1"/>
+          </p:cNvSpPr>
           <p:nvPr/>
         </p:nvSpPr>
         <p:spPr>
           <a:xfrm>
-            <a:off x="5225216" y="1913021"/>
+            <a:off x="8066773" y="1920919"/>
             <a:ext cx="397042" cy="409074"/>
           </a:xfrm>
           <a:prstGeom prst="rect">
             <a:avLst/>
           </a:prstGeom>
           <a:solidFill>
-            <a:schemeClr val="accent2">
-              <a:lumMod val="60000"/>
-              <a:lumOff val="40000"/>
+            <a:schemeClr val="accent6">
+              <a:lumMod val="40000"/>
+              <a:lumOff val="60000"/>
             </a:schemeClr>
           </a:solidFill>
         </p:spPr>
@@ -4837,34 +4100,42 @@
           <a:p>
             <a:pPr algn="ctr"/>
             <a:r>
-              <a:rPr lang="en-US" sz="1400" dirty="0">
+              <a:rPr lang="en-US" sz="1600" dirty="0">
                 <a:solidFill>
                   <a:schemeClr val="tx1"/>
                 </a:solidFill>
               </a:rPr>
-              <a:t>XS</a:t>
-            </a:r>
-          </a:p>
-        </p:txBody>
-      </p:sp>
-      <p:sp>
-        <p:nvSpPr>
-          <p:cNvPr id="62" name="Rectangle 61"/>
-          <p:cNvSpPr/>
+              <a:t>D</a:t>
+            </a:r>
+          </a:p>
+        </p:txBody>
+      </p:sp>
+      <p:sp>
+        <p:nvSpPr>
+          <p:cNvPr id="23" name="Rectangle 22">
+            <a:extLst>
+              <a:ext uri="{FF2B5EF4-FFF2-40B4-BE49-F238E27FC236}">
+                <a16:creationId xmlns:a16="http://schemas.microsoft.com/office/drawing/2014/main" id="{05A002CC-73DA-4DC1-A160-D99EBE7B9143}"/>
+              </a:ext>
+            </a:extLst>
+          </p:cNvPr>
+          <p:cNvSpPr>
+            <a:spLocks noChangeAspect="1"/>
+          </p:cNvSpPr>
           <p:nvPr/>
         </p:nvSpPr>
         <p:spPr>
           <a:xfrm>
-            <a:off x="5621658" y="1913021"/>
+            <a:off x="8464039" y="1920919"/>
             <a:ext cx="397042" cy="409074"/>
           </a:xfrm>
           <a:prstGeom prst="rect">
             <a:avLst/>
           </a:prstGeom>
           <a:solidFill>
-            <a:schemeClr val="accent2">
-              <a:lumMod val="60000"/>
-              <a:lumOff val="40000"/>
+            <a:schemeClr val="accent6">
+              <a:lumMod val="40000"/>
+              <a:lumOff val="60000"/>
             </a:schemeClr>
           </a:solidFill>
         </p:spPr>
@@ -4890,34 +4161,42 @@
           <a:p>
             <a:pPr algn="ctr"/>
             <a:r>
-              <a:rPr lang="en-US" sz="1400" dirty="0">
+              <a:rPr lang="en-US" sz="1600" dirty="0">
                 <a:solidFill>
                   <a:schemeClr val="tx1"/>
                 </a:solidFill>
               </a:rPr>
-              <a:t>XE</a:t>
-            </a:r>
-          </a:p>
-        </p:txBody>
-      </p:sp>
-      <p:sp>
-        <p:nvSpPr>
-          <p:cNvPr id="63" name="Rectangle 62"/>
-          <p:cNvSpPr/>
+              <a:t>D</a:t>
+            </a:r>
+          </a:p>
+        </p:txBody>
+      </p:sp>
+      <p:sp>
+        <p:nvSpPr>
+          <p:cNvPr id="24" name="Rectangle 23">
+            <a:extLst>
+              <a:ext uri="{FF2B5EF4-FFF2-40B4-BE49-F238E27FC236}">
+                <a16:creationId xmlns:a16="http://schemas.microsoft.com/office/drawing/2014/main" id="{60FCA857-C60E-4608-907E-301A50480471}"/>
+              </a:ext>
+            </a:extLst>
+          </p:cNvPr>
+          <p:cNvSpPr>
+            <a:spLocks noChangeAspect="1"/>
+          </p:cNvSpPr>
           <p:nvPr/>
         </p:nvSpPr>
         <p:spPr>
           <a:xfrm>
-            <a:off x="6014690" y="1913021"/>
+            <a:off x="8855297" y="1920919"/>
             <a:ext cx="397042" cy="409074"/>
           </a:xfrm>
           <a:prstGeom prst="rect">
             <a:avLst/>
           </a:prstGeom>
           <a:solidFill>
-            <a:schemeClr val="accent2">
-              <a:lumMod val="60000"/>
-              <a:lumOff val="40000"/>
+            <a:schemeClr val="accent6">
+              <a:lumMod val="40000"/>
+              <a:lumOff val="60000"/>
             </a:schemeClr>
           </a:solidFill>
         </p:spPr>
@@ -4943,34 +4222,42 @@
           <a:p>
             <a:pPr algn="ctr"/>
             <a:r>
-              <a:rPr lang="en-US" sz="1400" dirty="0">
+              <a:rPr lang="en-US" sz="1600" dirty="0">
                 <a:solidFill>
                   <a:schemeClr val="tx1"/>
                 </a:solidFill>
               </a:rPr>
-              <a:t>YS</a:t>
-            </a:r>
-          </a:p>
-        </p:txBody>
-      </p:sp>
-      <p:sp>
-        <p:nvSpPr>
-          <p:cNvPr id="64" name="Rectangle 63"/>
-          <p:cNvSpPr/>
+              <a:t>D</a:t>
+            </a:r>
+          </a:p>
+        </p:txBody>
+      </p:sp>
+      <p:sp>
+        <p:nvSpPr>
+          <p:cNvPr id="25" name="Rectangle 24">
+            <a:extLst>
+              <a:ext uri="{FF2B5EF4-FFF2-40B4-BE49-F238E27FC236}">
+                <a16:creationId xmlns:a16="http://schemas.microsoft.com/office/drawing/2014/main" id="{FC8ADB68-8497-4647-AB0D-A097EB68A65F}"/>
+              </a:ext>
+            </a:extLst>
+          </p:cNvPr>
+          <p:cNvSpPr>
+            <a:spLocks noChangeAspect="1"/>
+          </p:cNvSpPr>
           <p:nvPr/>
         </p:nvSpPr>
         <p:spPr>
           <a:xfrm>
-            <a:off x="6411132" y="1913021"/>
+            <a:off x="9252743" y="1920919"/>
             <a:ext cx="397042" cy="409074"/>
           </a:xfrm>
           <a:prstGeom prst="rect">
             <a:avLst/>
           </a:prstGeom>
           <a:solidFill>
-            <a:schemeClr val="accent2">
-              <a:lumMod val="60000"/>
-              <a:lumOff val="40000"/>
+            <a:schemeClr val="accent6">
+              <a:lumMod val="40000"/>
+              <a:lumOff val="60000"/>
             </a:schemeClr>
           </a:solidFill>
         </p:spPr>
@@ -4996,34 +4283,42 @@
           <a:p>
             <a:pPr algn="ctr"/>
             <a:r>
-              <a:rPr lang="en-US" sz="1400" dirty="0">
+              <a:rPr lang="en-US" sz="1600" dirty="0">
                 <a:solidFill>
                   <a:schemeClr val="tx1"/>
                 </a:solidFill>
               </a:rPr>
-              <a:t>YE</a:t>
-            </a:r>
-          </a:p>
-        </p:txBody>
-      </p:sp>
-      <p:sp>
-        <p:nvSpPr>
-          <p:cNvPr id="65" name="Rectangle 64"/>
-          <p:cNvSpPr/>
+              <a:t>D</a:t>
+            </a:r>
+          </a:p>
+        </p:txBody>
+      </p:sp>
+      <p:sp>
+        <p:nvSpPr>
+          <p:cNvPr id="26" name="Rectangle 25">
+            <a:extLst>
+              <a:ext uri="{FF2B5EF4-FFF2-40B4-BE49-F238E27FC236}">
+                <a16:creationId xmlns:a16="http://schemas.microsoft.com/office/drawing/2014/main" id="{5C961377-8367-4C93-AD35-9ECF9131D274}"/>
+              </a:ext>
+            </a:extLst>
+          </p:cNvPr>
+          <p:cNvSpPr>
+            <a:spLocks noChangeAspect="1"/>
+          </p:cNvSpPr>
           <p:nvPr/>
         </p:nvSpPr>
         <p:spPr>
           <a:xfrm>
-            <a:off x="6804164" y="1913021"/>
+            <a:off x="9650600" y="1920919"/>
             <a:ext cx="397042" cy="409074"/>
           </a:xfrm>
           <a:prstGeom prst="rect">
             <a:avLst/>
           </a:prstGeom>
           <a:solidFill>
-            <a:schemeClr val="accent4">
-              <a:lumMod val="20000"/>
-              <a:lumOff val="80000"/>
+            <a:schemeClr val="accent6">
+              <a:lumMod val="40000"/>
+              <a:lumOff val="60000"/>
             </a:schemeClr>
           </a:solidFill>
         </p:spPr>
@@ -5049,7 +4344,7 @@
           <a:p>
             <a:pPr algn="ctr"/>
             <a:r>
-              <a:rPr lang="en-US" sz="1400" dirty="0">
+              <a:rPr lang="en-US" sz="1600" dirty="0">
                 <a:solidFill>
                   <a:schemeClr val="tx1"/>
                 </a:solidFill>
@@ -5061,22 +4356,30 @@
       </p:sp>
       <p:sp>
         <p:nvSpPr>
-          <p:cNvPr id="66" name="Rectangle 65"/>
-          <p:cNvSpPr/>
+          <p:cNvPr id="27" name="Rectangle 26">
+            <a:extLst>
+              <a:ext uri="{FF2B5EF4-FFF2-40B4-BE49-F238E27FC236}">
+                <a16:creationId xmlns:a16="http://schemas.microsoft.com/office/drawing/2014/main" id="{C26DE489-53E5-406D-AF4A-83D8EF02A996}"/>
+              </a:ext>
+            </a:extLst>
+          </p:cNvPr>
+          <p:cNvSpPr>
+            <a:spLocks noChangeAspect="1"/>
+          </p:cNvSpPr>
           <p:nvPr/>
         </p:nvSpPr>
         <p:spPr>
           <a:xfrm>
-            <a:off x="7201206" y="1913021"/>
+            <a:off x="10048046" y="1920919"/>
             <a:ext cx="397042" cy="409074"/>
           </a:xfrm>
           <a:prstGeom prst="rect">
             <a:avLst/>
           </a:prstGeom>
           <a:solidFill>
-            <a:schemeClr val="accent4">
-              <a:lumMod val="20000"/>
-              <a:lumOff val="80000"/>
+            <a:schemeClr val="accent6">
+              <a:lumMod val="40000"/>
+              <a:lumOff val="60000"/>
             </a:schemeClr>
           </a:solidFill>
         </p:spPr>
@@ -5102,7 +4405,7 @@
           <a:p>
             <a:pPr algn="ctr"/>
             <a:r>
-              <a:rPr lang="en-US" sz="1400" dirty="0">
+              <a:rPr lang="en-US" sz="1600" dirty="0">
                 <a:solidFill>
                   <a:schemeClr val="tx1"/>
                 </a:solidFill>
@@ -5114,13 +4417,21 @@
       </p:sp>
       <p:sp>
         <p:nvSpPr>
-          <p:cNvPr id="67" name="Rectangle 66"/>
-          <p:cNvSpPr/>
+          <p:cNvPr id="28" name="Rectangle 27">
+            <a:extLst>
+              <a:ext uri="{FF2B5EF4-FFF2-40B4-BE49-F238E27FC236}">
+                <a16:creationId xmlns:a16="http://schemas.microsoft.com/office/drawing/2014/main" id="{81D67C65-B249-4066-BD5B-DB38CCE751EF}"/>
+              </a:ext>
+            </a:extLst>
+          </p:cNvPr>
+          <p:cNvSpPr>
+            <a:spLocks noChangeAspect="1"/>
+          </p:cNvSpPr>
           <p:nvPr/>
         </p:nvSpPr>
         <p:spPr>
           <a:xfrm>
-            <a:off x="7598248" y="1913021"/>
+            <a:off x="10439551" y="1920919"/>
             <a:ext cx="397042" cy="409074"/>
           </a:xfrm>
           <a:prstGeom prst="rect">
@@ -5128,379 +4439,8 @@
           </a:prstGeom>
           <a:solidFill>
             <a:schemeClr val="accent4">
-              <a:lumMod val="20000"/>
-              <a:lumOff val="80000"/>
-            </a:schemeClr>
-          </a:solidFill>
-        </p:spPr>
-        <p:style>
-          <a:lnRef idx="2">
-            <a:schemeClr val="accent1">
-              <a:shade val="50000"/>
-            </a:schemeClr>
-          </a:lnRef>
-          <a:fillRef idx="1">
-            <a:schemeClr val="accent1"/>
-          </a:fillRef>
-          <a:effectRef idx="0">
-            <a:schemeClr val="accent1"/>
-          </a:effectRef>
-          <a:fontRef idx="minor">
-            <a:schemeClr val="lt1"/>
-          </a:fontRef>
-        </p:style>
-        <p:txBody>
-          <a:bodyPr rtlCol="0" anchor="ctr"/>
-          <a:lstStyle/>
-          <a:p>
-            <a:pPr algn="ctr"/>
-            <a:r>
-              <a:rPr lang="en-US" sz="1400" dirty="0">
-                <a:solidFill>
-                  <a:schemeClr val="tx1"/>
-                </a:solidFill>
-              </a:rPr>
-              <a:t>D</a:t>
-            </a:r>
-          </a:p>
-        </p:txBody>
-      </p:sp>
-      <p:sp>
-        <p:nvSpPr>
-          <p:cNvPr id="68" name="Rectangle 67"/>
-          <p:cNvSpPr/>
-          <p:nvPr/>
-        </p:nvSpPr>
-        <p:spPr>
-          <a:xfrm>
-            <a:off x="7995290" y="1913021"/>
-            <a:ext cx="397042" cy="409074"/>
-          </a:xfrm>
-          <a:prstGeom prst="rect">
-            <a:avLst/>
-          </a:prstGeom>
-          <a:solidFill>
-            <a:schemeClr val="accent4">
-              <a:lumMod val="20000"/>
-              <a:lumOff val="80000"/>
-            </a:schemeClr>
-          </a:solidFill>
-        </p:spPr>
-        <p:style>
-          <a:lnRef idx="2">
-            <a:schemeClr val="accent1">
-              <a:shade val="50000"/>
-            </a:schemeClr>
-          </a:lnRef>
-          <a:fillRef idx="1">
-            <a:schemeClr val="accent1"/>
-          </a:fillRef>
-          <a:effectRef idx="0">
-            <a:schemeClr val="accent1"/>
-          </a:effectRef>
-          <a:fontRef idx="minor">
-            <a:schemeClr val="lt1"/>
-          </a:fontRef>
-        </p:style>
-        <p:txBody>
-          <a:bodyPr rtlCol="0" anchor="ctr"/>
-          <a:lstStyle/>
-          <a:p>
-            <a:pPr algn="ctr"/>
-            <a:r>
-              <a:rPr lang="en-US" sz="1400" dirty="0">
-                <a:solidFill>
-                  <a:schemeClr val="tx1"/>
-                </a:solidFill>
-              </a:rPr>
-              <a:t>D</a:t>
-            </a:r>
-          </a:p>
-        </p:txBody>
-      </p:sp>
-      <p:sp>
-        <p:nvSpPr>
-          <p:cNvPr id="69" name="Rectangle 68"/>
-          <p:cNvSpPr/>
-          <p:nvPr/>
-        </p:nvSpPr>
-        <p:spPr>
-          <a:xfrm>
-            <a:off x="8392332" y="1913021"/>
-            <a:ext cx="397042" cy="409074"/>
-          </a:xfrm>
-          <a:prstGeom prst="rect">
-            <a:avLst/>
-          </a:prstGeom>
-          <a:solidFill>
-            <a:schemeClr val="accent4">
-              <a:lumMod val="20000"/>
-              <a:lumOff val="80000"/>
-            </a:schemeClr>
-          </a:solidFill>
-        </p:spPr>
-        <p:style>
-          <a:lnRef idx="2">
-            <a:schemeClr val="accent1">
-              <a:shade val="50000"/>
-            </a:schemeClr>
-          </a:lnRef>
-          <a:fillRef idx="1">
-            <a:schemeClr val="accent1"/>
-          </a:fillRef>
-          <a:effectRef idx="0">
-            <a:schemeClr val="accent1"/>
-          </a:effectRef>
-          <a:fontRef idx="minor">
-            <a:schemeClr val="lt1"/>
-          </a:fontRef>
-        </p:style>
-        <p:txBody>
-          <a:bodyPr rtlCol="0" anchor="ctr"/>
-          <a:lstStyle/>
-          <a:p>
-            <a:pPr algn="ctr"/>
-            <a:r>
-              <a:rPr lang="en-US" sz="1400" dirty="0">
-                <a:solidFill>
-                  <a:schemeClr val="tx1"/>
-                </a:solidFill>
-              </a:rPr>
-              <a:t>D</a:t>
-            </a:r>
-          </a:p>
-        </p:txBody>
-      </p:sp>
-      <p:sp>
-        <p:nvSpPr>
-          <p:cNvPr id="70" name="Rectangle 69"/>
-          <p:cNvSpPr/>
-          <p:nvPr/>
-        </p:nvSpPr>
-        <p:spPr>
-          <a:xfrm>
-            <a:off x="8789374" y="1913021"/>
-            <a:ext cx="397042" cy="409074"/>
-          </a:xfrm>
-          <a:prstGeom prst="rect">
-            <a:avLst/>
-          </a:prstGeom>
-          <a:solidFill>
-            <a:schemeClr val="accent4">
-              <a:lumMod val="20000"/>
-              <a:lumOff val="80000"/>
-            </a:schemeClr>
-          </a:solidFill>
-        </p:spPr>
-        <p:style>
-          <a:lnRef idx="2">
-            <a:schemeClr val="accent1">
-              <a:shade val="50000"/>
-            </a:schemeClr>
-          </a:lnRef>
-          <a:fillRef idx="1">
-            <a:schemeClr val="accent1"/>
-          </a:fillRef>
-          <a:effectRef idx="0">
-            <a:schemeClr val="accent1"/>
-          </a:effectRef>
-          <a:fontRef idx="minor">
-            <a:schemeClr val="lt1"/>
-          </a:fontRef>
-        </p:style>
-        <p:txBody>
-          <a:bodyPr rtlCol="0" anchor="ctr"/>
-          <a:lstStyle/>
-          <a:p>
-            <a:pPr algn="ctr"/>
-            <a:r>
-              <a:rPr lang="en-US" sz="1400" dirty="0">
-                <a:solidFill>
-                  <a:schemeClr val="tx1"/>
-                </a:solidFill>
-              </a:rPr>
-              <a:t>D</a:t>
-            </a:r>
-          </a:p>
-        </p:txBody>
-      </p:sp>
-      <p:sp>
-        <p:nvSpPr>
-          <p:cNvPr id="71" name="Rectangle 70"/>
-          <p:cNvSpPr/>
-          <p:nvPr/>
-        </p:nvSpPr>
-        <p:spPr>
-          <a:xfrm>
-            <a:off x="9186416" y="1913021"/>
-            <a:ext cx="397042" cy="409074"/>
-          </a:xfrm>
-          <a:prstGeom prst="rect">
-            <a:avLst/>
-          </a:prstGeom>
-          <a:solidFill>
-            <a:schemeClr val="accent4">
-              <a:lumMod val="20000"/>
-              <a:lumOff val="80000"/>
-            </a:schemeClr>
-          </a:solidFill>
-        </p:spPr>
-        <p:style>
-          <a:lnRef idx="2">
-            <a:schemeClr val="accent1">
-              <a:shade val="50000"/>
-            </a:schemeClr>
-          </a:lnRef>
-          <a:fillRef idx="1">
-            <a:schemeClr val="accent1"/>
-          </a:fillRef>
-          <a:effectRef idx="0">
-            <a:schemeClr val="accent1"/>
-          </a:effectRef>
-          <a:fontRef idx="minor">
-            <a:schemeClr val="lt1"/>
-          </a:fontRef>
-        </p:style>
-        <p:txBody>
-          <a:bodyPr rtlCol="0" anchor="ctr"/>
-          <a:lstStyle/>
-          <a:p>
-            <a:pPr algn="ctr"/>
-            <a:r>
-              <a:rPr lang="en-US" sz="1400" dirty="0">
-                <a:solidFill>
-                  <a:schemeClr val="tx1"/>
-                </a:solidFill>
-              </a:rPr>
-              <a:t>D</a:t>
-            </a:r>
-          </a:p>
-        </p:txBody>
-      </p:sp>
-      <p:sp>
-        <p:nvSpPr>
-          <p:cNvPr id="72" name="Rectangle 71"/>
-          <p:cNvSpPr/>
-          <p:nvPr/>
-        </p:nvSpPr>
-        <p:spPr>
-          <a:xfrm>
-            <a:off x="9583458" y="1913021"/>
-            <a:ext cx="397042" cy="409074"/>
-          </a:xfrm>
-          <a:prstGeom prst="rect">
-            <a:avLst/>
-          </a:prstGeom>
-          <a:solidFill>
-            <a:schemeClr val="accent4">
-              <a:lumMod val="20000"/>
-              <a:lumOff val="80000"/>
-            </a:schemeClr>
-          </a:solidFill>
-        </p:spPr>
-        <p:style>
-          <a:lnRef idx="2">
-            <a:schemeClr val="accent1">
-              <a:shade val="50000"/>
-            </a:schemeClr>
-          </a:lnRef>
-          <a:fillRef idx="1">
-            <a:schemeClr val="accent1"/>
-          </a:fillRef>
-          <a:effectRef idx="0">
-            <a:schemeClr val="accent1"/>
-          </a:effectRef>
-          <a:fontRef idx="minor">
-            <a:schemeClr val="lt1"/>
-          </a:fontRef>
-        </p:style>
-        <p:txBody>
-          <a:bodyPr rtlCol="0" anchor="ctr"/>
-          <a:lstStyle/>
-          <a:p>
-            <a:pPr algn="ctr"/>
-            <a:r>
-              <a:rPr lang="en-US" sz="1400" dirty="0">
-                <a:solidFill>
-                  <a:schemeClr val="tx1"/>
-                </a:solidFill>
-              </a:rPr>
-              <a:t>D</a:t>
-            </a:r>
-          </a:p>
-        </p:txBody>
-      </p:sp>
-      <p:sp>
-        <p:nvSpPr>
-          <p:cNvPr id="73" name="Rectangle 72"/>
-          <p:cNvSpPr/>
-          <p:nvPr/>
-        </p:nvSpPr>
-        <p:spPr>
-          <a:xfrm>
-            <a:off x="9980500" y="1913021"/>
-            <a:ext cx="397042" cy="409074"/>
-          </a:xfrm>
-          <a:prstGeom prst="rect">
-            <a:avLst/>
-          </a:prstGeom>
-          <a:solidFill>
-            <a:schemeClr val="accent4">
-              <a:lumMod val="20000"/>
-              <a:lumOff val="80000"/>
-            </a:schemeClr>
-          </a:solidFill>
-        </p:spPr>
-        <p:style>
-          <a:lnRef idx="2">
-            <a:schemeClr val="accent1">
-              <a:shade val="50000"/>
-            </a:schemeClr>
-          </a:lnRef>
-          <a:fillRef idx="1">
-            <a:schemeClr val="accent1"/>
-          </a:fillRef>
-          <a:effectRef idx="0">
-            <a:schemeClr val="accent1"/>
-          </a:effectRef>
-          <a:fontRef idx="minor">
-            <a:schemeClr val="lt1"/>
-          </a:fontRef>
-        </p:style>
-        <p:txBody>
-          <a:bodyPr rtlCol="0" anchor="ctr"/>
-          <a:lstStyle/>
-          <a:p>
-            <a:pPr algn="ctr"/>
-            <a:r>
-              <a:rPr lang="en-US" sz="1400" dirty="0">
-                <a:solidFill>
-                  <a:schemeClr val="tx1"/>
-                </a:solidFill>
-              </a:rPr>
-              <a:t>D</a:t>
-            </a:r>
-          </a:p>
-        </p:txBody>
-      </p:sp>
-      <p:sp>
-        <p:nvSpPr>
-          <p:cNvPr id="74" name="Rectangle 73"/>
-          <p:cNvSpPr/>
-          <p:nvPr/>
-        </p:nvSpPr>
-        <p:spPr>
-          <a:xfrm>
-            <a:off x="10377542" y="1913021"/>
-            <a:ext cx="397042" cy="409074"/>
-          </a:xfrm>
-          <a:prstGeom prst="rect">
-            <a:avLst/>
-          </a:prstGeom>
-          <a:solidFill>
-            <a:schemeClr val="accent2">
-              <a:lumMod val="60000"/>
-              <a:lumOff val="40000"/>
+              <a:lumMod val="40000"/>
+              <a:lumOff val="60000"/>
             </a:schemeClr>
           </a:solidFill>
         </p:spPr>
@@ -5538,22 +4478,30 @@
       </p:sp>
       <p:sp>
         <p:nvSpPr>
-          <p:cNvPr id="75" name="Rectangle 74"/>
-          <p:cNvSpPr/>
+          <p:cNvPr id="90" name="Rectangle 89">
+            <a:extLst>
+              <a:ext uri="{FF2B5EF4-FFF2-40B4-BE49-F238E27FC236}">
+                <a16:creationId xmlns:a16="http://schemas.microsoft.com/office/drawing/2014/main" id="{7F03E596-1856-4541-9C0D-1A072131DAD2}"/>
+              </a:ext>
+            </a:extLst>
+          </p:cNvPr>
+          <p:cNvSpPr>
+            <a:spLocks noChangeAspect="1"/>
+          </p:cNvSpPr>
           <p:nvPr/>
         </p:nvSpPr>
         <p:spPr>
           <a:xfrm>
-            <a:off x="1275347" y="2322095"/>
+            <a:off x="5688164" y="1920919"/>
             <a:ext cx="397042" cy="409074"/>
           </a:xfrm>
           <a:prstGeom prst="rect">
             <a:avLst/>
           </a:prstGeom>
           <a:solidFill>
-            <a:schemeClr val="accent2">
-              <a:lumMod val="60000"/>
-              <a:lumOff val="40000"/>
+            <a:schemeClr val="accent4">
+              <a:lumMod val="40000"/>
+              <a:lumOff val="60000"/>
             </a:schemeClr>
           </a:solidFill>
         </p:spPr>
@@ -5579,7 +4527,7 @@
           <a:p>
             <a:pPr algn="ctr"/>
             <a:r>
-              <a:rPr lang="en-US" sz="1400" dirty="0">
+              <a:rPr lang="en-US" sz="1600" dirty="0">
                 <a:solidFill>
                   <a:schemeClr val="tx1"/>
                 </a:solidFill>
@@ -5591,22 +4539,30 @@
       </p:sp>
       <p:sp>
         <p:nvSpPr>
-          <p:cNvPr id="76" name="Rectangle 75"/>
-          <p:cNvSpPr/>
+          <p:cNvPr id="91" name="Rectangle 90">
+            <a:extLst>
+              <a:ext uri="{FF2B5EF4-FFF2-40B4-BE49-F238E27FC236}">
+                <a16:creationId xmlns:a16="http://schemas.microsoft.com/office/drawing/2014/main" id="{B95A52FD-07A6-421C-96CA-B7D3060D95E2}"/>
+              </a:ext>
+            </a:extLst>
+          </p:cNvPr>
+          <p:cNvSpPr>
+            <a:spLocks noChangeAspect="1"/>
+          </p:cNvSpPr>
           <p:nvPr/>
         </p:nvSpPr>
         <p:spPr>
           <a:xfrm>
-            <a:off x="1668379" y="2322095"/>
+            <a:off x="6085430" y="1920919"/>
             <a:ext cx="397042" cy="409074"/>
           </a:xfrm>
           <a:prstGeom prst="rect">
             <a:avLst/>
           </a:prstGeom>
           <a:solidFill>
-            <a:schemeClr val="accent2">
-              <a:lumMod val="60000"/>
-              <a:lumOff val="40000"/>
+            <a:schemeClr val="accent4">
+              <a:lumMod val="40000"/>
+              <a:lumOff val="60000"/>
             </a:schemeClr>
           </a:solidFill>
         </p:spPr>
@@ -5632,7 +4588,7 @@
           <a:p>
             <a:pPr algn="ctr"/>
             <a:r>
-              <a:rPr lang="en-US" sz="1400" dirty="0">
+              <a:rPr lang="en-US" sz="1600" dirty="0">
                 <a:solidFill>
                   <a:schemeClr val="tx1"/>
                 </a:solidFill>
@@ -5644,22 +4600,30 @@
       </p:sp>
       <p:sp>
         <p:nvSpPr>
-          <p:cNvPr id="77" name="Rectangle 76"/>
-          <p:cNvSpPr/>
+          <p:cNvPr id="92" name="Rectangle 91">
+            <a:extLst>
+              <a:ext uri="{FF2B5EF4-FFF2-40B4-BE49-F238E27FC236}">
+                <a16:creationId xmlns:a16="http://schemas.microsoft.com/office/drawing/2014/main" id="{4195C7EA-49F0-4454-8F59-4155C6D35DA1}"/>
+              </a:ext>
+            </a:extLst>
+          </p:cNvPr>
+          <p:cNvSpPr>
+            <a:spLocks noChangeAspect="1"/>
+          </p:cNvSpPr>
           <p:nvPr/>
         </p:nvSpPr>
         <p:spPr>
           <a:xfrm>
-            <a:off x="2065421" y="2322095"/>
+            <a:off x="6483038" y="1920919"/>
             <a:ext cx="397042" cy="409074"/>
           </a:xfrm>
           <a:prstGeom prst="rect">
             <a:avLst/>
           </a:prstGeom>
           <a:solidFill>
-            <a:schemeClr val="accent2">
-              <a:lumMod val="60000"/>
-              <a:lumOff val="40000"/>
+            <a:schemeClr val="accent4">
+              <a:lumMod val="40000"/>
+              <a:lumOff val="60000"/>
             </a:schemeClr>
           </a:solidFill>
         </p:spPr>
@@ -5685,7 +4649,7 @@
           <a:p>
             <a:pPr algn="ctr"/>
             <a:r>
-              <a:rPr lang="en-US" sz="1400" dirty="0">
+              <a:rPr lang="en-US" sz="1600" dirty="0">
                 <a:solidFill>
                   <a:schemeClr val="tx1"/>
                 </a:solidFill>
@@ -5697,22 +4661,30 @@
       </p:sp>
       <p:sp>
         <p:nvSpPr>
-          <p:cNvPr id="78" name="Rectangle 77"/>
-          <p:cNvSpPr/>
+          <p:cNvPr id="93" name="Rectangle 92">
+            <a:extLst>
+              <a:ext uri="{FF2B5EF4-FFF2-40B4-BE49-F238E27FC236}">
+                <a16:creationId xmlns:a16="http://schemas.microsoft.com/office/drawing/2014/main" id="{36FA5E2F-3B87-49AA-8570-3B3C7A63D8CF}"/>
+              </a:ext>
+            </a:extLst>
+          </p:cNvPr>
+          <p:cNvSpPr>
+            <a:spLocks noChangeAspect="1"/>
+          </p:cNvSpPr>
           <p:nvPr/>
         </p:nvSpPr>
         <p:spPr>
           <a:xfrm>
-            <a:off x="2462463" y="2322095"/>
+            <a:off x="6874134" y="1920919"/>
             <a:ext cx="397042" cy="409074"/>
           </a:xfrm>
           <a:prstGeom prst="rect">
             <a:avLst/>
           </a:prstGeom>
           <a:solidFill>
-            <a:schemeClr val="accent2">
-              <a:lumMod val="60000"/>
-              <a:lumOff val="40000"/>
+            <a:schemeClr val="accent4">
+              <a:lumMod val="40000"/>
+              <a:lumOff val="60000"/>
             </a:schemeClr>
           </a:solidFill>
         </p:spPr>
@@ -5738,7 +4710,7 @@
           <a:p>
             <a:pPr algn="ctr"/>
             <a:r>
-              <a:rPr lang="en-US" sz="1400" dirty="0">
+              <a:rPr lang="en-US" sz="1600" dirty="0">
                 <a:solidFill>
                   <a:schemeClr val="tx1"/>
                 </a:solidFill>
@@ -5750,22 +4722,30 @@
       </p:sp>
       <p:sp>
         <p:nvSpPr>
-          <p:cNvPr id="79" name="Rectangle 78"/>
-          <p:cNvSpPr/>
+          <p:cNvPr id="94" name="Rectangle 93">
+            <a:extLst>
+              <a:ext uri="{FF2B5EF4-FFF2-40B4-BE49-F238E27FC236}">
+                <a16:creationId xmlns:a16="http://schemas.microsoft.com/office/drawing/2014/main" id="{F9ACEEC9-3AF7-4515-99B3-CFD4E74250C7}"/>
+              </a:ext>
+            </a:extLst>
+          </p:cNvPr>
+          <p:cNvSpPr>
+            <a:spLocks noChangeAspect="1"/>
+          </p:cNvSpPr>
           <p:nvPr/>
         </p:nvSpPr>
         <p:spPr>
           <a:xfrm>
-            <a:off x="2855495" y="2322095"/>
+            <a:off x="7271991" y="1920919"/>
             <a:ext cx="397042" cy="409074"/>
           </a:xfrm>
           <a:prstGeom prst="rect">
             <a:avLst/>
           </a:prstGeom>
           <a:solidFill>
-            <a:schemeClr val="accent4">
-              <a:lumMod val="20000"/>
-              <a:lumOff val="80000"/>
+            <a:schemeClr val="accent6">
+              <a:lumMod val="40000"/>
+              <a:lumOff val="60000"/>
             </a:schemeClr>
           </a:solidFill>
         </p:spPr>
@@ -5791,7 +4771,7 @@
           <a:p>
             <a:pPr algn="ctr"/>
             <a:r>
-              <a:rPr lang="en-US" sz="1400" dirty="0">
+              <a:rPr lang="en-US" sz="1600" dirty="0">
                 <a:solidFill>
                   <a:schemeClr val="tx1"/>
                 </a:solidFill>
@@ -5803,22 +4783,30 @@
       </p:sp>
       <p:sp>
         <p:nvSpPr>
-          <p:cNvPr id="80" name="Rectangle 79"/>
-          <p:cNvSpPr/>
+          <p:cNvPr id="95" name="Rectangle 94">
+            <a:extLst>
+              <a:ext uri="{FF2B5EF4-FFF2-40B4-BE49-F238E27FC236}">
+                <a16:creationId xmlns:a16="http://schemas.microsoft.com/office/drawing/2014/main" id="{80330D2F-7EE7-4B3C-BF48-B0267FADF813}"/>
+              </a:ext>
+            </a:extLst>
+          </p:cNvPr>
+          <p:cNvSpPr>
+            <a:spLocks noChangeAspect="1"/>
+          </p:cNvSpPr>
           <p:nvPr/>
         </p:nvSpPr>
         <p:spPr>
           <a:xfrm>
-            <a:off x="3252537" y="2322095"/>
+            <a:off x="7669437" y="1920919"/>
             <a:ext cx="397042" cy="409074"/>
           </a:xfrm>
           <a:prstGeom prst="rect">
             <a:avLst/>
           </a:prstGeom>
           <a:solidFill>
-            <a:schemeClr val="accent4">
-              <a:lumMod val="20000"/>
-              <a:lumOff val="80000"/>
+            <a:schemeClr val="accent6">
+              <a:lumMod val="40000"/>
+              <a:lumOff val="60000"/>
             </a:schemeClr>
           </a:solidFill>
         </p:spPr>
@@ -5844,7 +4832,7 @@
           <a:p>
             <a:pPr algn="ctr"/>
             <a:r>
-              <a:rPr lang="en-US" sz="1400" dirty="0">
+              <a:rPr lang="en-US" sz="1600" dirty="0">
                 <a:solidFill>
                   <a:schemeClr val="tx1"/>
                 </a:solidFill>
@@ -5856,13 +4844,21 @@
       </p:sp>
       <p:sp>
         <p:nvSpPr>
-          <p:cNvPr id="81" name="Rectangle 80"/>
-          <p:cNvSpPr/>
+          <p:cNvPr id="97" name="Rectangle 96">
+            <a:extLst>
+              <a:ext uri="{FF2B5EF4-FFF2-40B4-BE49-F238E27FC236}">
+                <a16:creationId xmlns:a16="http://schemas.microsoft.com/office/drawing/2014/main" id="{5F907BE1-F677-46ED-8A89-BA12B7CDED87}"/>
+              </a:ext>
+            </a:extLst>
+          </p:cNvPr>
+          <p:cNvSpPr>
+            <a:spLocks noChangeAspect="1"/>
+          </p:cNvSpPr>
           <p:nvPr/>
         </p:nvSpPr>
         <p:spPr>
           <a:xfrm>
-            <a:off x="3645569" y="2322095"/>
+            <a:off x="1320389" y="2329993"/>
             <a:ext cx="397042" cy="409074"/>
           </a:xfrm>
           <a:prstGeom prst="rect">
@@ -5870,8 +4866,8 @@
           </a:prstGeom>
           <a:solidFill>
             <a:schemeClr val="accent4">
-              <a:lumMod val="20000"/>
-              <a:lumOff val="80000"/>
+              <a:lumMod val="40000"/>
+              <a:lumOff val="60000"/>
             </a:schemeClr>
           </a:solidFill>
         </p:spPr>
@@ -5897,7 +4893,251 @@
           <a:p>
             <a:pPr algn="ctr"/>
             <a:r>
-              <a:rPr lang="en-US" sz="1400" dirty="0">
+              <a:rPr lang="en-US" sz="1600" dirty="0">
+                <a:solidFill>
+                  <a:schemeClr val="tx1"/>
+                </a:solidFill>
+              </a:rPr>
+              <a:t>XS</a:t>
+            </a:r>
+          </a:p>
+        </p:txBody>
+      </p:sp>
+      <p:sp>
+        <p:nvSpPr>
+          <p:cNvPr id="98" name="Rectangle 97">
+            <a:extLst>
+              <a:ext uri="{FF2B5EF4-FFF2-40B4-BE49-F238E27FC236}">
+                <a16:creationId xmlns:a16="http://schemas.microsoft.com/office/drawing/2014/main" id="{9FFA189E-82E1-41AA-8D60-2F898AE21BB6}"/>
+              </a:ext>
+            </a:extLst>
+          </p:cNvPr>
+          <p:cNvSpPr>
+            <a:spLocks noChangeAspect="1"/>
+          </p:cNvSpPr>
+          <p:nvPr/>
+        </p:nvSpPr>
+        <p:spPr>
+          <a:xfrm>
+            <a:off x="1716934" y="2329993"/>
+            <a:ext cx="397042" cy="409074"/>
+          </a:xfrm>
+          <a:prstGeom prst="rect">
+            <a:avLst/>
+          </a:prstGeom>
+          <a:solidFill>
+            <a:schemeClr val="accent4">
+              <a:lumMod val="40000"/>
+              <a:lumOff val="60000"/>
+            </a:schemeClr>
+          </a:solidFill>
+        </p:spPr>
+        <p:style>
+          <a:lnRef idx="2">
+            <a:schemeClr val="accent1">
+              <a:shade val="50000"/>
+            </a:schemeClr>
+          </a:lnRef>
+          <a:fillRef idx="1">
+            <a:schemeClr val="accent1"/>
+          </a:fillRef>
+          <a:effectRef idx="0">
+            <a:schemeClr val="accent1"/>
+          </a:effectRef>
+          <a:fontRef idx="minor">
+            <a:schemeClr val="lt1"/>
+          </a:fontRef>
+        </p:style>
+        <p:txBody>
+          <a:bodyPr rtlCol="0" anchor="ctr"/>
+          <a:lstStyle/>
+          <a:p>
+            <a:pPr algn="ctr"/>
+            <a:r>
+              <a:rPr lang="en-US" sz="1600" dirty="0">
+                <a:solidFill>
+                  <a:schemeClr val="tx1"/>
+                </a:solidFill>
+              </a:rPr>
+              <a:t>XE</a:t>
+            </a:r>
+          </a:p>
+        </p:txBody>
+      </p:sp>
+      <p:sp>
+        <p:nvSpPr>
+          <p:cNvPr id="99" name="Rectangle 98">
+            <a:extLst>
+              <a:ext uri="{FF2B5EF4-FFF2-40B4-BE49-F238E27FC236}">
+                <a16:creationId xmlns:a16="http://schemas.microsoft.com/office/drawing/2014/main" id="{614AD585-B791-4F83-841F-60B67AD49760}"/>
+              </a:ext>
+            </a:extLst>
+          </p:cNvPr>
+          <p:cNvSpPr>
+            <a:spLocks noChangeAspect="1"/>
+          </p:cNvSpPr>
+          <p:nvPr/>
+        </p:nvSpPr>
+        <p:spPr>
+          <a:xfrm>
+            <a:off x="2113836" y="2329993"/>
+            <a:ext cx="397042" cy="409074"/>
+          </a:xfrm>
+          <a:prstGeom prst="rect">
+            <a:avLst/>
+          </a:prstGeom>
+          <a:solidFill>
+            <a:schemeClr val="accent4">
+              <a:lumMod val="40000"/>
+              <a:lumOff val="60000"/>
+            </a:schemeClr>
+          </a:solidFill>
+        </p:spPr>
+        <p:style>
+          <a:lnRef idx="2">
+            <a:schemeClr val="accent1">
+              <a:shade val="50000"/>
+            </a:schemeClr>
+          </a:lnRef>
+          <a:fillRef idx="1">
+            <a:schemeClr val="accent1"/>
+          </a:fillRef>
+          <a:effectRef idx="0">
+            <a:schemeClr val="accent1"/>
+          </a:effectRef>
+          <a:fontRef idx="minor">
+            <a:schemeClr val="lt1"/>
+          </a:fontRef>
+        </p:style>
+        <p:txBody>
+          <a:bodyPr rtlCol="0" anchor="ctr"/>
+          <a:lstStyle/>
+          <a:p>
+            <a:pPr algn="ctr"/>
+            <a:r>
+              <a:rPr lang="en-US" sz="1600" dirty="0">
+                <a:solidFill>
+                  <a:schemeClr val="tx1"/>
+                </a:solidFill>
+              </a:rPr>
+              <a:t>YS</a:t>
+            </a:r>
+          </a:p>
+        </p:txBody>
+      </p:sp>
+      <p:sp>
+        <p:nvSpPr>
+          <p:cNvPr id="100" name="Rectangle 99">
+            <a:extLst>
+              <a:ext uri="{FF2B5EF4-FFF2-40B4-BE49-F238E27FC236}">
+                <a16:creationId xmlns:a16="http://schemas.microsoft.com/office/drawing/2014/main" id="{5D059577-37C6-4232-A525-632F1B919547}"/>
+              </a:ext>
+            </a:extLst>
+          </p:cNvPr>
+          <p:cNvSpPr>
+            <a:spLocks noChangeAspect="1"/>
+          </p:cNvSpPr>
+          <p:nvPr/>
+        </p:nvSpPr>
+        <p:spPr>
+          <a:xfrm>
+            <a:off x="2512218" y="2329993"/>
+            <a:ext cx="397042" cy="409074"/>
+          </a:xfrm>
+          <a:prstGeom prst="rect">
+            <a:avLst/>
+          </a:prstGeom>
+          <a:solidFill>
+            <a:schemeClr val="accent4">
+              <a:lumMod val="40000"/>
+              <a:lumOff val="60000"/>
+            </a:schemeClr>
+          </a:solidFill>
+        </p:spPr>
+        <p:style>
+          <a:lnRef idx="2">
+            <a:schemeClr val="accent1">
+              <a:shade val="50000"/>
+            </a:schemeClr>
+          </a:lnRef>
+          <a:fillRef idx="1">
+            <a:schemeClr val="accent1"/>
+          </a:fillRef>
+          <a:effectRef idx="0">
+            <a:schemeClr val="accent1"/>
+          </a:effectRef>
+          <a:fontRef idx="minor">
+            <a:schemeClr val="lt1"/>
+          </a:fontRef>
+        </p:style>
+        <p:txBody>
+          <a:bodyPr rtlCol="0" anchor="ctr"/>
+          <a:lstStyle/>
+          <a:p>
+            <a:pPr algn="ctr"/>
+            <a:r>
+              <a:rPr lang="en-US" sz="1600" dirty="0">
+                <a:solidFill>
+                  <a:schemeClr val="tx1"/>
+                </a:solidFill>
+              </a:rPr>
+              <a:t>YE</a:t>
+            </a:r>
+          </a:p>
+        </p:txBody>
+      </p:sp>
+      <p:sp>
+        <p:nvSpPr>
+          <p:cNvPr id="101" name="Rectangle 100">
+            <a:extLst>
+              <a:ext uri="{FF2B5EF4-FFF2-40B4-BE49-F238E27FC236}">
+                <a16:creationId xmlns:a16="http://schemas.microsoft.com/office/drawing/2014/main" id="{C6FE8F8B-5B9D-41A5-AB2B-A06CE1C6F6B1}"/>
+              </a:ext>
+            </a:extLst>
+          </p:cNvPr>
+          <p:cNvSpPr>
+            <a:spLocks noChangeAspect="1"/>
+          </p:cNvSpPr>
+          <p:nvPr/>
+        </p:nvSpPr>
+        <p:spPr>
+          <a:xfrm>
+            <a:off x="2908360" y="2329992"/>
+            <a:ext cx="397042" cy="409074"/>
+          </a:xfrm>
+          <a:prstGeom prst="rect">
+            <a:avLst/>
+          </a:prstGeom>
+          <a:solidFill>
+            <a:schemeClr val="accent6">
+              <a:lumMod val="40000"/>
+              <a:lumOff val="60000"/>
+            </a:schemeClr>
+          </a:solidFill>
+        </p:spPr>
+        <p:style>
+          <a:lnRef idx="2">
+            <a:schemeClr val="accent1">
+              <a:shade val="50000"/>
+            </a:schemeClr>
+          </a:lnRef>
+          <a:fillRef idx="1">
+            <a:schemeClr val="accent1"/>
+          </a:fillRef>
+          <a:effectRef idx="0">
+            <a:schemeClr val="accent1"/>
+          </a:effectRef>
+          <a:fontRef idx="minor">
+            <a:schemeClr val="lt1"/>
+          </a:fontRef>
+        </p:style>
+        <p:txBody>
+          <a:bodyPr rtlCol="0" anchor="ctr"/>
+          <a:lstStyle/>
+          <a:p>
+            <a:pPr algn="ctr"/>
+            <a:r>
+              <a:rPr lang="en-US" sz="1600" dirty="0">
                 <a:solidFill>
                   <a:schemeClr val="tx1"/>
                 </a:solidFill>
@@ -5909,22 +5149,30 @@
       </p:sp>
       <p:sp>
         <p:nvSpPr>
-          <p:cNvPr id="82" name="Rectangle 81"/>
-          <p:cNvSpPr/>
+          <p:cNvPr id="102" name="Rectangle 101">
+            <a:extLst>
+              <a:ext uri="{FF2B5EF4-FFF2-40B4-BE49-F238E27FC236}">
+                <a16:creationId xmlns:a16="http://schemas.microsoft.com/office/drawing/2014/main" id="{D0E38B76-7DDA-4901-AEBE-97039C9B4850}"/>
+              </a:ext>
+            </a:extLst>
+          </p:cNvPr>
+          <p:cNvSpPr>
+            <a:spLocks noChangeAspect="1"/>
+          </p:cNvSpPr>
           <p:nvPr/>
         </p:nvSpPr>
         <p:spPr>
           <a:xfrm>
-            <a:off x="4042611" y="2322095"/>
+            <a:off x="3305153" y="2329992"/>
             <a:ext cx="397042" cy="409074"/>
           </a:xfrm>
           <a:prstGeom prst="rect">
             <a:avLst/>
           </a:prstGeom>
           <a:solidFill>
-            <a:schemeClr val="accent4">
-              <a:lumMod val="20000"/>
-              <a:lumOff val="80000"/>
+            <a:schemeClr val="accent6">
+              <a:lumMod val="40000"/>
+              <a:lumOff val="60000"/>
             </a:schemeClr>
           </a:solidFill>
         </p:spPr>
@@ -5950,7 +5198,7 @@
           <a:p>
             <a:pPr algn="ctr"/>
             <a:r>
-              <a:rPr lang="en-US" sz="1400" dirty="0">
+              <a:rPr lang="en-US" sz="1600" dirty="0">
                 <a:solidFill>
                   <a:schemeClr val="tx1"/>
                 </a:solidFill>
@@ -5962,22 +5210,30 @@
       </p:sp>
       <p:sp>
         <p:nvSpPr>
-          <p:cNvPr id="83" name="Rectangle 82"/>
-          <p:cNvSpPr/>
+          <p:cNvPr id="103" name="Rectangle 102">
+            <a:extLst>
+              <a:ext uri="{FF2B5EF4-FFF2-40B4-BE49-F238E27FC236}">
+                <a16:creationId xmlns:a16="http://schemas.microsoft.com/office/drawing/2014/main" id="{200C7BFB-C713-4A62-8891-B3C3F7D49C0E}"/>
+              </a:ext>
+            </a:extLst>
+          </p:cNvPr>
+          <p:cNvSpPr>
+            <a:spLocks noChangeAspect="1"/>
+          </p:cNvSpPr>
           <p:nvPr/>
         </p:nvSpPr>
         <p:spPr>
           <a:xfrm>
-            <a:off x="4432537" y="2322095"/>
+            <a:off x="3703616" y="2329992"/>
             <a:ext cx="397042" cy="409074"/>
           </a:xfrm>
           <a:prstGeom prst="rect">
             <a:avLst/>
           </a:prstGeom>
           <a:solidFill>
-            <a:schemeClr val="accent4">
-              <a:lumMod val="20000"/>
-              <a:lumOff val="80000"/>
+            <a:schemeClr val="accent6">
+              <a:lumMod val="40000"/>
+              <a:lumOff val="60000"/>
             </a:schemeClr>
           </a:solidFill>
         </p:spPr>
@@ -6003,7 +5259,7 @@
           <a:p>
             <a:pPr algn="ctr"/>
             <a:r>
-              <a:rPr lang="en-US" sz="1400" dirty="0">
+              <a:rPr lang="en-US" sz="1600" dirty="0">
                 <a:solidFill>
                   <a:schemeClr val="tx1"/>
                 </a:solidFill>
@@ -6015,22 +5271,30 @@
       </p:sp>
       <p:sp>
         <p:nvSpPr>
-          <p:cNvPr id="84" name="Rectangle 83"/>
-          <p:cNvSpPr/>
+          <p:cNvPr id="104" name="Rectangle 103">
+            <a:extLst>
+              <a:ext uri="{FF2B5EF4-FFF2-40B4-BE49-F238E27FC236}">
+                <a16:creationId xmlns:a16="http://schemas.microsoft.com/office/drawing/2014/main" id="{539D48C1-13CE-4313-A56B-00FC56887FF0}"/>
+              </a:ext>
+            </a:extLst>
+          </p:cNvPr>
+          <p:cNvSpPr>
+            <a:spLocks noChangeAspect="1"/>
+          </p:cNvSpPr>
           <p:nvPr/>
         </p:nvSpPr>
         <p:spPr>
           <a:xfrm>
-            <a:off x="4825569" y="2322095"/>
+            <a:off x="4101011" y="2329992"/>
             <a:ext cx="397042" cy="409074"/>
           </a:xfrm>
           <a:prstGeom prst="rect">
             <a:avLst/>
           </a:prstGeom>
           <a:solidFill>
-            <a:schemeClr val="accent4">
-              <a:lumMod val="20000"/>
-              <a:lumOff val="80000"/>
+            <a:schemeClr val="accent6">
+              <a:lumMod val="40000"/>
+              <a:lumOff val="60000"/>
             </a:schemeClr>
           </a:solidFill>
         </p:spPr>
@@ -6056,7 +5320,7 @@
           <a:p>
             <a:pPr algn="ctr"/>
             <a:r>
-              <a:rPr lang="en-US" sz="1400" dirty="0">
+              <a:rPr lang="en-US" sz="1600" dirty="0">
                 <a:solidFill>
                   <a:schemeClr val="tx1"/>
                 </a:solidFill>
@@ -6068,22 +5332,30 @@
       </p:sp>
       <p:sp>
         <p:nvSpPr>
-          <p:cNvPr id="86" name="Rectangle 85"/>
-          <p:cNvSpPr/>
+          <p:cNvPr id="105" name="Rectangle 104">
+            <a:extLst>
+              <a:ext uri="{FF2B5EF4-FFF2-40B4-BE49-F238E27FC236}">
+                <a16:creationId xmlns:a16="http://schemas.microsoft.com/office/drawing/2014/main" id="{E20ADB78-C4D6-484E-9010-F412AE704BF8}"/>
+              </a:ext>
+            </a:extLst>
+          </p:cNvPr>
+          <p:cNvSpPr>
+            <a:spLocks noChangeAspect="1"/>
+          </p:cNvSpPr>
           <p:nvPr/>
         </p:nvSpPr>
         <p:spPr>
           <a:xfrm>
-            <a:off x="5224616" y="2322095"/>
+            <a:off x="4498054" y="2329992"/>
             <a:ext cx="397042" cy="409074"/>
           </a:xfrm>
           <a:prstGeom prst="rect">
             <a:avLst/>
           </a:prstGeom>
           <a:solidFill>
-            <a:schemeClr val="accent4">
-              <a:lumMod val="20000"/>
-              <a:lumOff val="80000"/>
+            <a:schemeClr val="accent6">
+              <a:lumMod val="40000"/>
+              <a:lumOff val="60000"/>
             </a:schemeClr>
           </a:solidFill>
         </p:spPr>
@@ -6109,7 +5381,7 @@
           <a:p>
             <a:pPr algn="ctr"/>
             <a:r>
-              <a:rPr lang="en-US" sz="1400" dirty="0">
+              <a:rPr lang="en-US" sz="1600" dirty="0">
                 <a:solidFill>
                   <a:schemeClr val="tx1"/>
                 </a:solidFill>
@@ -6121,22 +5393,30 @@
       </p:sp>
       <p:sp>
         <p:nvSpPr>
-          <p:cNvPr id="87" name="Rectangle 86"/>
-          <p:cNvSpPr/>
+          <p:cNvPr id="106" name="Rectangle 105">
+            <a:extLst>
+              <a:ext uri="{FF2B5EF4-FFF2-40B4-BE49-F238E27FC236}">
+                <a16:creationId xmlns:a16="http://schemas.microsoft.com/office/drawing/2014/main" id="{1DE2C170-15A8-4A1E-BC58-DF254D97EB32}"/>
+              </a:ext>
+            </a:extLst>
+          </p:cNvPr>
+          <p:cNvSpPr>
+            <a:spLocks noChangeAspect="1"/>
+          </p:cNvSpPr>
           <p:nvPr/>
         </p:nvSpPr>
         <p:spPr>
           <a:xfrm>
-            <a:off x="5621403" y="2322095"/>
+            <a:off x="4895674" y="2329991"/>
             <a:ext cx="397042" cy="409074"/>
           </a:xfrm>
           <a:prstGeom prst="rect">
             <a:avLst/>
           </a:prstGeom>
           <a:solidFill>
-            <a:schemeClr val="accent4">
-              <a:lumMod val="20000"/>
-              <a:lumOff val="80000"/>
+            <a:schemeClr val="accent6">
+              <a:lumMod val="40000"/>
+              <a:lumOff val="60000"/>
             </a:schemeClr>
           </a:solidFill>
         </p:spPr>
@@ -6162,7 +5442,7 @@
           <a:p>
             <a:pPr algn="ctr"/>
             <a:r>
-              <a:rPr lang="en-US" sz="1400" dirty="0">
+              <a:rPr lang="en-US" sz="1600" dirty="0">
                 <a:solidFill>
                   <a:schemeClr val="tx1"/>
                 </a:solidFill>
@@ -6174,22 +5454,30 @@
       </p:sp>
       <p:sp>
         <p:nvSpPr>
-          <p:cNvPr id="88" name="Rectangle 87"/>
-          <p:cNvSpPr/>
+          <p:cNvPr id="107" name="Rectangle 106">
+            <a:extLst>
+              <a:ext uri="{FF2B5EF4-FFF2-40B4-BE49-F238E27FC236}">
+                <a16:creationId xmlns:a16="http://schemas.microsoft.com/office/drawing/2014/main" id="{D90704DF-C7D9-4002-BD9F-467FE2586F4F}"/>
+              </a:ext>
+            </a:extLst>
+          </p:cNvPr>
+          <p:cNvSpPr>
+            <a:spLocks noChangeAspect="1"/>
+          </p:cNvSpPr>
           <p:nvPr/>
         </p:nvSpPr>
         <p:spPr>
           <a:xfrm>
-            <a:off x="6016915" y="2322095"/>
+            <a:off x="5292523" y="2329990"/>
             <a:ext cx="397042" cy="409074"/>
           </a:xfrm>
           <a:prstGeom prst="rect">
             <a:avLst/>
           </a:prstGeom>
           <a:solidFill>
-            <a:schemeClr val="accent4">
-              <a:lumMod val="20000"/>
-              <a:lumOff val="80000"/>
+            <a:schemeClr val="accent6">
+              <a:lumMod val="40000"/>
+              <a:lumOff val="60000"/>
             </a:schemeClr>
           </a:solidFill>
         </p:spPr>
@@ -6215,7 +5503,7 @@
           <a:p>
             <a:pPr algn="ctr"/>
             <a:r>
-              <a:rPr lang="en-US" sz="1400" dirty="0">
+              <a:rPr lang="en-US" sz="1600" dirty="0">
                 <a:solidFill>
                   <a:schemeClr val="tx1"/>
                 </a:solidFill>
@@ -6227,22 +5515,396 @@
       </p:sp>
       <p:sp>
         <p:nvSpPr>
-          <p:cNvPr id="89" name="Rectangle 88"/>
-          <p:cNvSpPr/>
+          <p:cNvPr id="108" name="Rectangle 107">
+            <a:extLst>
+              <a:ext uri="{FF2B5EF4-FFF2-40B4-BE49-F238E27FC236}">
+                <a16:creationId xmlns:a16="http://schemas.microsoft.com/office/drawing/2014/main" id="{E0A6CCFD-3FAC-4537-86A4-DA6B8BA07F96}"/>
+              </a:ext>
+            </a:extLst>
+          </p:cNvPr>
+          <p:cNvSpPr>
+            <a:spLocks noChangeAspect="1"/>
+          </p:cNvSpPr>
           <p:nvPr/>
         </p:nvSpPr>
         <p:spPr>
           <a:xfrm>
-            <a:off x="6410877" y="2322095"/>
+            <a:off x="8066773" y="2329631"/>
             <a:ext cx="397042" cy="409074"/>
           </a:xfrm>
           <a:prstGeom prst="rect">
             <a:avLst/>
           </a:prstGeom>
           <a:solidFill>
-            <a:schemeClr val="accent2">
-              <a:lumMod val="60000"/>
-              <a:lumOff val="40000"/>
+            <a:schemeClr val="accent4">
+              <a:lumMod val="40000"/>
+              <a:lumOff val="60000"/>
+            </a:schemeClr>
+          </a:solidFill>
+        </p:spPr>
+        <p:style>
+          <a:lnRef idx="2">
+            <a:schemeClr val="accent1">
+              <a:shade val="50000"/>
+            </a:schemeClr>
+          </a:lnRef>
+          <a:fillRef idx="1">
+            <a:schemeClr val="accent1"/>
+          </a:fillRef>
+          <a:effectRef idx="0">
+            <a:schemeClr val="accent1"/>
+          </a:effectRef>
+          <a:fontRef idx="minor">
+            <a:schemeClr val="lt1"/>
+          </a:fontRef>
+        </p:style>
+        <p:txBody>
+          <a:bodyPr rtlCol="0" anchor="ctr"/>
+          <a:lstStyle/>
+          <a:p>
+            <a:pPr algn="ctr"/>
+            <a:r>
+              <a:rPr lang="en-US" sz="1600" dirty="0">
+                <a:solidFill>
+                  <a:schemeClr val="tx1"/>
+                </a:solidFill>
+              </a:rPr>
+              <a:t>YS</a:t>
+            </a:r>
+          </a:p>
+        </p:txBody>
+      </p:sp>
+      <p:sp>
+        <p:nvSpPr>
+          <p:cNvPr id="109" name="Rectangle 108">
+            <a:extLst>
+              <a:ext uri="{FF2B5EF4-FFF2-40B4-BE49-F238E27FC236}">
+                <a16:creationId xmlns:a16="http://schemas.microsoft.com/office/drawing/2014/main" id="{356209D4-B407-4864-B3DB-C7A787904E06}"/>
+              </a:ext>
+            </a:extLst>
+          </p:cNvPr>
+          <p:cNvSpPr>
+            <a:spLocks noChangeAspect="1"/>
+          </p:cNvSpPr>
+          <p:nvPr/>
+        </p:nvSpPr>
+        <p:spPr>
+          <a:xfrm>
+            <a:off x="8464039" y="2329631"/>
+            <a:ext cx="397042" cy="409074"/>
+          </a:xfrm>
+          <a:prstGeom prst="rect">
+            <a:avLst/>
+          </a:prstGeom>
+          <a:solidFill>
+            <a:schemeClr val="accent4">
+              <a:lumMod val="40000"/>
+              <a:lumOff val="60000"/>
+            </a:schemeClr>
+          </a:solidFill>
+        </p:spPr>
+        <p:style>
+          <a:lnRef idx="2">
+            <a:schemeClr val="accent1">
+              <a:shade val="50000"/>
+            </a:schemeClr>
+          </a:lnRef>
+          <a:fillRef idx="1">
+            <a:schemeClr val="accent1"/>
+          </a:fillRef>
+          <a:effectRef idx="0">
+            <a:schemeClr val="accent1"/>
+          </a:effectRef>
+          <a:fontRef idx="minor">
+            <a:schemeClr val="lt1"/>
+          </a:fontRef>
+        </p:style>
+        <p:txBody>
+          <a:bodyPr rtlCol="0" anchor="ctr"/>
+          <a:lstStyle/>
+          <a:p>
+            <a:pPr algn="ctr"/>
+            <a:r>
+              <a:rPr lang="en-US" sz="1600" dirty="0">
+                <a:solidFill>
+                  <a:schemeClr val="tx1"/>
+                </a:solidFill>
+              </a:rPr>
+              <a:t>YE</a:t>
+            </a:r>
+          </a:p>
+        </p:txBody>
+      </p:sp>
+      <p:sp>
+        <p:nvSpPr>
+          <p:cNvPr id="110" name="Rectangle 109">
+            <a:extLst>
+              <a:ext uri="{FF2B5EF4-FFF2-40B4-BE49-F238E27FC236}">
+                <a16:creationId xmlns:a16="http://schemas.microsoft.com/office/drawing/2014/main" id="{F1A30F0E-9453-4284-84CF-3F648B6042F8}"/>
+              </a:ext>
+            </a:extLst>
+          </p:cNvPr>
+          <p:cNvSpPr>
+            <a:spLocks noChangeAspect="1"/>
+          </p:cNvSpPr>
+          <p:nvPr/>
+        </p:nvSpPr>
+        <p:spPr>
+          <a:xfrm>
+            <a:off x="8855297" y="2329631"/>
+            <a:ext cx="397042" cy="409074"/>
+          </a:xfrm>
+          <a:prstGeom prst="rect">
+            <a:avLst/>
+          </a:prstGeom>
+          <a:solidFill>
+            <a:schemeClr val="accent6">
+              <a:lumMod val="40000"/>
+              <a:lumOff val="60000"/>
+            </a:schemeClr>
+          </a:solidFill>
+        </p:spPr>
+        <p:style>
+          <a:lnRef idx="2">
+            <a:schemeClr val="accent1">
+              <a:shade val="50000"/>
+            </a:schemeClr>
+          </a:lnRef>
+          <a:fillRef idx="1">
+            <a:schemeClr val="accent1"/>
+          </a:fillRef>
+          <a:effectRef idx="0">
+            <a:schemeClr val="accent1"/>
+          </a:effectRef>
+          <a:fontRef idx="minor">
+            <a:schemeClr val="lt1"/>
+          </a:fontRef>
+        </p:style>
+        <p:txBody>
+          <a:bodyPr rtlCol="0" anchor="ctr"/>
+          <a:lstStyle/>
+          <a:p>
+            <a:pPr algn="ctr"/>
+            <a:r>
+              <a:rPr lang="en-US" sz="1600" dirty="0">
+                <a:solidFill>
+                  <a:schemeClr val="tx1"/>
+                </a:solidFill>
+              </a:rPr>
+              <a:t>…</a:t>
+            </a:r>
+          </a:p>
+        </p:txBody>
+      </p:sp>
+      <p:sp>
+        <p:nvSpPr>
+          <p:cNvPr id="111" name="Rectangle 110">
+            <a:extLst>
+              <a:ext uri="{FF2B5EF4-FFF2-40B4-BE49-F238E27FC236}">
+                <a16:creationId xmlns:a16="http://schemas.microsoft.com/office/drawing/2014/main" id="{FAC67377-0DA4-49BB-96F5-F19FFC0AF41F}"/>
+              </a:ext>
+            </a:extLst>
+          </p:cNvPr>
+          <p:cNvSpPr>
+            <a:spLocks noChangeAspect="1"/>
+          </p:cNvSpPr>
+          <p:nvPr/>
+        </p:nvSpPr>
+        <p:spPr>
+          <a:xfrm>
+            <a:off x="5688164" y="2329631"/>
+            <a:ext cx="397042" cy="409074"/>
+          </a:xfrm>
+          <a:prstGeom prst="rect">
+            <a:avLst/>
+          </a:prstGeom>
+          <a:solidFill>
+            <a:schemeClr val="accent6">
+              <a:lumMod val="40000"/>
+              <a:lumOff val="60000"/>
+            </a:schemeClr>
+          </a:solidFill>
+        </p:spPr>
+        <p:style>
+          <a:lnRef idx="2">
+            <a:schemeClr val="accent1">
+              <a:shade val="50000"/>
+            </a:schemeClr>
+          </a:lnRef>
+          <a:fillRef idx="1">
+            <a:schemeClr val="accent1"/>
+          </a:fillRef>
+          <a:effectRef idx="0">
+            <a:schemeClr val="accent1"/>
+          </a:effectRef>
+          <a:fontRef idx="minor">
+            <a:schemeClr val="lt1"/>
+          </a:fontRef>
+        </p:style>
+        <p:txBody>
+          <a:bodyPr rtlCol="0" anchor="ctr"/>
+          <a:lstStyle/>
+          <a:p>
+            <a:pPr algn="ctr"/>
+            <a:r>
+              <a:rPr lang="en-US" sz="1600" dirty="0">
+                <a:solidFill>
+                  <a:schemeClr val="tx1"/>
+                </a:solidFill>
+              </a:rPr>
+              <a:t>D</a:t>
+            </a:r>
+          </a:p>
+        </p:txBody>
+      </p:sp>
+      <p:sp>
+        <p:nvSpPr>
+          <p:cNvPr id="112" name="Rectangle 111">
+            <a:extLst>
+              <a:ext uri="{FF2B5EF4-FFF2-40B4-BE49-F238E27FC236}">
+                <a16:creationId xmlns:a16="http://schemas.microsoft.com/office/drawing/2014/main" id="{B15A6B94-EC5F-41DC-930C-D9E4EC3A1702}"/>
+              </a:ext>
+            </a:extLst>
+          </p:cNvPr>
+          <p:cNvSpPr>
+            <a:spLocks noChangeAspect="1"/>
+          </p:cNvSpPr>
+          <p:nvPr/>
+        </p:nvSpPr>
+        <p:spPr>
+          <a:xfrm>
+            <a:off x="6085430" y="2329631"/>
+            <a:ext cx="397042" cy="409074"/>
+          </a:xfrm>
+          <a:prstGeom prst="rect">
+            <a:avLst/>
+          </a:prstGeom>
+          <a:solidFill>
+            <a:schemeClr val="accent6">
+              <a:lumMod val="40000"/>
+              <a:lumOff val="60000"/>
+            </a:schemeClr>
+          </a:solidFill>
+        </p:spPr>
+        <p:style>
+          <a:lnRef idx="2">
+            <a:schemeClr val="accent1">
+              <a:shade val="50000"/>
+            </a:schemeClr>
+          </a:lnRef>
+          <a:fillRef idx="1">
+            <a:schemeClr val="accent1"/>
+          </a:fillRef>
+          <a:effectRef idx="0">
+            <a:schemeClr val="accent1"/>
+          </a:effectRef>
+          <a:fontRef idx="minor">
+            <a:schemeClr val="lt1"/>
+          </a:fontRef>
+        </p:style>
+        <p:txBody>
+          <a:bodyPr rtlCol="0" anchor="ctr"/>
+          <a:lstStyle/>
+          <a:p>
+            <a:pPr algn="ctr"/>
+            <a:r>
+              <a:rPr lang="en-US" sz="1600" dirty="0">
+                <a:solidFill>
+                  <a:schemeClr val="tx1"/>
+                </a:solidFill>
+              </a:rPr>
+              <a:t>D</a:t>
+            </a:r>
+          </a:p>
+        </p:txBody>
+      </p:sp>
+      <p:sp>
+        <p:nvSpPr>
+          <p:cNvPr id="113" name="Rectangle 112">
+            <a:extLst>
+              <a:ext uri="{FF2B5EF4-FFF2-40B4-BE49-F238E27FC236}">
+                <a16:creationId xmlns:a16="http://schemas.microsoft.com/office/drawing/2014/main" id="{229392DE-D9DC-46B8-90D6-3E596994A61A}"/>
+              </a:ext>
+            </a:extLst>
+          </p:cNvPr>
+          <p:cNvSpPr>
+            <a:spLocks noChangeAspect="1"/>
+          </p:cNvSpPr>
+          <p:nvPr/>
+        </p:nvSpPr>
+        <p:spPr>
+          <a:xfrm>
+            <a:off x="6483038" y="2329631"/>
+            <a:ext cx="397042" cy="409074"/>
+          </a:xfrm>
+          <a:prstGeom prst="rect">
+            <a:avLst/>
+          </a:prstGeom>
+          <a:solidFill>
+            <a:schemeClr val="accent6">
+              <a:lumMod val="40000"/>
+              <a:lumOff val="60000"/>
+            </a:schemeClr>
+          </a:solidFill>
+        </p:spPr>
+        <p:style>
+          <a:lnRef idx="2">
+            <a:schemeClr val="accent1">
+              <a:shade val="50000"/>
+            </a:schemeClr>
+          </a:lnRef>
+          <a:fillRef idx="1">
+            <a:schemeClr val="accent1"/>
+          </a:fillRef>
+          <a:effectRef idx="0">
+            <a:schemeClr val="accent1"/>
+          </a:effectRef>
+          <a:fontRef idx="minor">
+            <a:schemeClr val="lt1"/>
+          </a:fontRef>
+        </p:style>
+        <p:txBody>
+          <a:bodyPr rtlCol="0" anchor="ctr"/>
+          <a:lstStyle/>
+          <a:p>
+            <a:pPr algn="ctr"/>
+            <a:r>
+              <a:rPr lang="en-US" sz="1600" dirty="0">
+                <a:solidFill>
+                  <a:schemeClr val="tx1"/>
+                </a:solidFill>
+              </a:rPr>
+              <a:t>D</a:t>
+            </a:r>
+          </a:p>
+        </p:txBody>
+      </p:sp>
+      <p:sp>
+        <p:nvSpPr>
+          <p:cNvPr id="114" name="Rectangle 113">
+            <a:extLst>
+              <a:ext uri="{FF2B5EF4-FFF2-40B4-BE49-F238E27FC236}">
+                <a16:creationId xmlns:a16="http://schemas.microsoft.com/office/drawing/2014/main" id="{0F3ED503-7FC5-4D04-AD53-30E04A281692}"/>
+              </a:ext>
+            </a:extLst>
+          </p:cNvPr>
+          <p:cNvSpPr>
+            <a:spLocks noChangeAspect="1"/>
+          </p:cNvSpPr>
+          <p:nvPr/>
+        </p:nvSpPr>
+        <p:spPr>
+          <a:xfrm>
+            <a:off x="6874134" y="2329631"/>
+            <a:ext cx="397042" cy="409074"/>
+          </a:xfrm>
+          <a:prstGeom prst="rect">
+            <a:avLst/>
+          </a:prstGeom>
+          <a:solidFill>
+            <a:schemeClr val="accent4">
+              <a:lumMod val="40000"/>
+              <a:lumOff val="60000"/>
             </a:schemeClr>
           </a:solidFill>
         </p:spPr>
@@ -6280,22 +5942,30 @@
       </p:sp>
       <p:sp>
         <p:nvSpPr>
-          <p:cNvPr id="90" name="Rectangle 89"/>
-          <p:cNvSpPr/>
+          <p:cNvPr id="115" name="Rectangle 114">
+            <a:extLst>
+              <a:ext uri="{FF2B5EF4-FFF2-40B4-BE49-F238E27FC236}">
+                <a16:creationId xmlns:a16="http://schemas.microsoft.com/office/drawing/2014/main" id="{2B48493E-00C3-4F36-B0A5-CBF2091C7869}"/>
+              </a:ext>
+            </a:extLst>
+          </p:cNvPr>
+          <p:cNvSpPr>
+            <a:spLocks noChangeAspect="1"/>
+          </p:cNvSpPr>
           <p:nvPr/>
         </p:nvSpPr>
         <p:spPr>
           <a:xfrm>
-            <a:off x="6803054" y="2322095"/>
+            <a:off x="7271991" y="2329631"/>
             <a:ext cx="397042" cy="409074"/>
           </a:xfrm>
           <a:prstGeom prst="rect">
             <a:avLst/>
           </a:prstGeom>
           <a:solidFill>
-            <a:schemeClr val="accent2">
-              <a:lumMod val="60000"/>
-              <a:lumOff val="40000"/>
+            <a:schemeClr val="accent4">
+              <a:lumMod val="40000"/>
+              <a:lumOff val="60000"/>
             </a:schemeClr>
           </a:solidFill>
         </p:spPr>
@@ -6321,7 +5991,7 @@
           <a:p>
             <a:pPr algn="ctr"/>
             <a:r>
-              <a:rPr lang="en-US" sz="1400" dirty="0">
+              <a:rPr lang="en-US" sz="1600" dirty="0">
                 <a:solidFill>
                   <a:schemeClr val="tx1"/>
                 </a:solidFill>
@@ -6333,22 +6003,30 @@
       </p:sp>
       <p:sp>
         <p:nvSpPr>
-          <p:cNvPr id="91" name="Rectangle 90"/>
-          <p:cNvSpPr/>
+          <p:cNvPr id="116" name="Rectangle 115">
+            <a:extLst>
+              <a:ext uri="{FF2B5EF4-FFF2-40B4-BE49-F238E27FC236}">
+                <a16:creationId xmlns:a16="http://schemas.microsoft.com/office/drawing/2014/main" id="{452078E9-F0D9-4209-8EF7-68C2FEFA98A6}"/>
+              </a:ext>
+            </a:extLst>
+          </p:cNvPr>
+          <p:cNvSpPr>
+            <a:spLocks noChangeAspect="1"/>
+          </p:cNvSpPr>
           <p:nvPr/>
         </p:nvSpPr>
         <p:spPr>
           <a:xfrm>
-            <a:off x="7199155" y="2322095"/>
-            <a:ext cx="396769" cy="409074"/>
+            <a:off x="7669437" y="2329631"/>
+            <a:ext cx="397042" cy="409074"/>
           </a:xfrm>
           <a:prstGeom prst="rect">
             <a:avLst/>
           </a:prstGeom>
           <a:solidFill>
-            <a:schemeClr val="accent2">
-              <a:lumMod val="60000"/>
-              <a:lumOff val="40000"/>
+            <a:schemeClr val="accent4">
+              <a:lumMod val="40000"/>
+              <a:lumOff val="60000"/>
             </a:schemeClr>
           </a:solidFill>
         </p:spPr>
@@ -6374,7 +6052,7 @@
           <a:p>
             <a:pPr algn="ctr"/>
             <a:r>
-              <a:rPr lang="en-US" sz="1400" dirty="0">
+              <a:rPr lang="en-US" sz="1600" dirty="0">
                 <a:solidFill>
                   <a:schemeClr val="tx1"/>
                 </a:solidFill>
@@ -6384,169 +6062,10 @@
           </a:p>
         </p:txBody>
       </p:sp>
-      <p:sp>
-        <p:nvSpPr>
-          <p:cNvPr id="92" name="Rectangle 91"/>
-          <p:cNvSpPr/>
-          <p:nvPr/>
-        </p:nvSpPr>
-        <p:spPr>
-          <a:xfrm>
-            <a:off x="7595924" y="2322095"/>
-            <a:ext cx="403468" cy="409074"/>
-          </a:xfrm>
-          <a:prstGeom prst="rect">
-            <a:avLst/>
-          </a:prstGeom>
-          <a:solidFill>
-            <a:schemeClr val="accent2">
-              <a:lumMod val="60000"/>
-              <a:lumOff val="40000"/>
-            </a:schemeClr>
-          </a:solidFill>
-        </p:spPr>
-        <p:style>
-          <a:lnRef idx="2">
-            <a:schemeClr val="accent1">
-              <a:shade val="50000"/>
-            </a:schemeClr>
-          </a:lnRef>
-          <a:fillRef idx="1">
-            <a:schemeClr val="accent1"/>
-          </a:fillRef>
-          <a:effectRef idx="0">
-            <a:schemeClr val="accent1"/>
-          </a:effectRef>
-          <a:fontRef idx="minor">
-            <a:schemeClr val="lt1"/>
-          </a:fontRef>
-        </p:style>
-        <p:txBody>
-          <a:bodyPr rtlCol="0" anchor="ctr"/>
-          <a:lstStyle/>
-          <a:p>
-            <a:pPr algn="ctr"/>
-            <a:r>
-              <a:rPr lang="en-US" sz="1400" dirty="0">
-                <a:solidFill>
-                  <a:schemeClr val="tx1"/>
-                </a:solidFill>
-              </a:rPr>
-              <a:t>YS</a:t>
-            </a:r>
-          </a:p>
-        </p:txBody>
-      </p:sp>
-      <p:sp>
-        <p:nvSpPr>
-          <p:cNvPr id="93" name="Rectangle 92"/>
-          <p:cNvSpPr/>
-          <p:nvPr/>
-        </p:nvSpPr>
-        <p:spPr>
-          <a:xfrm>
-            <a:off x="7994076" y="2322095"/>
-            <a:ext cx="397042" cy="409074"/>
-          </a:xfrm>
-          <a:prstGeom prst="rect">
-            <a:avLst/>
-          </a:prstGeom>
-          <a:solidFill>
-            <a:schemeClr val="accent2">
-              <a:lumMod val="60000"/>
-              <a:lumOff val="40000"/>
-            </a:schemeClr>
-          </a:solidFill>
-        </p:spPr>
-        <p:style>
-          <a:lnRef idx="2">
-            <a:schemeClr val="accent1">
-              <a:shade val="50000"/>
-            </a:schemeClr>
-          </a:lnRef>
-          <a:fillRef idx="1">
-            <a:schemeClr val="accent1"/>
-          </a:fillRef>
-          <a:effectRef idx="0">
-            <a:schemeClr val="accent1"/>
-          </a:effectRef>
-          <a:fontRef idx="minor">
-            <a:schemeClr val="lt1"/>
-          </a:fontRef>
-        </p:style>
-        <p:txBody>
-          <a:bodyPr rtlCol="0" anchor="ctr"/>
-          <a:lstStyle/>
-          <a:p>
-            <a:pPr algn="ctr"/>
-            <a:r>
-              <a:rPr lang="en-US" sz="1400" dirty="0">
-                <a:solidFill>
-                  <a:schemeClr val="tx1"/>
-                </a:solidFill>
-              </a:rPr>
-              <a:t>YE</a:t>
-            </a:r>
-          </a:p>
-        </p:txBody>
-      </p:sp>
-      <p:sp>
-        <p:nvSpPr>
-          <p:cNvPr id="94" name="Rectangle 93"/>
-          <p:cNvSpPr/>
-          <p:nvPr/>
-        </p:nvSpPr>
-        <p:spPr>
-          <a:xfrm>
-            <a:off x="8388229" y="2322095"/>
-            <a:ext cx="398717" cy="409074"/>
-          </a:xfrm>
-          <a:prstGeom prst="rect">
-            <a:avLst/>
-          </a:prstGeom>
-          <a:solidFill>
-            <a:schemeClr val="accent4">
-              <a:lumMod val="20000"/>
-              <a:lumOff val="80000"/>
-            </a:schemeClr>
-          </a:solidFill>
-        </p:spPr>
-        <p:style>
-          <a:lnRef idx="2">
-            <a:schemeClr val="accent1">
-              <a:shade val="50000"/>
-            </a:schemeClr>
-          </a:lnRef>
-          <a:fillRef idx="1">
-            <a:schemeClr val="accent1"/>
-          </a:fillRef>
-          <a:effectRef idx="0">
-            <a:schemeClr val="accent1"/>
-          </a:effectRef>
-          <a:fontRef idx="minor">
-            <a:schemeClr val="lt1"/>
-          </a:fontRef>
-        </p:style>
-        <p:txBody>
-          <a:bodyPr rtlCol="0" anchor="ctr"/>
-          <a:lstStyle/>
-          <a:p>
-            <a:pPr algn="ctr"/>
-            <a:r>
-              <a:rPr lang="en-US" sz="1400" dirty="0">
-                <a:solidFill>
-                  <a:schemeClr val="tx1"/>
-                </a:solidFill>
-              </a:rPr>
-              <a:t>…</a:t>
-            </a:r>
-          </a:p>
-        </p:txBody>
-      </p:sp>
     </p:spTree>
     <p:extLst>
       <p:ext uri="{BB962C8B-B14F-4D97-AF65-F5344CB8AC3E}">
-        <p14:creationId xmlns:p14="http://schemas.microsoft.com/office/powerpoint/2010/main" val="1833090421"/>
+        <p14:creationId xmlns:p14="http://schemas.microsoft.com/office/powerpoint/2010/main" val="618581962"/>
       </p:ext>
     </p:extLst>
   </p:cSld>
@@ -6557,264 +6076,6 @@
 </file>
 
 <file path=ppt/theme/theme1.xml><?xml version="1.0" encoding="utf-8"?>
-<a:theme xmlns:a="http://schemas.openxmlformats.org/drawingml/2006/main" name="Crop">
-  <a:themeElements>
-    <a:clrScheme name="Crop">
-      <a:dk1>
-        <a:sysClr val="windowText" lastClr="000000"/>
-      </a:dk1>
-      <a:lt1>
-        <a:sysClr val="window" lastClr="FFFFFF"/>
-      </a:lt1>
-      <a:dk2>
-        <a:srgbClr val="1A2E40"/>
-      </a:dk2>
-      <a:lt2>
-        <a:srgbClr val="EBE7DD"/>
-      </a:lt2>
-      <a:accent1>
-        <a:srgbClr val="69A1AB"/>
-      </a:accent1>
-      <a:accent2>
-        <a:srgbClr val="F2C418"/>
-      </a:accent2>
-      <a:accent3>
-        <a:srgbClr val="87492C"/>
-      </a:accent3>
-      <a:accent4>
-        <a:srgbClr val="4A845E"/>
-      </a:accent4>
-      <a:accent5>
-        <a:srgbClr val="DC9528"/>
-      </a:accent5>
-      <a:accent6>
-        <a:srgbClr val="9A5D78"/>
-      </a:accent6>
-      <a:hlink>
-        <a:srgbClr val="66C8E3"/>
-      </a:hlink>
-      <a:folHlink>
-        <a:srgbClr val="B162A1"/>
-      </a:folHlink>
-    </a:clrScheme>
-    <a:fontScheme name="Crop">
-      <a:majorFont>
-        <a:latin typeface="Franklin Gothic Book" panose="020B0503020102020204"/>
-        <a:ea typeface=""/>
-        <a:cs typeface=""/>
-        <a:font script="Jpan" typeface="メイリオ"/>
-        <a:font script="Hang" typeface="돋움"/>
-        <a:font script="Hans" typeface="华文楷体"/>
-        <a:font script="Hant" typeface="微軟正黑體"/>
-        <a:font script="Arab" typeface="Tahoma"/>
-        <a:font script="Hebr" typeface="Aharoni"/>
-        <a:font script="Thai" typeface="LilyUPC"/>
-        <a:font script="Ethi" typeface="Nyala"/>
-        <a:font script="Beng" typeface="Vrinda"/>
-        <a:font script="Gujr" typeface="Shruti"/>
-        <a:font script="Khmr" typeface="DaunPenh"/>
-        <a:font script="Knda" typeface="Tunga"/>
-        <a:font script="Guru" typeface="Raavi"/>
-        <a:font script="Cans" typeface="Euphemia"/>
-        <a:font script="Cher" typeface="Plantagenet Cherokee"/>
-        <a:font script="Yiii" typeface="Microsoft Yi Baiti"/>
-        <a:font script="Tibt" typeface="Microsoft Himalaya"/>
-        <a:font script="Thaa" typeface="MV Boli"/>
-        <a:font script="Deva" typeface="Mangal"/>
-        <a:font script="Telu" typeface="Gautami"/>
-        <a:font script="Taml" typeface="Latha"/>
-        <a:font script="Syrc" typeface="Estrangelo Edessa"/>
-        <a:font script="Orya" typeface="Kalinga"/>
-        <a:font script="Mlym" typeface="Kartika"/>
-        <a:font script="Laoo" typeface="DokChampa"/>
-        <a:font script="Sinh" typeface="Iskoola Pota"/>
-        <a:font script="Mong" typeface="Mongolian Baiti"/>
-        <a:font script="Viet" typeface="Tahoma"/>
-        <a:font script="Uigh" typeface="Microsoft Uighur"/>
-        <a:font script="Geor" typeface="Sylfaen"/>
-      </a:majorFont>
-      <a:minorFont>
-        <a:latin typeface="Franklin Gothic Book" panose="020B0503020102020204"/>
-        <a:ea typeface=""/>
-        <a:cs typeface=""/>
-        <a:font script="Jpan" typeface="メイリオ"/>
-        <a:font script="Hang" typeface="돋움"/>
-        <a:font script="Hans" typeface="华文楷体"/>
-        <a:font script="Hant" typeface="微軟正黑體"/>
-        <a:font script="Arab" typeface="Tahoma"/>
-        <a:font script="Hebr" typeface="Aharoni"/>
-        <a:font script="Thai" typeface="LilyUPC"/>
-        <a:font script="Ethi" typeface="Nyala"/>
-        <a:font script="Beng" typeface="Vrinda"/>
-        <a:font script="Gujr" typeface="Shruti"/>
-        <a:font script="Khmr" typeface="DaunPenh"/>
-        <a:font script="Knda" typeface="Tunga"/>
-        <a:font script="Guru" typeface="Raavi"/>
-        <a:font script="Cans" typeface="Euphemia"/>
-        <a:font script="Cher" typeface="Plantagenet Cherokee"/>
-        <a:font script="Yiii" typeface="Microsoft Yi Baiti"/>
-        <a:font script="Tibt" typeface="Microsoft Himalaya"/>
-        <a:font script="Thaa" typeface="MV Boli"/>
-        <a:font script="Deva" typeface="Mangal"/>
-        <a:font script="Telu" typeface="Gautami"/>
-        <a:font script="Taml" typeface="Latha"/>
-        <a:font script="Syrc" typeface="Estrangelo Edessa"/>
-        <a:font script="Orya" typeface="Kalinga"/>
-        <a:font script="Mlym" typeface="Kartika"/>
-        <a:font script="Laoo" typeface="DokChampa"/>
-        <a:font script="Sinh" typeface="Iskoola Pota"/>
-        <a:font script="Mong" typeface="Mongolian Baiti"/>
-        <a:font script="Viet" typeface="Tahoma"/>
-        <a:font script="Uigh" typeface="Microsoft Uighur"/>
-        <a:font script="Geor" typeface="Sylfaen"/>
-      </a:minorFont>
-    </a:fontScheme>
-    <a:fmtScheme name="Crop">
-      <a:fillStyleLst>
-        <a:solidFill>
-          <a:schemeClr val="phClr"/>
-        </a:solidFill>
-        <a:gradFill rotWithShape="1">
-          <a:gsLst>
-            <a:gs pos="0">
-              <a:schemeClr val="phClr">
-                <a:tint val="67000"/>
-                <a:satMod val="105000"/>
-                <a:lumMod val="110000"/>
-              </a:schemeClr>
-            </a:gs>
-            <a:gs pos="50000">
-              <a:schemeClr val="phClr">
-                <a:tint val="73000"/>
-                <a:satMod val="103000"/>
-                <a:lumMod val="105000"/>
-              </a:schemeClr>
-            </a:gs>
-            <a:gs pos="100000">
-              <a:schemeClr val="phClr">
-                <a:tint val="81000"/>
-                <a:satMod val="109000"/>
-                <a:lumMod val="105000"/>
-              </a:schemeClr>
-            </a:gs>
-          </a:gsLst>
-          <a:lin ang="5400000" scaled="0"/>
-        </a:gradFill>
-        <a:gradFill rotWithShape="1">
-          <a:gsLst>
-            <a:gs pos="0">
-              <a:schemeClr val="phClr">
-                <a:tint val="94000"/>
-                <a:satMod val="103000"/>
-                <a:lumMod val="102000"/>
-              </a:schemeClr>
-            </a:gs>
-            <a:gs pos="50000">
-              <a:schemeClr val="phClr">
-                <a:shade val="100000"/>
-                <a:satMod val="110000"/>
-                <a:lumMod val="100000"/>
-              </a:schemeClr>
-            </a:gs>
-            <a:gs pos="100000">
-              <a:schemeClr val="phClr">
-                <a:shade val="78000"/>
-                <a:satMod val="120000"/>
-                <a:lumMod val="99000"/>
-              </a:schemeClr>
-            </a:gs>
-          </a:gsLst>
-          <a:lin ang="5400000" scaled="0"/>
-        </a:gradFill>
-      </a:fillStyleLst>
-      <a:lnStyleLst>
-        <a:ln w="6350" cap="flat" cmpd="sng" algn="in">
-          <a:solidFill>
-            <a:schemeClr val="phClr"/>
-          </a:solidFill>
-          <a:prstDash val="solid"/>
-        </a:ln>
-        <a:ln w="34925" cap="flat" cmpd="sng" algn="in">
-          <a:solidFill>
-            <a:schemeClr val="phClr"/>
-          </a:solidFill>
-          <a:prstDash val="solid"/>
-        </a:ln>
-        <a:ln w="19050" cap="flat" cmpd="sng" algn="in">
-          <a:solidFill>
-            <a:schemeClr val="phClr"/>
-          </a:solidFill>
-          <a:prstDash val="solid"/>
-        </a:ln>
-      </a:lnStyleLst>
-      <a:effectStyleLst>
-        <a:effectStyle>
-          <a:effectLst/>
-        </a:effectStyle>
-        <a:effectStyle>
-          <a:effectLst/>
-        </a:effectStyle>
-        <a:effectStyle>
-          <a:effectLst>
-            <a:outerShdw blurRad="57150" dist="19050" dir="5400000" algn="ctr" rotWithShape="0">
-              <a:srgbClr val="000000">
-                <a:alpha val="35000"/>
-              </a:srgbClr>
-            </a:outerShdw>
-          </a:effectLst>
-        </a:effectStyle>
-      </a:effectStyleLst>
-      <a:bgFillStyleLst>
-        <a:solidFill>
-          <a:schemeClr val="phClr"/>
-        </a:solidFill>
-        <a:solidFill>
-          <a:schemeClr val="phClr">
-            <a:tint val="95000"/>
-            <a:satMod val="170000"/>
-          </a:schemeClr>
-        </a:solidFill>
-        <a:gradFill rotWithShape="1">
-          <a:gsLst>
-            <a:gs pos="0">
-              <a:schemeClr val="phClr">
-                <a:tint val="93000"/>
-                <a:shade val="98000"/>
-                <a:satMod val="150000"/>
-                <a:lumMod val="102000"/>
-              </a:schemeClr>
-            </a:gs>
-            <a:gs pos="50000">
-              <a:schemeClr val="phClr">
-                <a:tint val="98000"/>
-                <a:shade val="90000"/>
-                <a:satMod val="130000"/>
-                <a:lumMod val="103000"/>
-              </a:schemeClr>
-            </a:gs>
-            <a:gs pos="100000">
-              <a:schemeClr val="phClr">
-                <a:shade val="63000"/>
-                <a:satMod val="120000"/>
-              </a:schemeClr>
-            </a:gs>
-          </a:gsLst>
-          <a:lin ang="5400000" scaled="0"/>
-        </a:gradFill>
-      </a:bgFillStyleLst>
-    </a:fmtScheme>
-  </a:themeElements>
-  <a:objectDefaults/>
-  <a:extraClrSchemeLst/>
-  <a:extLst>
-    <a:ext uri="{05A4C25C-085E-4340-85A3-A5531E510DB2}">
-      <thm15:themeFamily xmlns:thm15="http://schemas.microsoft.com/office/thememl/2012/main" name="Crop" id="{EC9488ED-E761-4D60-9AC4-764D1FE2C171}" vid="{17F9D331-421E-442F-B033-AF5B21A44854}"/>
-    </a:ext>
-  </a:extLst>
-</a:theme>
-</file>
-
-<file path=ppt/theme/theme2.xml><?xml version="1.0" encoding="utf-8"?>
 <a:theme xmlns:a="http://schemas.openxmlformats.org/drawingml/2006/main" name="Office Theme">
   <a:themeElements>
     <a:clrScheme name="Office">
@@ -6831,7 +6092,7 @@
         <a:srgbClr val="E7E6E6"/>
       </a:lt2>
       <a:accent1>
-        <a:srgbClr val="5B9BD5"/>
+        <a:srgbClr val="4472C4"/>
       </a:accent1>
       <a:accent2>
         <a:srgbClr val="ED7D31"/>
@@ -6843,7 +6104,7 @@
         <a:srgbClr val="FFC000"/>
       </a:accent4>
       <a:accent5>
-        <a:srgbClr val="4472C4"/>
+        <a:srgbClr val="5B9BD5"/>
       </a:accent5>
       <a:accent6>
         <a:srgbClr val="70AD47"/>
@@ -6890,6 +6151,23 @@
         <a:font script="Viet" typeface="Times New Roman"/>
         <a:font script="Uigh" typeface="Microsoft Uighur"/>
         <a:font script="Geor" typeface="Sylfaen"/>
+        <a:font script="Armn" typeface="Arial"/>
+        <a:font script="Bugi" typeface="Leelawadee UI"/>
+        <a:font script="Bopo" typeface="Microsoft JhengHei"/>
+        <a:font script="Java" typeface="Javanese Text"/>
+        <a:font script="Lisu" typeface="Segoe UI"/>
+        <a:font script="Mymr" typeface="Myanmar Text"/>
+        <a:font script="Nkoo" typeface="Ebrima"/>
+        <a:font script="Olck" typeface="Nirmala UI"/>
+        <a:font script="Osma" typeface="Ebrima"/>
+        <a:font script="Phag" typeface="Phagspa"/>
+        <a:font script="Syrn" typeface="Estrangelo Edessa"/>
+        <a:font script="Syrj" typeface="Estrangelo Edessa"/>
+        <a:font script="Syre" typeface="Estrangelo Edessa"/>
+        <a:font script="Sora" typeface="Nirmala UI"/>
+        <a:font script="Tale" typeface="Microsoft Tai Le"/>
+        <a:font script="Talu" typeface="Microsoft New Tai Lue"/>
+        <a:font script="Tfng" typeface="Ebrima"/>
       </a:majorFont>
       <a:minorFont>
         <a:latin typeface="Calibri" panose="020F0502020204030204"/>
@@ -6925,6 +6203,23 @@
         <a:font script="Viet" typeface="Arial"/>
         <a:font script="Uigh" typeface="Microsoft Uighur"/>
         <a:font script="Geor" typeface="Sylfaen"/>
+        <a:font script="Armn" typeface="Arial"/>
+        <a:font script="Bugi" typeface="Leelawadee UI"/>
+        <a:font script="Bopo" typeface="Microsoft JhengHei"/>
+        <a:font script="Java" typeface="Javanese Text"/>
+        <a:font script="Lisu" typeface="Segoe UI"/>
+        <a:font script="Mymr" typeface="Myanmar Text"/>
+        <a:font script="Nkoo" typeface="Ebrima"/>
+        <a:font script="Olck" typeface="Nirmala UI"/>
+        <a:font script="Osma" typeface="Ebrima"/>
+        <a:font script="Phag" typeface="Phagspa"/>
+        <a:font script="Syrn" typeface="Estrangelo Edessa"/>
+        <a:font script="Syrj" typeface="Estrangelo Edessa"/>
+        <a:font script="Syre" typeface="Estrangelo Edessa"/>
+        <a:font script="Sora" typeface="Nirmala UI"/>
+        <a:font script="Tale" typeface="Microsoft Tai Le"/>
+        <a:font script="Talu" typeface="Microsoft New Tai Lue"/>
+        <a:font script="Tfng" typeface="Ebrima"/>
       </a:minorFont>
     </a:fontScheme>
     <a:fmtScheme name="Office">

--- a/fig/embedded_frame.pptx
+++ b/fig/embedded_frame.pptx
@@ -3352,6 +3352,11 @@
               <a:lumOff val="60000"/>
             </a:schemeClr>
           </a:solidFill>
+          <a:ln>
+            <a:solidFill>
+              <a:schemeClr val="tx1"/>
+            </a:solidFill>
+          </a:ln>
         </p:spPr>
         <p:style>
           <a:lnRef idx="2">
@@ -3406,6 +3411,11 @@
               <a:lumOff val="60000"/>
             </a:schemeClr>
           </a:solidFill>
+          <a:ln>
+            <a:solidFill>
+              <a:schemeClr val="tx1"/>
+            </a:solidFill>
+          </a:ln>
         </p:spPr>
         <p:style>
           <a:lnRef idx="2">
@@ -3467,6 +3477,11 @@
               <a:lumOff val="60000"/>
             </a:schemeClr>
           </a:solidFill>
+          <a:ln>
+            <a:solidFill>
+              <a:schemeClr val="tx1"/>
+            </a:solidFill>
+          </a:ln>
         </p:spPr>
         <p:style>
           <a:lnRef idx="2">
@@ -3528,6 +3543,11 @@
               <a:lumOff val="60000"/>
             </a:schemeClr>
           </a:solidFill>
+          <a:ln>
+            <a:solidFill>
+              <a:schemeClr val="tx1"/>
+            </a:solidFill>
+          </a:ln>
         </p:spPr>
         <p:style>
           <a:lnRef idx="2">
@@ -3589,6 +3609,11 @@
               <a:lumOff val="60000"/>
             </a:schemeClr>
           </a:solidFill>
+          <a:ln>
+            <a:solidFill>
+              <a:schemeClr val="tx1"/>
+            </a:solidFill>
+          </a:ln>
         </p:spPr>
         <p:style>
           <a:lnRef idx="2">
@@ -3650,6 +3675,11 @@
               <a:lumOff val="60000"/>
             </a:schemeClr>
           </a:solidFill>
+          <a:ln>
+            <a:solidFill>
+              <a:schemeClr val="tx1"/>
+            </a:solidFill>
+          </a:ln>
         </p:spPr>
         <p:style>
           <a:lnRef idx="2">
@@ -3711,6 +3741,11 @@
               <a:lumOff val="60000"/>
             </a:schemeClr>
           </a:solidFill>
+          <a:ln>
+            <a:solidFill>
+              <a:schemeClr val="tx1"/>
+            </a:solidFill>
+          </a:ln>
         </p:spPr>
         <p:style>
           <a:lnRef idx="2">
@@ -3772,6 +3807,11 @@
               <a:lumOff val="60000"/>
             </a:schemeClr>
           </a:solidFill>
+          <a:ln>
+            <a:solidFill>
+              <a:schemeClr val="tx1"/>
+            </a:solidFill>
+          </a:ln>
         </p:spPr>
         <p:style>
           <a:lnRef idx="2">
@@ -3833,6 +3873,11 @@
               <a:lumOff val="60000"/>
             </a:schemeClr>
           </a:solidFill>
+          <a:ln>
+            <a:solidFill>
+              <a:schemeClr val="tx1"/>
+            </a:solidFill>
+          </a:ln>
         </p:spPr>
         <p:style>
           <a:lnRef idx="2">
@@ -3894,6 +3939,11 @@
               <a:lumOff val="60000"/>
             </a:schemeClr>
           </a:solidFill>
+          <a:ln>
+            <a:solidFill>
+              <a:schemeClr val="tx1"/>
+            </a:solidFill>
+          </a:ln>
         </p:spPr>
         <p:style>
           <a:lnRef idx="2">
@@ -3955,6 +4005,11 @@
               <a:lumOff val="60000"/>
             </a:schemeClr>
           </a:solidFill>
+          <a:ln>
+            <a:solidFill>
+              <a:schemeClr val="tx1"/>
+            </a:solidFill>
+          </a:ln>
         </p:spPr>
         <p:style>
           <a:lnRef idx="2">
@@ -4016,6 +4071,11 @@
               <a:lumOff val="60000"/>
             </a:schemeClr>
           </a:solidFill>
+          <a:ln>
+            <a:solidFill>
+              <a:schemeClr val="tx1"/>
+            </a:solidFill>
+          </a:ln>
         </p:spPr>
         <p:style>
           <a:lnRef idx="2">
@@ -4077,6 +4137,11 @@
               <a:lumOff val="60000"/>
             </a:schemeClr>
           </a:solidFill>
+          <a:ln>
+            <a:solidFill>
+              <a:schemeClr val="tx1"/>
+            </a:solidFill>
+          </a:ln>
         </p:spPr>
         <p:style>
           <a:lnRef idx="2">
@@ -4138,6 +4203,11 @@
               <a:lumOff val="60000"/>
             </a:schemeClr>
           </a:solidFill>
+          <a:ln>
+            <a:solidFill>
+              <a:schemeClr val="tx1"/>
+            </a:solidFill>
+          </a:ln>
         </p:spPr>
         <p:style>
           <a:lnRef idx="2">
@@ -4199,6 +4269,11 @@
               <a:lumOff val="60000"/>
             </a:schemeClr>
           </a:solidFill>
+          <a:ln>
+            <a:solidFill>
+              <a:schemeClr val="tx1"/>
+            </a:solidFill>
+          </a:ln>
         </p:spPr>
         <p:style>
           <a:lnRef idx="2">
@@ -4260,6 +4335,11 @@
               <a:lumOff val="60000"/>
             </a:schemeClr>
           </a:solidFill>
+          <a:ln>
+            <a:solidFill>
+              <a:schemeClr val="tx1"/>
+            </a:solidFill>
+          </a:ln>
         </p:spPr>
         <p:style>
           <a:lnRef idx="2">
@@ -4321,6 +4401,11 @@
               <a:lumOff val="60000"/>
             </a:schemeClr>
           </a:solidFill>
+          <a:ln>
+            <a:solidFill>
+              <a:schemeClr val="tx1"/>
+            </a:solidFill>
+          </a:ln>
         </p:spPr>
         <p:style>
           <a:lnRef idx="2">
@@ -4382,6 +4467,11 @@
               <a:lumOff val="60000"/>
             </a:schemeClr>
           </a:solidFill>
+          <a:ln>
+            <a:solidFill>
+              <a:schemeClr val="tx1"/>
+            </a:solidFill>
+          </a:ln>
         </p:spPr>
         <p:style>
           <a:lnRef idx="2">
@@ -4443,6 +4533,11 @@
               <a:lumOff val="60000"/>
             </a:schemeClr>
           </a:solidFill>
+          <a:ln>
+            <a:solidFill>
+              <a:schemeClr val="tx1"/>
+            </a:solidFill>
+          </a:ln>
         </p:spPr>
         <p:style>
           <a:lnRef idx="2">
@@ -4504,6 +4599,11 @@
               <a:lumOff val="60000"/>
             </a:schemeClr>
           </a:solidFill>
+          <a:ln>
+            <a:solidFill>
+              <a:schemeClr val="tx1"/>
+            </a:solidFill>
+          </a:ln>
         </p:spPr>
         <p:style>
           <a:lnRef idx="2">
@@ -4565,6 +4665,11 @@
               <a:lumOff val="60000"/>
             </a:schemeClr>
           </a:solidFill>
+          <a:ln>
+            <a:solidFill>
+              <a:schemeClr val="tx1"/>
+            </a:solidFill>
+          </a:ln>
         </p:spPr>
         <p:style>
           <a:lnRef idx="2">
@@ -4626,6 +4731,11 @@
               <a:lumOff val="60000"/>
             </a:schemeClr>
           </a:solidFill>
+          <a:ln>
+            <a:solidFill>
+              <a:schemeClr val="tx1"/>
+            </a:solidFill>
+          </a:ln>
         </p:spPr>
         <p:style>
           <a:lnRef idx="2">
@@ -4687,6 +4797,11 @@
               <a:lumOff val="60000"/>
             </a:schemeClr>
           </a:solidFill>
+          <a:ln>
+            <a:solidFill>
+              <a:schemeClr val="tx1"/>
+            </a:solidFill>
+          </a:ln>
         </p:spPr>
         <p:style>
           <a:lnRef idx="2">
@@ -4748,6 +4863,11 @@
               <a:lumOff val="60000"/>
             </a:schemeClr>
           </a:solidFill>
+          <a:ln>
+            <a:solidFill>
+              <a:schemeClr val="tx1"/>
+            </a:solidFill>
+          </a:ln>
         </p:spPr>
         <p:style>
           <a:lnRef idx="2">
@@ -4809,6 +4929,11 @@
               <a:lumOff val="60000"/>
             </a:schemeClr>
           </a:solidFill>
+          <a:ln>
+            <a:solidFill>
+              <a:schemeClr val="tx1"/>
+            </a:solidFill>
+          </a:ln>
         </p:spPr>
         <p:style>
           <a:lnRef idx="2">
@@ -4870,6 +4995,11 @@
               <a:lumOff val="60000"/>
             </a:schemeClr>
           </a:solidFill>
+          <a:ln>
+            <a:solidFill>
+              <a:schemeClr val="tx1"/>
+            </a:solidFill>
+          </a:ln>
         </p:spPr>
         <p:style>
           <a:lnRef idx="2">
@@ -4931,6 +5061,11 @@
               <a:lumOff val="60000"/>
             </a:schemeClr>
           </a:solidFill>
+          <a:ln>
+            <a:solidFill>
+              <a:schemeClr val="tx1"/>
+            </a:solidFill>
+          </a:ln>
         </p:spPr>
         <p:style>
           <a:lnRef idx="2">
@@ -4992,6 +5127,11 @@
               <a:lumOff val="60000"/>
             </a:schemeClr>
           </a:solidFill>
+          <a:ln>
+            <a:solidFill>
+              <a:schemeClr val="tx1"/>
+            </a:solidFill>
+          </a:ln>
         </p:spPr>
         <p:style>
           <a:lnRef idx="2">
@@ -5053,6 +5193,11 @@
               <a:lumOff val="60000"/>
             </a:schemeClr>
           </a:solidFill>
+          <a:ln>
+            <a:solidFill>
+              <a:schemeClr val="tx1"/>
+            </a:solidFill>
+          </a:ln>
         </p:spPr>
         <p:style>
           <a:lnRef idx="2">
@@ -5114,6 +5259,11 @@
               <a:lumOff val="60000"/>
             </a:schemeClr>
           </a:solidFill>
+          <a:ln>
+            <a:solidFill>
+              <a:schemeClr val="tx1"/>
+            </a:solidFill>
+          </a:ln>
         </p:spPr>
         <p:style>
           <a:lnRef idx="2">
@@ -5175,6 +5325,11 @@
               <a:lumOff val="60000"/>
             </a:schemeClr>
           </a:solidFill>
+          <a:ln>
+            <a:solidFill>
+              <a:schemeClr val="tx1"/>
+            </a:solidFill>
+          </a:ln>
         </p:spPr>
         <p:style>
           <a:lnRef idx="2">
@@ -5236,6 +5391,11 @@
               <a:lumOff val="60000"/>
             </a:schemeClr>
           </a:solidFill>
+          <a:ln>
+            <a:solidFill>
+              <a:schemeClr val="tx1"/>
+            </a:solidFill>
+          </a:ln>
         </p:spPr>
         <p:style>
           <a:lnRef idx="2">
@@ -5297,6 +5457,11 @@
               <a:lumOff val="60000"/>
             </a:schemeClr>
           </a:solidFill>
+          <a:ln>
+            <a:solidFill>
+              <a:schemeClr val="tx1"/>
+            </a:solidFill>
+          </a:ln>
         </p:spPr>
         <p:style>
           <a:lnRef idx="2">
@@ -5358,6 +5523,11 @@
               <a:lumOff val="60000"/>
             </a:schemeClr>
           </a:solidFill>
+          <a:ln>
+            <a:solidFill>
+              <a:schemeClr val="tx1"/>
+            </a:solidFill>
+          </a:ln>
         </p:spPr>
         <p:style>
           <a:lnRef idx="2">
@@ -5419,6 +5589,11 @@
               <a:lumOff val="60000"/>
             </a:schemeClr>
           </a:solidFill>
+          <a:ln>
+            <a:solidFill>
+              <a:schemeClr val="tx1"/>
+            </a:solidFill>
+          </a:ln>
         </p:spPr>
         <p:style>
           <a:lnRef idx="2">
@@ -5480,6 +5655,11 @@
               <a:lumOff val="60000"/>
             </a:schemeClr>
           </a:solidFill>
+          <a:ln>
+            <a:solidFill>
+              <a:schemeClr val="tx1"/>
+            </a:solidFill>
+          </a:ln>
         </p:spPr>
         <p:style>
           <a:lnRef idx="2">
@@ -5541,6 +5721,11 @@
               <a:lumOff val="60000"/>
             </a:schemeClr>
           </a:solidFill>
+          <a:ln>
+            <a:solidFill>
+              <a:schemeClr val="tx1"/>
+            </a:solidFill>
+          </a:ln>
         </p:spPr>
         <p:style>
           <a:lnRef idx="2">
@@ -5602,6 +5787,11 @@
               <a:lumOff val="60000"/>
             </a:schemeClr>
           </a:solidFill>
+          <a:ln>
+            <a:solidFill>
+              <a:schemeClr val="tx1"/>
+            </a:solidFill>
+          </a:ln>
         </p:spPr>
         <p:style>
           <a:lnRef idx="2">
@@ -5663,6 +5853,11 @@
               <a:lumOff val="60000"/>
             </a:schemeClr>
           </a:solidFill>
+          <a:ln>
+            <a:solidFill>
+              <a:schemeClr val="tx1"/>
+            </a:solidFill>
+          </a:ln>
         </p:spPr>
         <p:style>
           <a:lnRef idx="2">
@@ -5724,6 +5919,11 @@
               <a:lumOff val="60000"/>
             </a:schemeClr>
           </a:solidFill>
+          <a:ln>
+            <a:solidFill>
+              <a:schemeClr val="tx1"/>
+            </a:solidFill>
+          </a:ln>
         </p:spPr>
         <p:style>
           <a:lnRef idx="2">
@@ -5785,6 +5985,11 @@
               <a:lumOff val="60000"/>
             </a:schemeClr>
           </a:solidFill>
+          <a:ln>
+            <a:solidFill>
+              <a:schemeClr val="tx1"/>
+            </a:solidFill>
+          </a:ln>
         </p:spPr>
         <p:style>
           <a:lnRef idx="2">
@@ -5846,6 +6051,11 @@
               <a:lumOff val="60000"/>
             </a:schemeClr>
           </a:solidFill>
+          <a:ln>
+            <a:solidFill>
+              <a:schemeClr val="tx1"/>
+            </a:solidFill>
+          </a:ln>
         </p:spPr>
         <p:style>
           <a:lnRef idx="2">
@@ -5907,6 +6117,11 @@
               <a:lumOff val="60000"/>
             </a:schemeClr>
           </a:solidFill>
+          <a:ln>
+            <a:solidFill>
+              <a:schemeClr val="tx1"/>
+            </a:solidFill>
+          </a:ln>
         </p:spPr>
         <p:style>
           <a:lnRef idx="2">
@@ -5968,6 +6183,11 @@
               <a:lumOff val="60000"/>
             </a:schemeClr>
           </a:solidFill>
+          <a:ln>
+            <a:solidFill>
+              <a:schemeClr val="tx1"/>
+            </a:solidFill>
+          </a:ln>
         </p:spPr>
         <p:style>
           <a:lnRef idx="2">
@@ -6029,6 +6249,11 @@
               <a:lumOff val="60000"/>
             </a:schemeClr>
           </a:solidFill>
+          <a:ln>
+            <a:solidFill>
+              <a:schemeClr val="tx1"/>
+            </a:solidFill>
+          </a:ln>
         </p:spPr>
         <p:style>
           <a:lnRef idx="2">
